--- a/bishops/cs321/resources/CS321_Lecture_09.pptx
+++ b/bishops/cs321/resources/CS321_Lecture_09.pptx
@@ -139,7 +139,7 @@
   </p:defaultTextStyle>
   <p:extLst>
     <p:ext uri="{EFAFB233-063F-42B5-8137-9DF3F51BA10A}">
-      <p15:sldGuideLst xmlns:p15="http://schemas.microsoft.com/office/powerpoint/2012/main"/>
+      <p15:sldGuideLst xmlns="" xmlns:p15="http://schemas.microsoft.com/office/powerpoint/2012/main"/>
     </p:ext>
   </p:extLst>
 </p:presentation>
@@ -150,7 +150,7 @@
   <p:cmAuthor id="1" name="Gregory" initials="G" lastIdx="1" clrIdx="0">
     <p:extLst>
       <p:ext uri="{19B8F6BF-5375-455C-9EA6-DF929625EA0E}">
-        <p15:presenceInfo xmlns:p15="http://schemas.microsoft.com/office/powerpoint/2012/main" userId="Gregory" providerId="None"/>
+        <p15:presenceInfo xmlns="" xmlns:p15="http://schemas.microsoft.com/office/powerpoint/2012/main" userId="Gregory" providerId="None"/>
       </p:ext>
     </p:extLst>
   </p:cmAuthor>
@@ -239,7 +239,8 @@
           <a:p>
             <a:fld id="{A6583E9D-07AB-4C6D-BFD0-47E805C6B3D4}" type="datetimeFigureOut">
               <a:rPr lang="en-CA" smtClean="0"/>
-              <a:t>2022-02-11</a:t>
+              <a:pPr/>
+              <a:t>2024-02-13</a:t>
             </a:fld>
             <a:endParaRPr lang="en-CA"/>
           </a:p>
@@ -398,6 +399,7 @@
           <a:p>
             <a:fld id="{8F20841C-25C9-4C0C-A7FA-C4A363D14F5A}" type="slidenum">
               <a:rPr lang="en-CA" smtClean="0"/>
+              <a:pPr/>
               <a:t>‹#›</a:t>
             </a:fld>
             <a:endParaRPr lang="en-CA"/>
@@ -407,7 +409,7 @@
     </p:spTree>
     <p:extLst>
       <p:ext uri="{BB962C8B-B14F-4D97-AF65-F5344CB8AC3E}">
-        <p14:creationId xmlns:p14="http://schemas.microsoft.com/office/powerpoint/2010/main" val="4237529172"/>
+        <p14:creationId xmlns="" xmlns:p14="http://schemas.microsoft.com/office/powerpoint/2010/main" val="4237529172"/>
       </p:ext>
     </p:extLst>
   </p:cSld>
@@ -580,6 +582,7 @@
           <a:p>
             <a:fld id="{8F20841C-25C9-4C0C-A7FA-C4A363D14F5A}" type="slidenum">
               <a:rPr lang="en-CA" smtClean="0"/>
+              <a:pPr/>
               <a:t>1</a:t>
             </a:fld>
             <a:endParaRPr lang="en-CA"/>
@@ -589,9 +592,91 @@
     </p:spTree>
     <p:extLst>
       <p:ext uri="{BB962C8B-B14F-4D97-AF65-F5344CB8AC3E}">
-        <p14:creationId xmlns:p14="http://schemas.microsoft.com/office/powerpoint/2010/main" val="2340334442"/>
+        <p14:creationId xmlns="" xmlns:p14="http://schemas.microsoft.com/office/powerpoint/2010/main" val="2340334442"/>
       </p:ext>
     </p:extLst>
+  </p:cSld>
+  <p:clrMapOvr>
+    <a:masterClrMapping/>
+  </p:clrMapOvr>
+</p:notes>
+</file>
+
+<file path=ppt/notesSlides/notesSlide2.xml><?xml version="1.0" encoding="utf-8"?>
+<p:notes xmlns:a="http://schemas.openxmlformats.org/drawingml/2006/main" xmlns:r="http://schemas.openxmlformats.org/officeDocument/2006/relationships" xmlns:p="http://schemas.openxmlformats.org/presentationml/2006/main">
+  <p:cSld>
+    <p:spTree>
+      <p:nvGrpSpPr>
+        <p:cNvPr id="1" name=""/>
+        <p:cNvGrpSpPr/>
+        <p:nvPr/>
+      </p:nvGrpSpPr>
+      <p:grpSpPr>
+        <a:xfrm>
+          <a:off x="0" y="0"/>
+          <a:ext cx="0" cy="0"/>
+          <a:chOff x="0" y="0"/>
+          <a:chExt cx="0" cy="0"/>
+        </a:xfrm>
+      </p:grpSpPr>
+      <p:sp>
+        <p:nvSpPr>
+          <p:cNvPr id="2" name="Slide Image Placeholder 1"/>
+          <p:cNvSpPr>
+            <a:spLocks noGrp="1" noRot="1" noChangeAspect="1"/>
+          </p:cNvSpPr>
+          <p:nvPr>
+            <p:ph type="sldImg"/>
+          </p:nvPr>
+        </p:nvSpPr>
+        <p:spPr/>
+      </p:sp>
+      <p:sp>
+        <p:nvSpPr>
+          <p:cNvPr id="3" name="Notes Placeholder 2"/>
+          <p:cNvSpPr>
+            <a:spLocks noGrp="1"/>
+          </p:cNvSpPr>
+          <p:nvPr>
+            <p:ph type="body" idx="1"/>
+          </p:nvPr>
+        </p:nvSpPr>
+        <p:spPr/>
+        <p:txBody>
+          <a:bodyPr>
+            <a:normAutofit/>
+          </a:bodyPr>
+          <a:lstStyle/>
+          <a:p>
+            <a:endParaRPr lang="en-US" dirty="0"/>
+          </a:p>
+        </p:txBody>
+      </p:sp>
+      <p:sp>
+        <p:nvSpPr>
+          <p:cNvPr id="4" name="Slide Number Placeholder 3"/>
+          <p:cNvSpPr>
+            <a:spLocks noGrp="1"/>
+          </p:cNvSpPr>
+          <p:nvPr>
+            <p:ph type="sldNum" sz="quarter" idx="10"/>
+          </p:nvPr>
+        </p:nvSpPr>
+        <p:spPr/>
+        <p:txBody>
+          <a:bodyPr/>
+          <a:lstStyle/>
+          <a:p>
+            <a:fld id="{8F20841C-25C9-4C0C-A7FA-C4A363D14F5A}" type="slidenum">
+              <a:rPr lang="en-CA" smtClean="0"/>
+              <a:pPr/>
+              <a:t>6</a:t>
+            </a:fld>
+            <a:endParaRPr lang="en-CA"/>
+          </a:p>
+        </p:txBody>
+      </p:sp>
+    </p:spTree>
   </p:cSld>
   <p:clrMapOvr>
     <a:masterClrMapping/>
@@ -783,6 +868,7 @@
           <a:p>
             <a:fld id="{5174927E-2439-42C0-9720-7BBCA09BF46F}" type="slidenum">
               <a:rPr lang="en-CA" smtClean="0"/>
+              <a:pPr/>
               <a:t>‹#›</a:t>
             </a:fld>
             <a:endParaRPr lang="en-CA"/>
@@ -792,7 +878,7 @@
     </p:spTree>
     <p:extLst>
       <p:ext uri="{BB962C8B-B14F-4D97-AF65-F5344CB8AC3E}">
-        <p14:creationId xmlns:p14="http://schemas.microsoft.com/office/powerpoint/2010/main" val="1900560834"/>
+        <p14:creationId xmlns="" xmlns:p14="http://schemas.microsoft.com/office/powerpoint/2010/main" val="1900560834"/>
       </p:ext>
     </p:extLst>
   </p:cSld>
@@ -956,6 +1042,7 @@
           <a:p>
             <a:fld id="{5174927E-2439-42C0-9720-7BBCA09BF46F}" type="slidenum">
               <a:rPr lang="en-CA" smtClean="0"/>
+              <a:pPr/>
               <a:t>‹#›</a:t>
             </a:fld>
             <a:endParaRPr lang="en-CA"/>
@@ -965,7 +1052,7 @@
     </p:spTree>
     <p:extLst>
       <p:ext uri="{BB962C8B-B14F-4D97-AF65-F5344CB8AC3E}">
-        <p14:creationId xmlns:p14="http://schemas.microsoft.com/office/powerpoint/2010/main" val="3722958745"/>
+        <p14:creationId xmlns="" xmlns:p14="http://schemas.microsoft.com/office/powerpoint/2010/main" val="3722958745"/>
       </p:ext>
     </p:extLst>
   </p:cSld>
@@ -1201,7 +1288,7 @@
     </p:spTree>
     <p:extLst>
       <p:ext uri="{BB962C8B-B14F-4D97-AF65-F5344CB8AC3E}">
-        <p14:creationId xmlns:p14="http://schemas.microsoft.com/office/powerpoint/2010/main" val="1822376042"/>
+        <p14:creationId xmlns="" xmlns:p14="http://schemas.microsoft.com/office/powerpoint/2010/main" val="1822376042"/>
       </p:ext>
     </p:extLst>
   </p:cSld>
@@ -1441,6 +1528,7 @@
           <a:p>
             <a:fld id="{5174927E-2439-42C0-9720-7BBCA09BF46F}" type="slidenum">
               <a:rPr lang="en-CA" smtClean="0"/>
+              <a:pPr/>
               <a:t>‹#›</a:t>
             </a:fld>
             <a:endParaRPr lang="en-CA"/>
@@ -1450,7 +1538,7 @@
     </p:spTree>
     <p:extLst>
       <p:ext uri="{BB962C8B-B14F-4D97-AF65-F5344CB8AC3E}">
-        <p14:creationId xmlns:p14="http://schemas.microsoft.com/office/powerpoint/2010/main" val="3411672561"/>
+        <p14:creationId xmlns="" xmlns:p14="http://schemas.microsoft.com/office/powerpoint/2010/main" val="3411672561"/>
       </p:ext>
     </p:extLst>
   </p:cSld>
@@ -1676,6 +1764,7 @@
           <a:p>
             <a:fld id="{5174927E-2439-42C0-9720-7BBCA09BF46F}" type="slidenum">
               <a:rPr lang="en-CA" smtClean="0"/>
+              <a:pPr/>
               <a:t>‹#›</a:t>
             </a:fld>
             <a:endParaRPr lang="en-CA"/>
@@ -1685,7 +1774,7 @@
     </p:spTree>
     <p:extLst>
       <p:ext uri="{BB962C8B-B14F-4D97-AF65-F5344CB8AC3E}">
-        <p14:creationId xmlns:p14="http://schemas.microsoft.com/office/powerpoint/2010/main" val="1093008526"/>
+        <p14:creationId xmlns="" xmlns:p14="http://schemas.microsoft.com/office/powerpoint/2010/main" val="1093008526"/>
       </p:ext>
     </p:extLst>
   </p:cSld>
@@ -2046,6 +2135,7 @@
           <a:p>
             <a:fld id="{5174927E-2439-42C0-9720-7BBCA09BF46F}" type="slidenum">
               <a:rPr lang="en-CA" smtClean="0"/>
+              <a:pPr/>
               <a:t>‹#›</a:t>
             </a:fld>
             <a:endParaRPr lang="en-CA"/>
@@ -2055,7 +2145,7 @@
     </p:spTree>
     <p:extLst>
       <p:ext uri="{BB962C8B-B14F-4D97-AF65-F5344CB8AC3E}">
-        <p14:creationId xmlns:p14="http://schemas.microsoft.com/office/powerpoint/2010/main" val="1087924878"/>
+        <p14:creationId xmlns="" xmlns:p14="http://schemas.microsoft.com/office/powerpoint/2010/main" val="1087924878"/>
       </p:ext>
     </p:extLst>
   </p:cSld>
@@ -2167,6 +2257,7 @@
           <a:p>
             <a:fld id="{5174927E-2439-42C0-9720-7BBCA09BF46F}" type="slidenum">
               <a:rPr lang="en-CA" smtClean="0"/>
+              <a:pPr/>
               <a:t>‹#›</a:t>
             </a:fld>
             <a:endParaRPr lang="en-CA"/>
@@ -2176,7 +2267,7 @@
     </p:spTree>
     <p:extLst>
       <p:ext uri="{BB962C8B-B14F-4D97-AF65-F5344CB8AC3E}">
-        <p14:creationId xmlns:p14="http://schemas.microsoft.com/office/powerpoint/2010/main" val="3802387408"/>
+        <p14:creationId xmlns="" xmlns:p14="http://schemas.microsoft.com/office/powerpoint/2010/main" val="3802387408"/>
       </p:ext>
     </p:extLst>
   </p:cSld>
@@ -2265,6 +2356,7 @@
           <a:p>
             <a:fld id="{5174927E-2439-42C0-9720-7BBCA09BF46F}" type="slidenum">
               <a:rPr lang="en-CA" smtClean="0"/>
+              <a:pPr/>
               <a:t>‹#›</a:t>
             </a:fld>
             <a:endParaRPr lang="en-CA"/>
@@ -2274,7 +2366,7 @@
     </p:spTree>
     <p:extLst>
       <p:ext uri="{BB962C8B-B14F-4D97-AF65-F5344CB8AC3E}">
-        <p14:creationId xmlns:p14="http://schemas.microsoft.com/office/powerpoint/2010/main" val="4234091411"/>
+        <p14:creationId xmlns="" xmlns:p14="http://schemas.microsoft.com/office/powerpoint/2010/main" val="4234091411"/>
       </p:ext>
     </p:extLst>
   </p:cSld>
@@ -2545,6 +2637,7 @@
           <a:p>
             <a:fld id="{5174927E-2439-42C0-9720-7BBCA09BF46F}" type="slidenum">
               <a:rPr lang="en-CA" smtClean="0"/>
+              <a:pPr/>
               <a:t>‹#›</a:t>
             </a:fld>
             <a:endParaRPr lang="en-CA"/>
@@ -2554,7 +2647,7 @@
     </p:spTree>
     <p:extLst>
       <p:ext uri="{BB962C8B-B14F-4D97-AF65-F5344CB8AC3E}">
-        <p14:creationId xmlns:p14="http://schemas.microsoft.com/office/powerpoint/2010/main" val="4189422420"/>
+        <p14:creationId xmlns="" xmlns:p14="http://schemas.microsoft.com/office/powerpoint/2010/main" val="4189422420"/>
       </p:ext>
     </p:extLst>
   </p:cSld>
@@ -2801,6 +2894,7 @@
           <a:p>
             <a:fld id="{5174927E-2439-42C0-9720-7BBCA09BF46F}" type="slidenum">
               <a:rPr lang="en-CA" smtClean="0"/>
+              <a:pPr/>
               <a:t>‹#›</a:t>
             </a:fld>
             <a:endParaRPr lang="en-CA"/>
@@ -2810,7 +2904,7 @@
     </p:spTree>
     <p:extLst>
       <p:ext uri="{BB962C8B-B14F-4D97-AF65-F5344CB8AC3E}">
-        <p14:creationId xmlns:p14="http://schemas.microsoft.com/office/powerpoint/2010/main" val="3252977898"/>
+        <p14:creationId xmlns="" xmlns:p14="http://schemas.microsoft.com/office/powerpoint/2010/main" val="3252977898"/>
       </p:ext>
     </p:extLst>
   </p:cSld>
@@ -3076,10 +3170,10 @@
           <p:nvPr userDrawn="1"/>
         </p:nvPicPr>
         <p:blipFill>
-          <a:blip r:embed="rId13">
+          <a:blip r:embed="rId13" cstate="print">
             <a:extLst>
               <a:ext uri="{28A0092B-C50C-407E-A947-70E740481C1C}">
-                <a14:useLocalDpi xmlns:a14="http://schemas.microsoft.com/office/drawing/2010/main" val="0"/>
+                <a14:useLocalDpi xmlns="" xmlns:a14="http://schemas.microsoft.com/office/drawing/2010/main" val="0"/>
               </a:ext>
             </a:extLst>
           </a:blip>
@@ -3100,7 +3194,7 @@
     </p:spTree>
     <p:extLst>
       <p:ext uri="{BB962C8B-B14F-4D97-AF65-F5344CB8AC3E}">
-        <p14:creationId xmlns:p14="http://schemas.microsoft.com/office/powerpoint/2010/main" val="4230061028"/>
+        <p14:creationId xmlns="" xmlns:p14="http://schemas.microsoft.com/office/powerpoint/2010/main" val="4230061028"/>
       </p:ext>
     </p:extLst>
   </p:cSld>
@@ -3557,7 +3651,7 @@
           <p:cNvPr id="13" name="Picture 8" descr="http://osiris.ubishops.ca/~alussier/images/transparentlogo_bu.png">
             <a:extLst>
               <a:ext uri="{FF2B5EF4-FFF2-40B4-BE49-F238E27FC236}">
-                <a16:creationId xmlns:a16="http://schemas.microsoft.com/office/drawing/2014/main" id="{CCB9A035-2F1C-4B96-A5DB-70B72D6E4AD8}"/>
+                <a16:creationId xmlns="" xmlns:a16="http://schemas.microsoft.com/office/drawing/2014/main" id="{CCB9A035-2F1C-4B96-A5DB-70B72D6E4AD8}"/>
               </a:ext>
             </a:extLst>
           </p:cNvPr>
@@ -3567,10 +3661,10 @@
           <p:nvPr/>
         </p:nvPicPr>
         <p:blipFill>
-          <a:blip r:embed="rId3">
+          <a:blip r:embed="rId3" cstate="print">
             <a:extLst>
               <a:ext uri="{28A0092B-C50C-407E-A947-70E740481C1C}">
-                <a14:useLocalDpi xmlns:a14="http://schemas.microsoft.com/office/drawing/2010/main" val="0"/>
+                <a14:useLocalDpi xmlns="" xmlns:a14="http://schemas.microsoft.com/office/drawing/2010/main" val="0"/>
               </a:ext>
             </a:extLst>
           </a:blip>
@@ -3590,7 +3684,7 @@
           <a:noFill/>
           <a:extLst>
             <a:ext uri="{909E8E84-426E-40DD-AFC4-6F175D3DCCD1}">
-              <a14:hiddenFill xmlns:a14="http://schemas.microsoft.com/office/drawing/2010/main">
+              <a14:hiddenFill xmlns="" xmlns:a14="http://schemas.microsoft.com/office/drawing/2010/main">
                 <a:solidFill>
                   <a:srgbClr val="FFFFFF"/>
                 </a:solidFill>
@@ -3602,7 +3696,7 @@
     </p:spTree>
     <p:extLst>
       <p:ext uri="{BB962C8B-B14F-4D97-AF65-F5344CB8AC3E}">
-        <p14:creationId xmlns:p14="http://schemas.microsoft.com/office/powerpoint/2010/main" val="4177077622"/>
+        <p14:creationId xmlns="" xmlns:p14="http://schemas.microsoft.com/office/powerpoint/2010/main" val="4177077622"/>
       </p:ext>
     </p:extLst>
   </p:cSld>
@@ -3731,7 +3825,7 @@
             </a:r>
           </a:p>
           <a:p>
-            <a:pPr marL="342900" indent="-342900">
+            <a:pPr marL="800100" lvl="1" indent="-342900">
               <a:defRPr/>
             </a:pPr>
             <a:r>
@@ -3771,28 +3865,6 @@
             <a:r>
               <a:rPr lang="en-US" altLang="en-US" dirty="0"/>
               <a:t>next will return the next item in a collection</a:t>
-            </a:r>
-          </a:p>
-        </p:txBody>
-      </p:sp>
-      <p:sp>
-        <p:nvSpPr>
-          <p:cNvPr id="6" name="Date Placeholder 5"/>
-          <p:cNvSpPr>
-            <a:spLocks noGrp="1"/>
-          </p:cNvSpPr>
-          <p:nvPr>
-            <p:ph type="dt" sz="half" idx="2"/>
-          </p:nvPr>
-        </p:nvSpPr>
-        <p:spPr/>
-        <p:txBody>
-          <a:bodyPr/>
-          <a:lstStyle/>
-          <a:p>
-            <a:r>
-              <a:rPr lang="en-CA" dirty="0"/>
-              <a:t>Winter 2022</a:t>
             </a:r>
           </a:p>
         </p:txBody>
@@ -3851,7 +3923,7 @@
           <p:cNvPr id="7" name="Text Box 2">
             <a:extLst>
               <a:ext uri="{FF2B5EF4-FFF2-40B4-BE49-F238E27FC236}">
-                <a16:creationId xmlns:a16="http://schemas.microsoft.com/office/drawing/2014/main" id="{FCE9DDDC-8F7E-44FA-97F1-BF6F02C1B1A8}"/>
+                <a16:creationId xmlns="" xmlns:a16="http://schemas.microsoft.com/office/drawing/2014/main" id="{FCE9DDDC-8F7E-44FA-97F1-BF6F02C1B1A8}"/>
               </a:ext>
             </a:extLst>
           </p:cNvPr>
@@ -3959,7 +4031,7 @@
     </p:spTree>
     <p:extLst>
       <p:ext uri="{BB962C8B-B14F-4D97-AF65-F5344CB8AC3E}">
-        <p14:creationId xmlns:p14="http://schemas.microsoft.com/office/powerpoint/2010/main" val="3854217108"/>
+        <p14:creationId xmlns="" xmlns:p14="http://schemas.microsoft.com/office/powerpoint/2010/main" val="3854217108"/>
       </p:ext>
     </p:extLst>
   </p:cSld>
@@ -4045,28 +4117,6 @@
       </p:sp>
       <p:sp>
         <p:nvSpPr>
-          <p:cNvPr id="6" name="Date Placeholder 5"/>
-          <p:cNvSpPr>
-            <a:spLocks noGrp="1"/>
-          </p:cNvSpPr>
-          <p:nvPr>
-            <p:ph type="dt" sz="half" idx="2"/>
-          </p:nvPr>
-        </p:nvSpPr>
-        <p:spPr/>
-        <p:txBody>
-          <a:bodyPr/>
-          <a:lstStyle/>
-          <a:p>
-            <a:r>
-              <a:rPr lang="en-CA" dirty="0"/>
-              <a:t>Winter 2022</a:t>
-            </a:r>
-          </a:p>
-        </p:txBody>
-      </p:sp>
-      <p:sp>
-        <p:nvSpPr>
           <p:cNvPr id="10" name="Footer Placeholder 9"/>
           <p:cNvSpPr>
             <a:spLocks noGrp="1"/>
@@ -4119,7 +4169,7 @@
           <p:cNvPr id="7" name="Text Box 2">
             <a:extLst>
               <a:ext uri="{FF2B5EF4-FFF2-40B4-BE49-F238E27FC236}">
-                <a16:creationId xmlns:a16="http://schemas.microsoft.com/office/drawing/2014/main" id="{F5F1EF1B-FDCC-44CE-90EB-0CB7313C951B}"/>
+                <a16:creationId xmlns="" xmlns:a16="http://schemas.microsoft.com/office/drawing/2014/main" id="{F5F1EF1B-FDCC-44CE-90EB-0CB7313C951B}"/>
               </a:ext>
             </a:extLst>
           </p:cNvPr>
@@ -4145,7 +4195,7 @@
           <a:effectLst/>
           <a:extLst>
             <a:ext uri="{91240B29-F687-4F45-9708-019B960494DF}">
-              <a14:hiddenLine xmlns:a14="http://schemas.microsoft.com/office/drawing/2010/main" w="9525">
+              <a14:hiddenLine xmlns="" xmlns:a14="http://schemas.microsoft.com/office/drawing/2010/main" w="9525">
                 <a:solidFill>
                   <a:schemeClr val="tx1"/>
                 </a:solidFill>
@@ -4155,7 +4205,7 @@
               </a14:hiddenLine>
             </a:ext>
             <a:ext uri="{AF507438-7753-43E0-B8FC-AC1667EBCBE1}">
-              <a14:hiddenEffects xmlns:a14="http://schemas.microsoft.com/office/drawing/2010/main">
+              <a14:hiddenEffects xmlns="" xmlns:a14="http://schemas.microsoft.com/office/drawing/2010/main">
                 <a:effectLst>
                   <a:outerShdw blurRad="63500" dist="38099" dir="2700000" algn="ctr" rotWithShape="0">
                     <a:schemeClr val="bg2">
@@ -4768,7 +4818,7 @@
     </p:spTree>
     <p:extLst>
       <p:ext uri="{BB962C8B-B14F-4D97-AF65-F5344CB8AC3E}">
-        <p14:creationId xmlns:p14="http://schemas.microsoft.com/office/powerpoint/2010/main" val="2052681984"/>
+        <p14:creationId xmlns="" xmlns:p14="http://schemas.microsoft.com/office/powerpoint/2010/main" val="2052681984"/>
       </p:ext>
     </p:extLst>
   </p:cSld>
@@ -4845,31 +4895,8 @@
               <a:defRPr/>
             </a:pPr>
             <a:r>
-              <a:rPr lang="en-US" altLang="en-US" dirty="0"/>
-              <a:t> </a:t>
-            </a:r>
-            <a:endParaRPr lang="en-US" altLang="en-US" sz="2800" dirty="0"/>
-          </a:p>
-        </p:txBody>
-      </p:sp>
-      <p:sp>
-        <p:nvSpPr>
-          <p:cNvPr id="6" name="Date Placeholder 5"/>
-          <p:cNvSpPr>
-            <a:spLocks noGrp="1"/>
-          </p:cNvSpPr>
-          <p:nvPr>
-            <p:ph type="dt" sz="half" idx="2"/>
-          </p:nvPr>
-        </p:nvSpPr>
-        <p:spPr/>
-        <p:txBody>
-          <a:bodyPr/>
-          <a:lstStyle/>
-          <a:p>
-            <a:r>
-              <a:rPr lang="en-CA" dirty="0"/>
-              <a:t>Winter 2022</a:t>
+              <a:rPr lang="en-US" altLang="en-US" sz="1400" dirty="0"/>
+              <a:t> (conditions to satisfy before usage)</a:t>
             </a:r>
           </a:p>
         </p:txBody>
@@ -4928,7 +4955,7 @@
           <p:cNvPr id="8" name="Text Box 2">
             <a:extLst>
               <a:ext uri="{FF2B5EF4-FFF2-40B4-BE49-F238E27FC236}">
-                <a16:creationId xmlns:a16="http://schemas.microsoft.com/office/drawing/2014/main" id="{5B1405A6-0C74-4EF0-8929-81614C79A953}"/>
+                <a16:creationId xmlns="" xmlns:a16="http://schemas.microsoft.com/office/drawing/2014/main" id="{5B1405A6-0C74-4EF0-8929-81614C79A953}"/>
               </a:ext>
             </a:extLst>
           </p:cNvPr>
@@ -4954,7 +4981,7 @@
           <a:effectLst/>
           <a:extLst>
             <a:ext uri="{91240B29-F687-4F45-9708-019B960494DF}">
-              <a14:hiddenLine xmlns:a14="http://schemas.microsoft.com/office/drawing/2010/main" w="9525">
+              <a14:hiddenLine xmlns="" xmlns:a14="http://schemas.microsoft.com/office/drawing/2010/main" w="9525">
                 <a:solidFill>
                   <a:schemeClr val="tx1"/>
                 </a:solidFill>
@@ -4964,7 +4991,7 @@
               </a14:hiddenLine>
             </a:ext>
             <a:ext uri="{AF507438-7753-43E0-B8FC-AC1667EBCBE1}">
-              <a14:hiddenEffects xmlns:a14="http://schemas.microsoft.com/office/drawing/2010/main">
+              <a14:hiddenEffects xmlns="" xmlns:a14="http://schemas.microsoft.com/office/drawing/2010/main">
                 <a:effectLst>
                   <a:outerShdw blurRad="63500" dist="38099" dir="2700000" algn="ctr" rotWithShape="0">
                     <a:schemeClr val="bg2">
@@ -5087,7 +5114,7 @@
           <p:cNvPr id="9" name="Text Box 4">
             <a:extLst>
               <a:ext uri="{FF2B5EF4-FFF2-40B4-BE49-F238E27FC236}">
-                <a16:creationId xmlns:a16="http://schemas.microsoft.com/office/drawing/2014/main" id="{CCB8AA77-4B0D-4B6B-82D7-3BA5489CF8EC}"/>
+                <a16:creationId xmlns="" xmlns:a16="http://schemas.microsoft.com/office/drawing/2014/main" id="{CCB8AA77-4B0D-4B6B-82D7-3BA5489CF8EC}"/>
               </a:ext>
             </a:extLst>
           </p:cNvPr>
@@ -5111,14 +5138,14 @@
           <a:effectLst/>
           <a:extLst>
             <a:ext uri="{909E8E84-426E-40DD-AFC4-6F175D3DCCD1}">
-              <a14:hiddenFill xmlns:a14="http://schemas.microsoft.com/office/drawing/2010/main">
+              <a14:hiddenFill xmlns="" xmlns:a14="http://schemas.microsoft.com/office/drawing/2010/main">
                 <a:solidFill>
                   <a:schemeClr val="accent1"/>
                 </a:solidFill>
               </a14:hiddenFill>
             </a:ext>
             <a:ext uri="{91240B29-F687-4F45-9708-019B960494DF}">
-              <a14:hiddenLine xmlns:a14="http://schemas.microsoft.com/office/drawing/2010/main" w="9525">
+              <a14:hiddenLine xmlns="" xmlns:a14="http://schemas.microsoft.com/office/drawing/2010/main" w="9525">
                 <a:solidFill>
                   <a:schemeClr val="tx1"/>
                 </a:solidFill>
@@ -5128,7 +5155,7 @@
               </a14:hiddenLine>
             </a:ext>
             <a:ext uri="{AF507438-7753-43E0-B8FC-AC1667EBCBE1}">
-              <a14:hiddenEffects xmlns:a14="http://schemas.microsoft.com/office/drawing/2010/main">
+              <a14:hiddenEffects xmlns="" xmlns:a14="http://schemas.microsoft.com/office/drawing/2010/main">
                 <a:effectLst>
                   <a:outerShdw blurRad="63500" dist="38099" dir="2700000" algn="ctr" rotWithShape="0">
                     <a:schemeClr val="bg2">
@@ -5327,7 +5354,7 @@
     </p:spTree>
     <p:extLst>
       <p:ext uri="{BB962C8B-B14F-4D97-AF65-F5344CB8AC3E}">
-        <p14:creationId xmlns:p14="http://schemas.microsoft.com/office/powerpoint/2010/main" val="1983291541"/>
+        <p14:creationId xmlns="" xmlns:p14="http://schemas.microsoft.com/office/powerpoint/2010/main" val="1983291541"/>
       </p:ext>
     </p:extLst>
   </p:cSld>
@@ -5412,28 +5439,6 @@
       </p:sp>
       <p:sp>
         <p:nvSpPr>
-          <p:cNvPr id="6" name="Date Placeholder 5"/>
-          <p:cNvSpPr>
-            <a:spLocks noGrp="1"/>
-          </p:cNvSpPr>
-          <p:nvPr>
-            <p:ph type="dt" sz="half" idx="2"/>
-          </p:nvPr>
-        </p:nvSpPr>
-        <p:spPr/>
-        <p:txBody>
-          <a:bodyPr/>
-          <a:lstStyle/>
-          <a:p>
-            <a:r>
-              <a:rPr lang="en-CA" dirty="0"/>
-              <a:t>Winter 2022</a:t>
-            </a:r>
-          </a:p>
-        </p:txBody>
-      </p:sp>
-      <p:sp>
-        <p:nvSpPr>
           <p:cNvPr id="10" name="Footer Placeholder 9"/>
           <p:cNvSpPr>
             <a:spLocks noGrp="1"/>
@@ -5486,7 +5491,7 @@
           <p:cNvPr id="8" name="Text Box 2">
             <a:extLst>
               <a:ext uri="{FF2B5EF4-FFF2-40B4-BE49-F238E27FC236}">
-                <a16:creationId xmlns:a16="http://schemas.microsoft.com/office/drawing/2014/main" id="{3DBB5DE1-1A61-4EC3-94C7-2AA1CFACFCC1}"/>
+                <a16:creationId xmlns="" xmlns:a16="http://schemas.microsoft.com/office/drawing/2014/main" id="{3DBB5DE1-1A61-4EC3-94C7-2AA1CFACFCC1}"/>
               </a:ext>
             </a:extLst>
           </p:cNvPr>
@@ -5512,7 +5517,7 @@
           <a:effectLst/>
           <a:extLst>
             <a:ext uri="{91240B29-F687-4F45-9708-019B960494DF}">
-              <a14:hiddenLine xmlns:a14="http://schemas.microsoft.com/office/drawing/2010/main" w="9525">
+              <a14:hiddenLine xmlns="" xmlns:a14="http://schemas.microsoft.com/office/drawing/2010/main" w="9525">
                 <a:solidFill>
                   <a:schemeClr val="tx1"/>
                 </a:solidFill>
@@ -5522,7 +5527,7 @@
               </a14:hiddenLine>
             </a:ext>
             <a:ext uri="{AF507438-7753-43E0-B8FC-AC1667EBCBE1}">
-              <a14:hiddenEffects xmlns:a14="http://schemas.microsoft.com/office/drawing/2010/main">
+              <a14:hiddenEffects xmlns="" xmlns:a14="http://schemas.microsoft.com/office/drawing/2010/main">
                 <a:effectLst>
                   <a:outerShdw blurRad="63500" dist="38099" dir="2700000" algn="ctr" rotWithShape="0">
                     <a:schemeClr val="bg2">
@@ -5909,7 +5914,7 @@
     </p:spTree>
     <p:extLst>
       <p:ext uri="{BB962C8B-B14F-4D97-AF65-F5344CB8AC3E}">
-        <p14:creationId xmlns:p14="http://schemas.microsoft.com/office/powerpoint/2010/main" val="3027853804"/>
+        <p14:creationId xmlns="" xmlns:p14="http://schemas.microsoft.com/office/powerpoint/2010/main" val="3027853804"/>
       </p:ext>
     </p:extLst>
   </p:cSld>
@@ -5994,28 +5999,6 @@
       </p:sp>
       <p:sp>
         <p:nvSpPr>
-          <p:cNvPr id="6" name="Date Placeholder 5"/>
-          <p:cNvSpPr>
-            <a:spLocks noGrp="1"/>
-          </p:cNvSpPr>
-          <p:nvPr>
-            <p:ph type="dt" sz="half" idx="2"/>
-          </p:nvPr>
-        </p:nvSpPr>
-        <p:spPr/>
-        <p:txBody>
-          <a:bodyPr/>
-          <a:lstStyle/>
-          <a:p>
-            <a:r>
-              <a:rPr lang="en-CA" dirty="0"/>
-              <a:t>Winter 2022</a:t>
-            </a:r>
-          </a:p>
-        </p:txBody>
-      </p:sp>
-      <p:sp>
-        <p:nvSpPr>
           <p:cNvPr id="10" name="Footer Placeholder 9"/>
           <p:cNvSpPr>
             <a:spLocks noGrp="1"/>
@@ -6068,7 +6051,7 @@
           <p:cNvPr id="9" name="Text Box 2">
             <a:extLst>
               <a:ext uri="{FF2B5EF4-FFF2-40B4-BE49-F238E27FC236}">
-                <a16:creationId xmlns:a16="http://schemas.microsoft.com/office/drawing/2014/main" id="{A483F503-34BA-42F8-AE3E-DFF908B59ED0}"/>
+                <a16:creationId xmlns="" xmlns:a16="http://schemas.microsoft.com/office/drawing/2014/main" id="{A483F503-34BA-42F8-AE3E-DFF908B59ED0}"/>
               </a:ext>
             </a:extLst>
           </p:cNvPr>
@@ -6094,7 +6077,7 @@
           <a:effectLst/>
           <a:extLst>
             <a:ext uri="{91240B29-F687-4F45-9708-019B960494DF}">
-              <a14:hiddenLine xmlns:a14="http://schemas.microsoft.com/office/drawing/2010/main" w="9525">
+              <a14:hiddenLine xmlns="" xmlns:a14="http://schemas.microsoft.com/office/drawing/2010/main" w="9525">
                 <a:solidFill>
                   <a:schemeClr val="tx1"/>
                 </a:solidFill>
@@ -6104,7 +6087,7 @@
               </a14:hiddenLine>
             </a:ext>
             <a:ext uri="{AF507438-7753-43E0-B8FC-AC1667EBCBE1}">
-              <a14:hiddenEffects xmlns:a14="http://schemas.microsoft.com/office/drawing/2010/main">
+              <a14:hiddenEffects xmlns="" xmlns:a14="http://schemas.microsoft.com/office/drawing/2010/main">
                 <a:effectLst>
                   <a:outerShdw blurRad="63500" dist="38099" dir="2700000" algn="ctr" rotWithShape="0">
                     <a:schemeClr val="bg2">
@@ -6320,7 +6303,7 @@
           <p:cNvPr id="11" name="Text Box 4">
             <a:extLst>
               <a:ext uri="{FF2B5EF4-FFF2-40B4-BE49-F238E27FC236}">
-                <a16:creationId xmlns:a16="http://schemas.microsoft.com/office/drawing/2014/main" id="{9778C3FA-0D7C-4D20-BE8F-0DF884562C45}"/>
+                <a16:creationId xmlns="" xmlns:a16="http://schemas.microsoft.com/office/drawing/2014/main" id="{9778C3FA-0D7C-4D20-BE8F-0DF884562C45}"/>
               </a:ext>
             </a:extLst>
           </p:cNvPr>
@@ -6344,14 +6327,14 @@
           <a:effectLst/>
           <a:extLst>
             <a:ext uri="{909E8E84-426E-40DD-AFC4-6F175D3DCCD1}">
-              <a14:hiddenFill xmlns:a14="http://schemas.microsoft.com/office/drawing/2010/main">
+              <a14:hiddenFill xmlns="" xmlns:a14="http://schemas.microsoft.com/office/drawing/2010/main">
                 <a:solidFill>
                   <a:schemeClr val="accent1"/>
                 </a:solidFill>
               </a14:hiddenFill>
             </a:ext>
             <a:ext uri="{91240B29-F687-4F45-9708-019B960494DF}">
-              <a14:hiddenLine xmlns:a14="http://schemas.microsoft.com/office/drawing/2010/main" w="9525">
+              <a14:hiddenLine xmlns="" xmlns:a14="http://schemas.microsoft.com/office/drawing/2010/main" w="9525">
                 <a:solidFill>
                   <a:schemeClr val="tx1"/>
                 </a:solidFill>
@@ -6361,7 +6344,7 @@
               </a14:hiddenLine>
             </a:ext>
             <a:ext uri="{AF507438-7753-43E0-B8FC-AC1667EBCBE1}">
-              <a14:hiddenEffects xmlns:a14="http://schemas.microsoft.com/office/drawing/2010/main">
+              <a14:hiddenEffects xmlns="" xmlns:a14="http://schemas.microsoft.com/office/drawing/2010/main">
                 <a:effectLst>
                   <a:outerShdw blurRad="63500" dist="38099" dir="2700000" algn="ctr" rotWithShape="0">
                     <a:schemeClr val="bg2">
@@ -6443,7 +6426,7 @@
     </p:spTree>
     <p:extLst>
       <p:ext uri="{BB962C8B-B14F-4D97-AF65-F5344CB8AC3E}">
-        <p14:creationId xmlns:p14="http://schemas.microsoft.com/office/powerpoint/2010/main" val="3632332999"/>
+        <p14:creationId xmlns="" xmlns:p14="http://schemas.microsoft.com/office/powerpoint/2010/main" val="3632332999"/>
       </p:ext>
     </p:extLst>
   </p:cSld>
@@ -6528,28 +6511,6 @@
       </p:sp>
       <p:sp>
         <p:nvSpPr>
-          <p:cNvPr id="6" name="Date Placeholder 5"/>
-          <p:cNvSpPr>
-            <a:spLocks noGrp="1"/>
-          </p:cNvSpPr>
-          <p:nvPr>
-            <p:ph type="dt" sz="half" idx="2"/>
-          </p:nvPr>
-        </p:nvSpPr>
-        <p:spPr/>
-        <p:txBody>
-          <a:bodyPr/>
-          <a:lstStyle/>
-          <a:p>
-            <a:r>
-              <a:rPr lang="en-CA" dirty="0"/>
-              <a:t>Winter 2022</a:t>
-            </a:r>
-          </a:p>
-        </p:txBody>
-      </p:sp>
-      <p:sp>
-        <p:nvSpPr>
           <p:cNvPr id="10" name="Footer Placeholder 9"/>
           <p:cNvSpPr>
             <a:spLocks noGrp="1"/>
@@ -6602,7 +6563,7 @@
           <p:cNvPr id="7" name="Text Box 2">
             <a:extLst>
               <a:ext uri="{FF2B5EF4-FFF2-40B4-BE49-F238E27FC236}">
-                <a16:creationId xmlns:a16="http://schemas.microsoft.com/office/drawing/2014/main" id="{CD06F65C-113C-43EE-916F-3CB9F42B8C4D}"/>
+                <a16:creationId xmlns="" xmlns:a16="http://schemas.microsoft.com/office/drawing/2014/main" id="{CD06F65C-113C-43EE-916F-3CB9F42B8C4D}"/>
               </a:ext>
             </a:extLst>
           </p:cNvPr>
@@ -6628,7 +6589,7 @@
           <a:effectLst/>
           <a:extLst>
             <a:ext uri="{91240B29-F687-4F45-9708-019B960494DF}">
-              <a14:hiddenLine xmlns:a14="http://schemas.microsoft.com/office/drawing/2010/main" w="9525">
+              <a14:hiddenLine xmlns="" xmlns:a14="http://schemas.microsoft.com/office/drawing/2010/main" w="9525">
                 <a:solidFill>
                   <a:schemeClr val="tx1"/>
                 </a:solidFill>
@@ -6638,7 +6599,7 @@
               </a14:hiddenLine>
             </a:ext>
             <a:ext uri="{AF507438-7753-43E0-B8FC-AC1667EBCBE1}">
-              <a14:hiddenEffects xmlns:a14="http://schemas.microsoft.com/office/drawing/2010/main">
+              <a14:hiddenEffects xmlns="" xmlns:a14="http://schemas.microsoft.com/office/drawing/2010/main">
                 <a:effectLst>
                   <a:outerShdw blurRad="63500" dist="38099" dir="2700000" algn="ctr" rotWithShape="0">
                     <a:schemeClr val="bg2">
@@ -6982,7 +6943,7 @@
     </p:spTree>
     <p:extLst>
       <p:ext uri="{BB962C8B-B14F-4D97-AF65-F5344CB8AC3E}">
-        <p14:creationId xmlns:p14="http://schemas.microsoft.com/office/powerpoint/2010/main" val="406237748"/>
+        <p14:creationId xmlns="" xmlns:p14="http://schemas.microsoft.com/office/powerpoint/2010/main" val="406237748"/>
       </p:ext>
     </p:extLst>
   </p:cSld>
@@ -7067,28 +7028,6 @@
       </p:sp>
       <p:sp>
         <p:nvSpPr>
-          <p:cNvPr id="6" name="Date Placeholder 5"/>
-          <p:cNvSpPr>
-            <a:spLocks noGrp="1"/>
-          </p:cNvSpPr>
-          <p:nvPr>
-            <p:ph type="dt" sz="half" idx="2"/>
-          </p:nvPr>
-        </p:nvSpPr>
-        <p:spPr/>
-        <p:txBody>
-          <a:bodyPr/>
-          <a:lstStyle/>
-          <a:p>
-            <a:r>
-              <a:rPr lang="en-CA" dirty="0"/>
-              <a:t>Winter 2022</a:t>
-            </a:r>
-          </a:p>
-        </p:txBody>
-      </p:sp>
-      <p:sp>
-        <p:nvSpPr>
           <p:cNvPr id="10" name="Footer Placeholder 9"/>
           <p:cNvSpPr>
             <a:spLocks noGrp="1"/>
@@ -7141,7 +7080,7 @@
           <p:cNvPr id="9" name="Text Box 2">
             <a:extLst>
               <a:ext uri="{FF2B5EF4-FFF2-40B4-BE49-F238E27FC236}">
-                <a16:creationId xmlns:a16="http://schemas.microsoft.com/office/drawing/2014/main" id="{3A27037B-87A5-46B5-8EE5-9605A21F69B0}"/>
+                <a16:creationId xmlns="" xmlns:a16="http://schemas.microsoft.com/office/drawing/2014/main" id="{3A27037B-87A5-46B5-8EE5-9605A21F69B0}"/>
               </a:ext>
             </a:extLst>
           </p:cNvPr>
@@ -7167,7 +7106,7 @@
           <a:effectLst/>
           <a:extLst>
             <a:ext uri="{91240B29-F687-4F45-9708-019B960494DF}">
-              <a14:hiddenLine xmlns:a14="http://schemas.microsoft.com/office/drawing/2010/main" w="9525">
+              <a14:hiddenLine xmlns="" xmlns:a14="http://schemas.microsoft.com/office/drawing/2010/main" w="9525">
                 <a:solidFill>
                   <a:schemeClr val="tx1"/>
                 </a:solidFill>
@@ -7177,7 +7116,7 @@
               </a14:hiddenLine>
             </a:ext>
             <a:ext uri="{AF507438-7753-43E0-B8FC-AC1667EBCBE1}">
-              <a14:hiddenEffects xmlns:a14="http://schemas.microsoft.com/office/drawing/2010/main">
+              <a14:hiddenEffects xmlns="" xmlns:a14="http://schemas.microsoft.com/office/drawing/2010/main">
                 <a:effectLst>
                   <a:outerShdw blurRad="63500" dist="38099" dir="2700000" algn="ctr" rotWithShape="0">
                     <a:schemeClr val="bg2">
@@ -7482,7 +7421,7 @@
           <p:cNvPr id="11" name="Text Box 4">
             <a:extLst>
               <a:ext uri="{FF2B5EF4-FFF2-40B4-BE49-F238E27FC236}">
-                <a16:creationId xmlns:a16="http://schemas.microsoft.com/office/drawing/2014/main" id="{48E65DB7-5971-4F6F-AB33-F3DE29C21EA5}"/>
+                <a16:creationId xmlns="" xmlns:a16="http://schemas.microsoft.com/office/drawing/2014/main" id="{48E65DB7-5971-4F6F-AB33-F3DE29C21EA5}"/>
               </a:ext>
             </a:extLst>
           </p:cNvPr>
@@ -7506,14 +7445,14 @@
           <a:effectLst/>
           <a:extLst>
             <a:ext uri="{909E8E84-426E-40DD-AFC4-6F175D3DCCD1}">
-              <a14:hiddenFill xmlns:a14="http://schemas.microsoft.com/office/drawing/2010/main">
+              <a14:hiddenFill xmlns="" xmlns:a14="http://schemas.microsoft.com/office/drawing/2010/main">
                 <a:solidFill>
                   <a:schemeClr val="accent1"/>
                 </a:solidFill>
               </a14:hiddenFill>
             </a:ext>
             <a:ext uri="{91240B29-F687-4F45-9708-019B960494DF}">
-              <a14:hiddenLine xmlns:a14="http://schemas.microsoft.com/office/drawing/2010/main" w="9525">
+              <a14:hiddenLine xmlns="" xmlns:a14="http://schemas.microsoft.com/office/drawing/2010/main" w="9525">
                 <a:solidFill>
                   <a:srgbClr val="FF0000"/>
                 </a:solidFill>
@@ -7523,7 +7462,7 @@
               </a14:hiddenLine>
             </a:ext>
             <a:ext uri="{AF507438-7753-43E0-B8FC-AC1667EBCBE1}">
-              <a14:hiddenEffects xmlns:a14="http://schemas.microsoft.com/office/drawing/2010/main">
+              <a14:hiddenEffects xmlns="" xmlns:a14="http://schemas.microsoft.com/office/drawing/2010/main">
                 <a:effectLst>
                   <a:outerShdw blurRad="63500" dist="38099" dir="2700000" algn="ctr" rotWithShape="0">
                     <a:schemeClr val="bg2">
@@ -7583,7 +7522,7 @@
     </p:spTree>
     <p:extLst>
       <p:ext uri="{BB962C8B-B14F-4D97-AF65-F5344CB8AC3E}">
-        <p14:creationId xmlns:p14="http://schemas.microsoft.com/office/powerpoint/2010/main" val="2989112960"/>
+        <p14:creationId xmlns="" xmlns:p14="http://schemas.microsoft.com/office/powerpoint/2010/main" val="2989112960"/>
       </p:ext>
     </p:extLst>
   </p:cSld>
@@ -7668,28 +7607,6 @@
       </p:sp>
       <p:sp>
         <p:nvSpPr>
-          <p:cNvPr id="6" name="Date Placeholder 5"/>
-          <p:cNvSpPr>
-            <a:spLocks noGrp="1"/>
-          </p:cNvSpPr>
-          <p:nvPr>
-            <p:ph type="dt" sz="half" idx="2"/>
-          </p:nvPr>
-        </p:nvSpPr>
-        <p:spPr/>
-        <p:txBody>
-          <a:bodyPr/>
-          <a:lstStyle/>
-          <a:p>
-            <a:r>
-              <a:rPr lang="en-CA" dirty="0"/>
-              <a:t>Winter 2022</a:t>
-            </a:r>
-          </a:p>
-        </p:txBody>
-      </p:sp>
-      <p:sp>
-        <p:nvSpPr>
           <p:cNvPr id="10" name="Footer Placeholder 9"/>
           <p:cNvSpPr>
             <a:spLocks noGrp="1"/>
@@ -7742,7 +7659,7 @@
           <p:cNvPr id="11" name="Text Box 3">
             <a:extLst>
               <a:ext uri="{FF2B5EF4-FFF2-40B4-BE49-F238E27FC236}">
-                <a16:creationId xmlns:a16="http://schemas.microsoft.com/office/drawing/2014/main" id="{81CF42BE-821D-481D-8F20-96509ACACF0D}"/>
+                <a16:creationId xmlns="" xmlns:a16="http://schemas.microsoft.com/office/drawing/2014/main" id="{81CF42BE-821D-481D-8F20-96509ACACF0D}"/>
               </a:ext>
             </a:extLst>
           </p:cNvPr>
@@ -7766,14 +7683,14 @@
           <a:effectLst/>
           <a:extLst>
             <a:ext uri="{909E8E84-426E-40DD-AFC4-6F175D3DCCD1}">
-              <a14:hiddenFill xmlns:a14="http://schemas.microsoft.com/office/drawing/2010/main">
+              <a14:hiddenFill xmlns="" xmlns:a14="http://schemas.microsoft.com/office/drawing/2010/main">
                 <a:solidFill>
                   <a:schemeClr val="accent1"/>
                 </a:solidFill>
               </a14:hiddenFill>
             </a:ext>
             <a:ext uri="{91240B29-F687-4F45-9708-019B960494DF}">
-              <a14:hiddenLine xmlns:a14="http://schemas.microsoft.com/office/drawing/2010/main" w="12700">
+              <a14:hiddenLine xmlns="" xmlns:a14="http://schemas.microsoft.com/office/drawing/2010/main" w="12700">
                 <a:solidFill>
                   <a:schemeClr val="tx1"/>
                 </a:solidFill>
@@ -7783,7 +7700,7 @@
               </a14:hiddenLine>
             </a:ext>
             <a:ext uri="{AF507438-7753-43E0-B8FC-AC1667EBCBE1}">
-              <a14:hiddenEffects xmlns:a14="http://schemas.microsoft.com/office/drawing/2010/main">
+              <a14:hiddenEffects xmlns="" xmlns:a14="http://schemas.microsoft.com/office/drawing/2010/main">
                 <a:effectLst>
                   <a:outerShdw blurRad="63500" dist="38099" dir="2700000" algn="ctr" rotWithShape="0">
                     <a:schemeClr val="bg2">
@@ -8112,7 +8029,7 @@
           <p:cNvPr id="13" name="Text Box 4">
             <a:extLst>
               <a:ext uri="{FF2B5EF4-FFF2-40B4-BE49-F238E27FC236}">
-                <a16:creationId xmlns:a16="http://schemas.microsoft.com/office/drawing/2014/main" id="{75812E03-E877-4A6C-B50F-797C245FE89D}"/>
+                <a16:creationId xmlns="" xmlns:a16="http://schemas.microsoft.com/office/drawing/2014/main" id="{75812E03-E877-4A6C-B50F-797C245FE89D}"/>
               </a:ext>
             </a:extLst>
           </p:cNvPr>
@@ -8138,7 +8055,7 @@
           <a:effectLst/>
           <a:extLst>
             <a:ext uri="{91240B29-F687-4F45-9708-019B960494DF}">
-              <a14:hiddenLine xmlns:a14="http://schemas.microsoft.com/office/drawing/2010/main" w="9525">
+              <a14:hiddenLine xmlns="" xmlns:a14="http://schemas.microsoft.com/office/drawing/2010/main" w="9525">
                 <a:solidFill>
                   <a:schemeClr val="tx1"/>
                 </a:solidFill>
@@ -8148,7 +8065,7 @@
               </a14:hiddenLine>
             </a:ext>
             <a:ext uri="{AF507438-7753-43E0-B8FC-AC1667EBCBE1}">
-              <a14:hiddenEffects xmlns:a14="http://schemas.microsoft.com/office/drawing/2010/main">
+              <a14:hiddenEffects xmlns="" xmlns:a14="http://schemas.microsoft.com/office/drawing/2010/main">
                 <a:effectLst>
                   <a:outerShdw blurRad="63500" dist="38099" dir="2700000" algn="ctr" rotWithShape="0">
                     <a:schemeClr val="bg2">
@@ -8342,7 +8259,7 @@
           <p:cNvPr id="14" name="Text Box 5">
             <a:extLst>
               <a:ext uri="{FF2B5EF4-FFF2-40B4-BE49-F238E27FC236}">
-                <a16:creationId xmlns:a16="http://schemas.microsoft.com/office/drawing/2014/main" id="{E718B8A6-BEE4-4C95-AF43-BBBDF2900CA5}"/>
+                <a16:creationId xmlns="" xmlns:a16="http://schemas.microsoft.com/office/drawing/2014/main" id="{E718B8A6-BEE4-4C95-AF43-BBBDF2900CA5}"/>
               </a:ext>
             </a:extLst>
           </p:cNvPr>
@@ -8366,14 +8283,14 @@
           <a:effectLst/>
           <a:extLst>
             <a:ext uri="{909E8E84-426E-40DD-AFC4-6F175D3DCCD1}">
-              <a14:hiddenFill xmlns:a14="http://schemas.microsoft.com/office/drawing/2010/main">
+              <a14:hiddenFill xmlns="" xmlns:a14="http://schemas.microsoft.com/office/drawing/2010/main">
                 <a:solidFill>
                   <a:schemeClr val="accent1"/>
                 </a:solidFill>
               </a14:hiddenFill>
             </a:ext>
             <a:ext uri="{91240B29-F687-4F45-9708-019B960494DF}">
-              <a14:hiddenLine xmlns:a14="http://schemas.microsoft.com/office/drawing/2010/main" w="9525">
+              <a14:hiddenLine xmlns="" xmlns:a14="http://schemas.microsoft.com/office/drawing/2010/main" w="9525">
                 <a:solidFill>
                   <a:schemeClr val="tx1"/>
                 </a:solidFill>
@@ -8383,7 +8300,7 @@
               </a14:hiddenLine>
             </a:ext>
             <a:ext uri="{AF507438-7753-43E0-B8FC-AC1667EBCBE1}">
-              <a14:hiddenEffects xmlns:a14="http://schemas.microsoft.com/office/drawing/2010/main">
+              <a14:hiddenEffects xmlns="" xmlns:a14="http://schemas.microsoft.com/office/drawing/2010/main">
                 <a:effectLst>
                   <a:outerShdw blurRad="63500" dist="38099" dir="2700000" algn="ctr" rotWithShape="0">
                     <a:schemeClr val="bg2">
@@ -8728,7 +8645,7 @@
     </p:spTree>
     <p:extLst>
       <p:ext uri="{BB962C8B-B14F-4D97-AF65-F5344CB8AC3E}">
-        <p14:creationId xmlns:p14="http://schemas.microsoft.com/office/powerpoint/2010/main" val="1605549189"/>
+        <p14:creationId xmlns="" xmlns:p14="http://schemas.microsoft.com/office/powerpoint/2010/main" val="1605549189"/>
       </p:ext>
     </p:extLst>
   </p:cSld>
@@ -8813,28 +8730,6 @@
       </p:sp>
       <p:sp>
         <p:nvSpPr>
-          <p:cNvPr id="6" name="Date Placeholder 5"/>
-          <p:cNvSpPr>
-            <a:spLocks noGrp="1"/>
-          </p:cNvSpPr>
-          <p:nvPr>
-            <p:ph type="dt" sz="half" idx="2"/>
-          </p:nvPr>
-        </p:nvSpPr>
-        <p:spPr/>
-        <p:txBody>
-          <a:bodyPr/>
-          <a:lstStyle/>
-          <a:p>
-            <a:r>
-              <a:rPr lang="en-CA" dirty="0"/>
-              <a:t>Winter 2022</a:t>
-            </a:r>
-          </a:p>
-        </p:txBody>
-      </p:sp>
-      <p:sp>
-        <p:nvSpPr>
           <p:cNvPr id="10" name="Footer Placeholder 9"/>
           <p:cNvSpPr>
             <a:spLocks noGrp="1"/>
@@ -8887,7 +8782,7 @@
           <p:cNvPr id="11" name="Text Box 2">
             <a:extLst>
               <a:ext uri="{FF2B5EF4-FFF2-40B4-BE49-F238E27FC236}">
-                <a16:creationId xmlns:a16="http://schemas.microsoft.com/office/drawing/2014/main" id="{3DECB313-B463-4FFD-B716-F59AD5EE5034}"/>
+                <a16:creationId xmlns="" xmlns:a16="http://schemas.microsoft.com/office/drawing/2014/main" id="{3DECB313-B463-4FFD-B716-F59AD5EE5034}"/>
               </a:ext>
             </a:extLst>
           </p:cNvPr>
@@ -8913,7 +8808,7 @@
           <a:effectLst/>
           <a:extLst>
             <a:ext uri="{91240B29-F687-4F45-9708-019B960494DF}">
-              <a14:hiddenLine xmlns:a14="http://schemas.microsoft.com/office/drawing/2010/main" w="9525">
+              <a14:hiddenLine xmlns="" xmlns:a14="http://schemas.microsoft.com/office/drawing/2010/main" w="9525">
                 <a:solidFill>
                   <a:schemeClr val="tx1"/>
                 </a:solidFill>
@@ -8923,7 +8818,7 @@
               </a14:hiddenLine>
             </a:ext>
             <a:ext uri="{AF507438-7753-43E0-B8FC-AC1667EBCBE1}">
-              <a14:hiddenEffects xmlns:a14="http://schemas.microsoft.com/office/drawing/2010/main">
+              <a14:hiddenEffects xmlns="" xmlns:a14="http://schemas.microsoft.com/office/drawing/2010/main">
                 <a:effectLst>
                   <a:outerShdw blurRad="63500" dist="38099" dir="2700000" algn="ctr" rotWithShape="0">
                     <a:schemeClr val="bg2">
@@ -9612,7 +9507,7 @@
           <p:cNvPr id="13" name="AutoShape 4">
             <a:extLst>
               <a:ext uri="{FF2B5EF4-FFF2-40B4-BE49-F238E27FC236}">
-                <a16:creationId xmlns:a16="http://schemas.microsoft.com/office/drawing/2014/main" id="{F81DBF54-B117-4CFF-9BF9-A5EEAAC8CA1E}"/>
+                <a16:creationId xmlns="" xmlns:a16="http://schemas.microsoft.com/office/drawing/2014/main" id="{F81DBF54-B117-4CFF-9BF9-A5EEAAC8CA1E}"/>
               </a:ext>
             </a:extLst>
           </p:cNvPr>
@@ -9644,14 +9539,14 @@
           <a:effectLst/>
           <a:extLst>
             <a:ext uri="{909E8E84-426E-40DD-AFC4-6F175D3DCCD1}">
-              <a14:hiddenFill xmlns:a14="http://schemas.microsoft.com/office/drawing/2010/main">
+              <a14:hiddenFill xmlns="" xmlns:a14="http://schemas.microsoft.com/office/drawing/2010/main">
                 <a:solidFill>
                   <a:schemeClr val="accent1"/>
                 </a:solidFill>
               </a14:hiddenFill>
             </a:ext>
             <a:ext uri="{AF507438-7753-43E0-B8FC-AC1667EBCBE1}">
-              <a14:hiddenEffects xmlns:a14="http://schemas.microsoft.com/office/drawing/2010/main">
+              <a14:hiddenEffects xmlns="" xmlns:a14="http://schemas.microsoft.com/office/drawing/2010/main">
                 <a:effectLst>
                   <a:outerShdw blurRad="63500" dist="38099" dir="2700000" algn="ctr" rotWithShape="0">
                     <a:schemeClr val="bg2">
@@ -9704,7 +9599,7 @@
           <p:cNvPr id="14" name="Text Box 5">
             <a:extLst>
               <a:ext uri="{FF2B5EF4-FFF2-40B4-BE49-F238E27FC236}">
-                <a16:creationId xmlns:a16="http://schemas.microsoft.com/office/drawing/2014/main" id="{F1E29A93-4E22-4190-9581-3947CFDE1434}"/>
+                <a16:creationId xmlns="" xmlns:a16="http://schemas.microsoft.com/office/drawing/2014/main" id="{F1E29A93-4E22-4190-9581-3947CFDE1434}"/>
               </a:ext>
             </a:extLst>
           </p:cNvPr>
@@ -9728,14 +9623,14 @@
           <a:effectLst/>
           <a:extLst>
             <a:ext uri="{909E8E84-426E-40DD-AFC4-6F175D3DCCD1}">
-              <a14:hiddenFill xmlns:a14="http://schemas.microsoft.com/office/drawing/2010/main">
+              <a14:hiddenFill xmlns="" xmlns:a14="http://schemas.microsoft.com/office/drawing/2010/main">
                 <a:solidFill>
                   <a:schemeClr val="accent1"/>
                 </a:solidFill>
               </a14:hiddenFill>
             </a:ext>
             <a:ext uri="{91240B29-F687-4F45-9708-019B960494DF}">
-              <a14:hiddenLine xmlns:a14="http://schemas.microsoft.com/office/drawing/2010/main" w="9525">
+              <a14:hiddenLine xmlns="" xmlns:a14="http://schemas.microsoft.com/office/drawing/2010/main" w="9525">
                 <a:solidFill>
                   <a:schemeClr val="tx1"/>
                 </a:solidFill>
@@ -9745,7 +9640,7 @@
               </a14:hiddenLine>
             </a:ext>
             <a:ext uri="{AF507438-7753-43E0-B8FC-AC1667EBCBE1}">
-              <a14:hiddenEffects xmlns:a14="http://schemas.microsoft.com/office/drawing/2010/main">
+              <a14:hiddenEffects xmlns="" xmlns:a14="http://schemas.microsoft.com/office/drawing/2010/main">
                 <a:effectLst>
                   <a:outerShdw blurRad="63500" dist="38099" dir="2700000" algn="ctr" rotWithShape="0">
                     <a:schemeClr val="bg2">
@@ -9833,7 +9728,7 @@
     </p:spTree>
     <p:extLst>
       <p:ext uri="{BB962C8B-B14F-4D97-AF65-F5344CB8AC3E}">
-        <p14:creationId xmlns:p14="http://schemas.microsoft.com/office/powerpoint/2010/main" val="3004368517"/>
+        <p14:creationId xmlns="" xmlns:p14="http://schemas.microsoft.com/office/powerpoint/2010/main" val="3004368517"/>
       </p:ext>
     </p:extLst>
   </p:cSld>
@@ -9918,28 +9813,6 @@
       </p:sp>
       <p:sp>
         <p:nvSpPr>
-          <p:cNvPr id="6" name="Date Placeholder 5"/>
-          <p:cNvSpPr>
-            <a:spLocks noGrp="1"/>
-          </p:cNvSpPr>
-          <p:nvPr>
-            <p:ph type="dt" sz="half" idx="2"/>
-          </p:nvPr>
-        </p:nvSpPr>
-        <p:spPr/>
-        <p:txBody>
-          <a:bodyPr/>
-          <a:lstStyle/>
-          <a:p>
-            <a:r>
-              <a:rPr lang="en-CA" dirty="0"/>
-              <a:t>Winter 2022</a:t>
-            </a:r>
-          </a:p>
-        </p:txBody>
-      </p:sp>
-      <p:sp>
-        <p:nvSpPr>
           <p:cNvPr id="10" name="Footer Placeholder 9"/>
           <p:cNvSpPr>
             <a:spLocks noGrp="1"/>
@@ -9992,7 +9865,7 @@
           <p:cNvPr id="9" name="Text Box 2">
             <a:extLst>
               <a:ext uri="{FF2B5EF4-FFF2-40B4-BE49-F238E27FC236}">
-                <a16:creationId xmlns:a16="http://schemas.microsoft.com/office/drawing/2014/main" id="{F6B169B7-23EA-499D-A550-C9188A0E4BD4}"/>
+                <a16:creationId xmlns="" xmlns:a16="http://schemas.microsoft.com/office/drawing/2014/main" id="{F6B169B7-23EA-499D-A550-C9188A0E4BD4}"/>
               </a:ext>
             </a:extLst>
           </p:cNvPr>
@@ -10018,7 +9891,7 @@
           <a:effectLst/>
           <a:extLst>
             <a:ext uri="{91240B29-F687-4F45-9708-019B960494DF}">
-              <a14:hiddenLine xmlns:a14="http://schemas.microsoft.com/office/drawing/2010/main" w="9525">
+              <a14:hiddenLine xmlns="" xmlns:a14="http://schemas.microsoft.com/office/drawing/2010/main" w="9525">
                 <a:solidFill>
                   <a:schemeClr val="tx1"/>
                 </a:solidFill>
@@ -10028,7 +9901,7 @@
               </a14:hiddenLine>
             </a:ext>
             <a:ext uri="{AF507438-7753-43E0-B8FC-AC1667EBCBE1}">
-              <a14:hiddenEffects xmlns:a14="http://schemas.microsoft.com/office/drawing/2010/main">
+              <a14:hiddenEffects xmlns="" xmlns:a14="http://schemas.microsoft.com/office/drawing/2010/main">
                 <a:effectLst>
                   <a:outerShdw blurRad="63500" dist="38099" dir="2700000" algn="ctr" rotWithShape="0">
                     <a:schemeClr val="bg2">
@@ -10165,7 +10038,7 @@
           <p:cNvPr id="11" name="Text Box 4">
             <a:extLst>
               <a:ext uri="{FF2B5EF4-FFF2-40B4-BE49-F238E27FC236}">
-                <a16:creationId xmlns:a16="http://schemas.microsoft.com/office/drawing/2014/main" id="{B954EC9B-5A37-48DD-837D-166ABAF9C75D}"/>
+                <a16:creationId xmlns="" xmlns:a16="http://schemas.microsoft.com/office/drawing/2014/main" id="{B954EC9B-5A37-48DD-837D-166ABAF9C75D}"/>
               </a:ext>
             </a:extLst>
           </p:cNvPr>
@@ -10189,14 +10062,14 @@
           <a:effectLst/>
           <a:extLst>
             <a:ext uri="{909E8E84-426E-40DD-AFC4-6F175D3DCCD1}">
-              <a14:hiddenFill xmlns:a14="http://schemas.microsoft.com/office/drawing/2010/main">
+              <a14:hiddenFill xmlns="" xmlns:a14="http://schemas.microsoft.com/office/drawing/2010/main">
                 <a:solidFill>
                   <a:schemeClr val="accent1"/>
                 </a:solidFill>
               </a14:hiddenFill>
             </a:ext>
             <a:ext uri="{91240B29-F687-4F45-9708-019B960494DF}">
-              <a14:hiddenLine xmlns:a14="http://schemas.microsoft.com/office/drawing/2010/main" w="9525">
+              <a14:hiddenLine xmlns="" xmlns:a14="http://schemas.microsoft.com/office/drawing/2010/main" w="9525">
                 <a:solidFill>
                   <a:schemeClr val="tx1"/>
                 </a:solidFill>
@@ -10206,7 +10079,7 @@
               </a14:hiddenLine>
             </a:ext>
             <a:ext uri="{AF507438-7753-43E0-B8FC-AC1667EBCBE1}">
-              <a14:hiddenEffects xmlns:a14="http://schemas.microsoft.com/office/drawing/2010/main">
+              <a14:hiddenEffects xmlns="" xmlns:a14="http://schemas.microsoft.com/office/drawing/2010/main">
                 <a:effectLst>
                   <a:outerShdw blurRad="63500" dist="38099" dir="2700000" algn="ctr" rotWithShape="0">
                     <a:schemeClr val="bg2">
@@ -10421,7 +10294,7 @@
     </p:spTree>
     <p:extLst>
       <p:ext uri="{BB962C8B-B14F-4D97-AF65-F5344CB8AC3E}">
-        <p14:creationId xmlns:p14="http://schemas.microsoft.com/office/powerpoint/2010/main" val="3238191332"/>
+        <p14:creationId xmlns="" xmlns:p14="http://schemas.microsoft.com/office/powerpoint/2010/main" val="3238191332"/>
       </p:ext>
     </p:extLst>
   </p:cSld>
@@ -10526,28 +10399,6 @@
       </p:sp>
       <p:sp>
         <p:nvSpPr>
-          <p:cNvPr id="6" name="Date Placeholder 5"/>
-          <p:cNvSpPr>
-            <a:spLocks noGrp="1"/>
-          </p:cNvSpPr>
-          <p:nvPr>
-            <p:ph type="dt" sz="half" idx="2"/>
-          </p:nvPr>
-        </p:nvSpPr>
-        <p:spPr/>
-        <p:txBody>
-          <a:bodyPr/>
-          <a:lstStyle/>
-          <a:p>
-            <a:r>
-              <a:rPr lang="en-CA" dirty="0"/>
-              <a:t>Winter 2022</a:t>
-            </a:r>
-          </a:p>
-        </p:txBody>
-      </p:sp>
-      <p:sp>
-        <p:nvSpPr>
           <p:cNvPr id="10" name="Footer Placeholder 9"/>
           <p:cNvSpPr>
             <a:spLocks noGrp="1"/>
@@ -10598,7 +10449,7 @@
     </p:spTree>
     <p:extLst>
       <p:ext uri="{BB962C8B-B14F-4D97-AF65-F5344CB8AC3E}">
-        <p14:creationId xmlns:p14="http://schemas.microsoft.com/office/powerpoint/2010/main" val="51204498"/>
+        <p14:creationId xmlns="" xmlns:p14="http://schemas.microsoft.com/office/powerpoint/2010/main" val="51204498"/>
       </p:ext>
     </p:extLst>
   </p:cSld>
@@ -10683,28 +10534,6 @@
       </p:sp>
       <p:sp>
         <p:nvSpPr>
-          <p:cNvPr id="6" name="Date Placeholder 5"/>
-          <p:cNvSpPr>
-            <a:spLocks noGrp="1"/>
-          </p:cNvSpPr>
-          <p:nvPr>
-            <p:ph type="dt" sz="half" idx="2"/>
-          </p:nvPr>
-        </p:nvSpPr>
-        <p:spPr/>
-        <p:txBody>
-          <a:bodyPr/>
-          <a:lstStyle/>
-          <a:p>
-            <a:r>
-              <a:rPr lang="en-CA" dirty="0"/>
-              <a:t>Winter 2022</a:t>
-            </a:r>
-          </a:p>
-        </p:txBody>
-      </p:sp>
-      <p:sp>
-        <p:nvSpPr>
           <p:cNvPr id="10" name="Footer Placeholder 9"/>
           <p:cNvSpPr>
             <a:spLocks noGrp="1"/>
@@ -10757,7 +10586,7 @@
           <p:cNvPr id="8" name="Text Box 2">
             <a:extLst>
               <a:ext uri="{FF2B5EF4-FFF2-40B4-BE49-F238E27FC236}">
-                <a16:creationId xmlns:a16="http://schemas.microsoft.com/office/drawing/2014/main" id="{B470F08C-BA78-4AB6-8949-D98DEA36D0E3}"/>
+                <a16:creationId xmlns="" xmlns:a16="http://schemas.microsoft.com/office/drawing/2014/main" id="{B470F08C-BA78-4AB6-8949-D98DEA36D0E3}"/>
               </a:ext>
             </a:extLst>
           </p:cNvPr>
@@ -10783,7 +10612,7 @@
           <a:effectLst/>
           <a:extLst>
             <a:ext uri="{91240B29-F687-4F45-9708-019B960494DF}">
-              <a14:hiddenLine xmlns:a14="http://schemas.microsoft.com/office/drawing/2010/main" w="9525">
+              <a14:hiddenLine xmlns="" xmlns:a14="http://schemas.microsoft.com/office/drawing/2010/main" w="9525">
                 <a:solidFill>
                   <a:schemeClr val="tx1"/>
                 </a:solidFill>
@@ -10793,7 +10622,7 @@
               </a14:hiddenLine>
             </a:ext>
             <a:ext uri="{AF507438-7753-43E0-B8FC-AC1667EBCBE1}">
-              <a14:hiddenEffects xmlns:a14="http://schemas.microsoft.com/office/drawing/2010/main">
+              <a14:hiddenEffects xmlns="" xmlns:a14="http://schemas.microsoft.com/office/drawing/2010/main">
                 <a:effectLst>
                   <a:outerShdw blurRad="63500" dist="38099" dir="2700000" algn="ctr" rotWithShape="0">
                     <a:schemeClr val="bg2">
@@ -11285,7 +11114,7 @@
     </p:spTree>
     <p:extLst>
       <p:ext uri="{BB962C8B-B14F-4D97-AF65-F5344CB8AC3E}">
-        <p14:creationId xmlns:p14="http://schemas.microsoft.com/office/powerpoint/2010/main" val="297671026"/>
+        <p14:creationId xmlns="" xmlns:p14="http://schemas.microsoft.com/office/powerpoint/2010/main" val="297671026"/>
       </p:ext>
     </p:extLst>
   </p:cSld>
@@ -11370,28 +11199,6 @@
       </p:sp>
       <p:sp>
         <p:nvSpPr>
-          <p:cNvPr id="6" name="Date Placeholder 5"/>
-          <p:cNvSpPr>
-            <a:spLocks noGrp="1"/>
-          </p:cNvSpPr>
-          <p:nvPr>
-            <p:ph type="dt" sz="half" idx="2"/>
-          </p:nvPr>
-        </p:nvSpPr>
-        <p:spPr/>
-        <p:txBody>
-          <a:bodyPr/>
-          <a:lstStyle/>
-          <a:p>
-            <a:r>
-              <a:rPr lang="en-CA" dirty="0"/>
-              <a:t>Winter 2022</a:t>
-            </a:r>
-          </a:p>
-        </p:txBody>
-      </p:sp>
-      <p:sp>
-        <p:nvSpPr>
           <p:cNvPr id="10" name="Footer Placeholder 9"/>
           <p:cNvSpPr>
             <a:spLocks noGrp="1"/>
@@ -11444,7 +11251,7 @@
           <p:cNvPr id="7" name="Text Box 3">
             <a:extLst>
               <a:ext uri="{FF2B5EF4-FFF2-40B4-BE49-F238E27FC236}">
-                <a16:creationId xmlns:a16="http://schemas.microsoft.com/office/drawing/2014/main" id="{5379DF78-3C08-4272-BBE3-83C134109A32}"/>
+                <a16:creationId xmlns="" xmlns:a16="http://schemas.microsoft.com/office/drawing/2014/main" id="{5379DF78-3C08-4272-BBE3-83C134109A32}"/>
               </a:ext>
             </a:extLst>
           </p:cNvPr>
@@ -11470,7 +11277,7 @@
           <a:effectLst/>
           <a:extLst>
             <a:ext uri="{91240B29-F687-4F45-9708-019B960494DF}">
-              <a14:hiddenLine xmlns:a14="http://schemas.microsoft.com/office/drawing/2010/main" w="9525">
+              <a14:hiddenLine xmlns="" xmlns:a14="http://schemas.microsoft.com/office/drawing/2010/main" w="9525">
                 <a:solidFill>
                   <a:schemeClr val="tx1"/>
                 </a:solidFill>
@@ -11480,7 +11287,7 @@
               </a14:hiddenLine>
             </a:ext>
             <a:ext uri="{AF507438-7753-43E0-B8FC-AC1667EBCBE1}">
-              <a14:hiddenEffects xmlns:a14="http://schemas.microsoft.com/office/drawing/2010/main">
+              <a14:hiddenEffects xmlns="" xmlns:a14="http://schemas.microsoft.com/office/drawing/2010/main">
                 <a:effectLst>
                   <a:outerShdw blurRad="63500" dist="38099" dir="2700000" algn="ctr" rotWithShape="0">
                     <a:schemeClr val="bg2">
@@ -12678,7 +12485,7 @@
     </p:spTree>
     <p:extLst>
       <p:ext uri="{BB962C8B-B14F-4D97-AF65-F5344CB8AC3E}">
-        <p14:creationId xmlns:p14="http://schemas.microsoft.com/office/powerpoint/2010/main" val="2372367335"/>
+        <p14:creationId xmlns="" xmlns:p14="http://schemas.microsoft.com/office/powerpoint/2010/main" val="2372367335"/>
       </p:ext>
     </p:extLst>
   </p:cSld>
@@ -12767,28 +12574,6 @@
       </p:sp>
       <p:sp>
         <p:nvSpPr>
-          <p:cNvPr id="6" name="Date Placeholder 5"/>
-          <p:cNvSpPr>
-            <a:spLocks noGrp="1"/>
-          </p:cNvSpPr>
-          <p:nvPr>
-            <p:ph type="dt" sz="half" idx="2"/>
-          </p:nvPr>
-        </p:nvSpPr>
-        <p:spPr/>
-        <p:txBody>
-          <a:bodyPr/>
-          <a:lstStyle/>
-          <a:p>
-            <a:r>
-              <a:rPr lang="en-CA" dirty="0"/>
-              <a:t>Winter 2022</a:t>
-            </a:r>
-          </a:p>
-        </p:txBody>
-      </p:sp>
-      <p:sp>
-        <p:nvSpPr>
           <p:cNvPr id="10" name="Footer Placeholder 9"/>
           <p:cNvSpPr>
             <a:spLocks noGrp="1"/>
@@ -12841,7 +12626,7 @@
           <p:cNvPr id="8" name="Text Box 3">
             <a:extLst>
               <a:ext uri="{FF2B5EF4-FFF2-40B4-BE49-F238E27FC236}">
-                <a16:creationId xmlns:a16="http://schemas.microsoft.com/office/drawing/2014/main" id="{2D238A3D-F8B6-442B-A34D-D2B5843AF056}"/>
+                <a16:creationId xmlns="" xmlns:a16="http://schemas.microsoft.com/office/drawing/2014/main" id="{2D238A3D-F8B6-442B-A34D-D2B5843AF056}"/>
               </a:ext>
             </a:extLst>
           </p:cNvPr>
@@ -12867,7 +12652,7 @@
           <a:effectLst/>
           <a:extLst>
             <a:ext uri="{91240B29-F687-4F45-9708-019B960494DF}">
-              <a14:hiddenLine xmlns:a14="http://schemas.microsoft.com/office/drawing/2010/main" w="9525">
+              <a14:hiddenLine xmlns="" xmlns:a14="http://schemas.microsoft.com/office/drawing/2010/main" w="9525">
                 <a:solidFill>
                   <a:schemeClr val="tx1"/>
                 </a:solidFill>
@@ -12877,7 +12662,7 @@
               </a14:hiddenLine>
             </a:ext>
             <a:ext uri="{AF507438-7753-43E0-B8FC-AC1667EBCBE1}">
-              <a14:hiddenEffects xmlns:a14="http://schemas.microsoft.com/office/drawing/2010/main">
+              <a14:hiddenEffects xmlns="" xmlns:a14="http://schemas.microsoft.com/office/drawing/2010/main">
                 <a:effectLst>
                   <a:outerShdw blurRad="63500" dist="38099" dir="2700000" algn="ctr" rotWithShape="0">
                     <a:schemeClr val="bg2">
@@ -13546,7 +13331,7 @@
     </p:spTree>
     <p:extLst>
       <p:ext uri="{BB962C8B-B14F-4D97-AF65-F5344CB8AC3E}">
-        <p14:creationId xmlns:p14="http://schemas.microsoft.com/office/powerpoint/2010/main" val="3777679843"/>
+        <p14:creationId xmlns="" xmlns:p14="http://schemas.microsoft.com/office/powerpoint/2010/main" val="3777679843"/>
       </p:ext>
     </p:extLst>
   </p:cSld>
@@ -13631,28 +13416,6 @@
       </p:sp>
       <p:sp>
         <p:nvSpPr>
-          <p:cNvPr id="6" name="Date Placeholder 5"/>
-          <p:cNvSpPr>
-            <a:spLocks noGrp="1"/>
-          </p:cNvSpPr>
-          <p:nvPr>
-            <p:ph type="dt" sz="half" idx="2"/>
-          </p:nvPr>
-        </p:nvSpPr>
-        <p:spPr/>
-        <p:txBody>
-          <a:bodyPr/>
-          <a:lstStyle/>
-          <a:p>
-            <a:r>
-              <a:rPr lang="en-CA" dirty="0"/>
-              <a:t>Winter 2022</a:t>
-            </a:r>
-          </a:p>
-        </p:txBody>
-      </p:sp>
-      <p:sp>
-        <p:nvSpPr>
           <p:cNvPr id="10" name="Footer Placeholder 9"/>
           <p:cNvSpPr>
             <a:spLocks noGrp="1"/>
@@ -13705,7 +13468,7 @@
           <p:cNvPr id="8" name="Text Box 3">
             <a:extLst>
               <a:ext uri="{FF2B5EF4-FFF2-40B4-BE49-F238E27FC236}">
-                <a16:creationId xmlns:a16="http://schemas.microsoft.com/office/drawing/2014/main" id="{871894F4-4F53-45C9-ADFF-B1D15AB4FE04}"/>
+                <a16:creationId xmlns="" xmlns:a16="http://schemas.microsoft.com/office/drawing/2014/main" id="{871894F4-4F53-45C9-ADFF-B1D15AB4FE04}"/>
               </a:ext>
             </a:extLst>
           </p:cNvPr>
@@ -13731,7 +13494,7 @@
           <a:effectLst/>
           <a:extLst>
             <a:ext uri="{91240B29-F687-4F45-9708-019B960494DF}">
-              <a14:hiddenLine xmlns:a14="http://schemas.microsoft.com/office/drawing/2010/main" w="9525">
+              <a14:hiddenLine xmlns="" xmlns:a14="http://schemas.microsoft.com/office/drawing/2010/main" w="9525">
                 <a:solidFill>
                   <a:schemeClr val="tx1"/>
                 </a:solidFill>
@@ -13741,7 +13504,7 @@
               </a14:hiddenLine>
             </a:ext>
             <a:ext uri="{AF507438-7753-43E0-B8FC-AC1667EBCBE1}">
-              <a14:hiddenEffects xmlns:a14="http://schemas.microsoft.com/office/drawing/2010/main">
+              <a14:hiddenEffects xmlns="" xmlns:a14="http://schemas.microsoft.com/office/drawing/2010/main">
                 <a:effectLst>
                   <a:outerShdw blurRad="63500" dist="38099" dir="2700000" algn="ctr" rotWithShape="0">
                     <a:schemeClr val="bg2">
@@ -14338,7 +14101,7 @@
     </p:spTree>
     <p:extLst>
       <p:ext uri="{BB962C8B-B14F-4D97-AF65-F5344CB8AC3E}">
-        <p14:creationId xmlns:p14="http://schemas.microsoft.com/office/powerpoint/2010/main" val="1531890424"/>
+        <p14:creationId xmlns="" xmlns:p14="http://schemas.microsoft.com/office/powerpoint/2010/main" val="1531890424"/>
       </p:ext>
     </p:extLst>
   </p:cSld>
@@ -14423,28 +14186,6 @@
       </p:sp>
       <p:sp>
         <p:nvSpPr>
-          <p:cNvPr id="6" name="Date Placeholder 5"/>
-          <p:cNvSpPr>
-            <a:spLocks noGrp="1"/>
-          </p:cNvSpPr>
-          <p:nvPr>
-            <p:ph type="dt" sz="half" idx="2"/>
-          </p:nvPr>
-        </p:nvSpPr>
-        <p:spPr/>
-        <p:txBody>
-          <a:bodyPr/>
-          <a:lstStyle/>
-          <a:p>
-            <a:r>
-              <a:rPr lang="en-CA" dirty="0"/>
-              <a:t>Winter 2022</a:t>
-            </a:r>
-          </a:p>
-        </p:txBody>
-      </p:sp>
-      <p:sp>
-        <p:nvSpPr>
           <p:cNvPr id="10" name="Footer Placeholder 9"/>
           <p:cNvSpPr>
             <a:spLocks noGrp="1"/>
@@ -14497,7 +14238,7 @@
           <p:cNvPr id="8" name="Text Box 3">
             <a:extLst>
               <a:ext uri="{FF2B5EF4-FFF2-40B4-BE49-F238E27FC236}">
-                <a16:creationId xmlns:a16="http://schemas.microsoft.com/office/drawing/2014/main" id="{04EA2627-259D-4617-8428-F159CEFD6E12}"/>
+                <a16:creationId xmlns="" xmlns:a16="http://schemas.microsoft.com/office/drawing/2014/main" id="{04EA2627-259D-4617-8428-F159CEFD6E12}"/>
               </a:ext>
             </a:extLst>
           </p:cNvPr>
@@ -14523,7 +14264,7 @@
           <a:effectLst/>
           <a:extLst>
             <a:ext uri="{91240B29-F687-4F45-9708-019B960494DF}">
-              <a14:hiddenLine xmlns:a14="http://schemas.microsoft.com/office/drawing/2010/main" w="9525">
+              <a14:hiddenLine xmlns="" xmlns:a14="http://schemas.microsoft.com/office/drawing/2010/main" w="9525">
                 <a:solidFill>
                   <a:schemeClr val="tx1"/>
                 </a:solidFill>
@@ -14533,7 +14274,7 @@
               </a14:hiddenLine>
             </a:ext>
             <a:ext uri="{AF507438-7753-43E0-B8FC-AC1667EBCBE1}">
-              <a14:hiddenEffects xmlns:a14="http://schemas.microsoft.com/office/drawing/2010/main">
+              <a14:hiddenEffects xmlns="" xmlns:a14="http://schemas.microsoft.com/office/drawing/2010/main">
                 <a:effectLst>
                   <a:outerShdw blurRad="63500" dist="38099" dir="2700000" algn="ctr" rotWithShape="0">
                     <a:schemeClr val="bg2">
@@ -14991,7 +14732,7 @@
     </p:spTree>
     <p:extLst>
       <p:ext uri="{BB962C8B-B14F-4D97-AF65-F5344CB8AC3E}">
-        <p14:creationId xmlns:p14="http://schemas.microsoft.com/office/powerpoint/2010/main" val="174623923"/>
+        <p14:creationId xmlns="" xmlns:p14="http://schemas.microsoft.com/office/powerpoint/2010/main" val="174623923"/>
       </p:ext>
     </p:extLst>
   </p:cSld>
@@ -15076,28 +14817,6 @@
       </p:sp>
       <p:sp>
         <p:nvSpPr>
-          <p:cNvPr id="6" name="Date Placeholder 5"/>
-          <p:cNvSpPr>
-            <a:spLocks noGrp="1"/>
-          </p:cNvSpPr>
-          <p:nvPr>
-            <p:ph type="dt" sz="half" idx="2"/>
-          </p:nvPr>
-        </p:nvSpPr>
-        <p:spPr/>
-        <p:txBody>
-          <a:bodyPr/>
-          <a:lstStyle/>
-          <a:p>
-            <a:r>
-              <a:rPr lang="en-CA" dirty="0"/>
-              <a:t>Winter 2022</a:t>
-            </a:r>
-          </a:p>
-        </p:txBody>
-      </p:sp>
-      <p:sp>
-        <p:nvSpPr>
           <p:cNvPr id="10" name="Footer Placeholder 9"/>
           <p:cNvSpPr>
             <a:spLocks noGrp="1"/>
@@ -15150,7 +14869,7 @@
           <p:cNvPr id="11" name="Text Box 3">
             <a:extLst>
               <a:ext uri="{FF2B5EF4-FFF2-40B4-BE49-F238E27FC236}">
-                <a16:creationId xmlns:a16="http://schemas.microsoft.com/office/drawing/2014/main" id="{C37DB14B-7F8B-4424-8661-175A0F88DF63}"/>
+                <a16:creationId xmlns="" xmlns:a16="http://schemas.microsoft.com/office/drawing/2014/main" id="{C37DB14B-7F8B-4424-8661-175A0F88DF63}"/>
               </a:ext>
             </a:extLst>
           </p:cNvPr>
@@ -15176,7 +14895,7 @@
           <a:effectLst/>
           <a:extLst>
             <a:ext uri="{91240B29-F687-4F45-9708-019B960494DF}">
-              <a14:hiddenLine xmlns:a14="http://schemas.microsoft.com/office/drawing/2010/main" w="9525">
+              <a14:hiddenLine xmlns="" xmlns:a14="http://schemas.microsoft.com/office/drawing/2010/main" w="9525">
                 <a:solidFill>
                   <a:schemeClr val="tx1"/>
                 </a:solidFill>
@@ -15186,7 +14905,7 @@
               </a14:hiddenLine>
             </a:ext>
             <a:ext uri="{AF507438-7753-43E0-B8FC-AC1667EBCBE1}">
-              <a14:hiddenEffects xmlns:a14="http://schemas.microsoft.com/office/drawing/2010/main">
+              <a14:hiddenEffects xmlns="" xmlns:a14="http://schemas.microsoft.com/office/drawing/2010/main">
                 <a:effectLst>
                   <a:outerShdw blurRad="63500" dist="38099" dir="2700000" algn="ctr" rotWithShape="0">
                     <a:schemeClr val="bg2">
@@ -16273,7 +15992,7 @@
           <p:cNvPr id="13" name="Text Box 4">
             <a:extLst>
               <a:ext uri="{FF2B5EF4-FFF2-40B4-BE49-F238E27FC236}">
-                <a16:creationId xmlns:a16="http://schemas.microsoft.com/office/drawing/2014/main" id="{9F1B7D47-C3FD-4623-9264-B5ACD383747F}"/>
+                <a16:creationId xmlns="" xmlns:a16="http://schemas.microsoft.com/office/drawing/2014/main" id="{9F1B7D47-C3FD-4623-9264-B5ACD383747F}"/>
               </a:ext>
             </a:extLst>
           </p:cNvPr>
@@ -16285,7 +16004,7 @@
         <p:spPr bwMode="auto">
           <a:xfrm>
             <a:off x="7998542" y="436565"/>
-            <a:ext cx="3657600" cy="4787900"/>
+            <a:ext cx="3657600" cy="5386090"/>
           </a:xfrm>
           <a:prstGeom prst="rect">
             <a:avLst/>
@@ -16304,7 +16023,7 @@
           <a:effectLst/>
           <a:extLst>
             <a:ext uri="{AF507438-7753-43E0-B8FC-AC1667EBCBE1}">
-              <a14:hiddenEffects xmlns:a14="http://schemas.microsoft.com/office/drawing/2010/main">
+              <a14:hiddenEffects xmlns="" xmlns:a14="http://schemas.microsoft.com/office/drawing/2010/main">
                 <a:effectLst>
                   <a:outerShdw blurRad="63500" dist="38099" dir="2700000" algn="ctr" rotWithShape="0">
                     <a:schemeClr val="bg2">
@@ -16339,7 +16058,7 @@
               <a:tabLst/>
               <a:defRPr/>
             </a:pPr>
-            <a:endParaRPr kumimoji="0" lang="en-US" altLang="en-US" sz="1000" b="1" i="0" u="none" strike="noStrike" kern="0" cap="none" spc="0" normalizeH="0" baseline="0" noProof="0">
+            <a:endParaRPr kumimoji="0" lang="en-US" altLang="en-US" sz="1000" b="1" i="0" u="none" strike="noStrike" kern="0" cap="none" spc="0" normalizeH="0" baseline="0" noProof="0" dirty="0">
               <a:ln>
                 <a:noFill/>
               </a:ln>
@@ -16371,7 +16090,7 @@
               <a:defRPr/>
             </a:pPr>
             <a:r>
-              <a:rPr kumimoji="0" lang="en-US" altLang="en-US" sz="1200" b="1" i="0" u="none" strike="noStrike" kern="0" cap="none" spc="0" normalizeH="0" baseline="0" noProof="0">
+              <a:rPr kumimoji="0" lang="en-US" altLang="en-US" sz="1200" b="1" i="0" u="none" strike="noStrike" kern="0" cap="none" spc="0" normalizeH="0" baseline="0" noProof="0" dirty="0">
                 <a:ln>
                   <a:noFill/>
                 </a:ln>
@@ -16405,7 +16124,7 @@
               <a:defRPr/>
             </a:pPr>
             <a:r>
-              <a:rPr kumimoji="0" lang="en-US" altLang="en-US" sz="1200" b="1" i="0" u="none" strike="noStrike" kern="0" cap="none" spc="0" normalizeH="0" baseline="0" noProof="0">
+              <a:rPr kumimoji="0" lang="en-US" altLang="en-US" sz="1200" b="1" i="0" u="none" strike="noStrike" kern="0" cap="none" spc="0" normalizeH="0" baseline="0" noProof="0" dirty="0">
                 <a:ln>
                   <a:noFill/>
                 </a:ln>
@@ -16417,7 +16136,37 @@
                 <a:uFillTx/>
                 <a:latin typeface="Abadi MT Condensed Light" charset="0"/>
               </a:rPr>
-              <a:t>    private class InnerEvenIterator implements Iterator {</a:t>
+              <a:t>    private class </a:t>
+            </a:r>
+            <a:r>
+              <a:rPr kumimoji="0" lang="en-US" altLang="en-US" sz="1200" b="1" i="0" u="none" strike="noStrike" kern="0" cap="none" spc="0" normalizeH="0" baseline="0" noProof="0" dirty="0" err="1">
+                <a:ln>
+                  <a:noFill/>
+                </a:ln>
+                <a:solidFill>
+                  <a:srgbClr val="0A0E55"/>
+                </a:solidFill>
+                <a:effectLst/>
+                <a:uLnTx/>
+                <a:uFillTx/>
+                <a:latin typeface="Abadi MT Condensed Light" charset="0"/>
+              </a:rPr>
+              <a:t>InnerEvenIterator</a:t>
+            </a:r>
+            <a:r>
+              <a:rPr kumimoji="0" lang="en-US" altLang="en-US" sz="1200" b="1" i="0" u="none" strike="noStrike" kern="0" cap="none" spc="0" normalizeH="0" baseline="0" noProof="0" dirty="0">
+                <a:ln>
+                  <a:noFill/>
+                </a:ln>
+                <a:solidFill>
+                  <a:srgbClr val="0A0E55"/>
+                </a:solidFill>
+                <a:effectLst/>
+                <a:uLnTx/>
+                <a:uFillTx/>
+                <a:latin typeface="Abadi MT Condensed Light" charset="0"/>
+              </a:rPr>
+              <a:t> implements Iterator {</a:t>
             </a:r>
           </a:p>
           <a:p>
@@ -16439,7 +16188,7 @@
               <a:defRPr/>
             </a:pPr>
             <a:r>
-              <a:rPr kumimoji="0" lang="en-US" altLang="en-US" sz="1200" b="1" i="0" u="none" strike="noStrike" kern="0" cap="none" spc="0" normalizeH="0" baseline="0" noProof="0">
+              <a:rPr kumimoji="0" lang="en-US" altLang="en-US" sz="1200" b="1" i="0" u="none" strike="noStrike" kern="0" cap="none" spc="0" normalizeH="0" baseline="0" noProof="0" dirty="0">
                 <a:ln>
                   <a:noFill/>
                 </a:ln>
@@ -16473,7 +16222,7 @@
               <a:defRPr/>
             </a:pPr>
             <a:r>
-              <a:rPr kumimoji="0" lang="en-US" altLang="en-US" sz="1200" b="1" i="0" u="none" strike="noStrike" kern="0" cap="none" spc="0" normalizeH="0" baseline="0" noProof="0">
+              <a:rPr kumimoji="0" lang="en-US" altLang="en-US" sz="1200" b="1" i="0" u="none" strike="noStrike" kern="0" cap="none" spc="0" normalizeH="0" baseline="0" noProof="0" dirty="0">
                 <a:ln>
                   <a:noFill/>
                 </a:ln>
@@ -16507,7 +16256,7 @@
               <a:defRPr/>
             </a:pPr>
             <a:r>
-              <a:rPr kumimoji="0" lang="en-US" altLang="en-US" sz="1200" b="1" i="0" u="none" strike="noStrike" kern="0" cap="none" spc="0" normalizeH="0" baseline="0" noProof="0">
+              <a:rPr kumimoji="0" lang="en-US" altLang="en-US" sz="1200" b="1" i="0" u="none" strike="noStrike" kern="0" cap="none" spc="0" normalizeH="0" baseline="0" noProof="0" dirty="0">
                 <a:ln>
                   <a:noFill/>
                 </a:ln>
@@ -16541,7 +16290,7 @@
               <a:defRPr/>
             </a:pPr>
             <a:r>
-              <a:rPr kumimoji="0" lang="en-US" altLang="en-US" sz="1200" b="1" i="0" u="none" strike="noStrike" kern="0" cap="none" spc="0" normalizeH="0" baseline="0" noProof="0">
+              <a:rPr kumimoji="0" lang="en-US" altLang="en-US" sz="1200" b="1" i="0" u="none" strike="noStrike" kern="0" cap="none" spc="0" normalizeH="0" baseline="0" noProof="0" dirty="0">
                 <a:ln>
                   <a:noFill/>
                 </a:ln>
@@ -16553,7 +16302,37 @@
                 <a:uFillTx/>
                 <a:latin typeface="Abadi MT Condensed Light" charset="0"/>
               </a:rPr>
-              <a:t>       public InnerEvenIterator ( ){</a:t>
+              <a:t>       public </a:t>
+            </a:r>
+            <a:r>
+              <a:rPr kumimoji="0" lang="en-US" altLang="en-US" sz="1200" b="1" i="0" u="none" strike="noStrike" kern="0" cap="none" spc="0" normalizeH="0" baseline="0" noProof="0" dirty="0" err="1">
+                <a:ln>
+                  <a:noFill/>
+                </a:ln>
+                <a:solidFill>
+                  <a:srgbClr val="0A0E55"/>
+                </a:solidFill>
+                <a:effectLst/>
+                <a:uLnTx/>
+                <a:uFillTx/>
+                <a:latin typeface="Abadi MT Condensed Light" charset="0"/>
+              </a:rPr>
+              <a:t>InnerEvenIterator</a:t>
+            </a:r>
+            <a:r>
+              <a:rPr kumimoji="0" lang="en-US" altLang="en-US" sz="1200" b="1" i="0" u="none" strike="noStrike" kern="0" cap="none" spc="0" normalizeH="0" baseline="0" noProof="0" dirty="0">
+                <a:ln>
+                  <a:noFill/>
+                </a:ln>
+                <a:solidFill>
+                  <a:srgbClr val="0A0E55"/>
+                </a:solidFill>
+                <a:effectLst/>
+                <a:uLnTx/>
+                <a:uFillTx/>
+                <a:latin typeface="Abadi MT Condensed Light" charset="0"/>
+              </a:rPr>
+              <a:t> ( ){</a:t>
             </a:r>
           </a:p>
           <a:p>
@@ -16575,7 +16354,7 @@
               <a:defRPr/>
             </a:pPr>
             <a:r>
-              <a:rPr kumimoji="0" lang="en-US" altLang="en-US" sz="1200" b="1" i="0" u="none" strike="noStrike" kern="0" cap="none" spc="0" normalizeH="0" baseline="0" noProof="0">
+              <a:rPr kumimoji="0" lang="en-US" altLang="en-US" sz="1200" b="1" i="0" u="none" strike="noStrike" kern="0" cap="none" spc="0" normalizeH="0" baseline="0" noProof="0" dirty="0">
                 <a:ln>
                   <a:noFill/>
                 </a:ln>
@@ -16609,7 +16388,7 @@
               <a:defRPr/>
             </a:pPr>
             <a:r>
-              <a:rPr kumimoji="0" lang="en-US" altLang="en-US" sz="1200" b="1" i="0" u="none" strike="noStrike" kern="0" cap="none" spc="0" normalizeH="0" baseline="0" noProof="0">
+              <a:rPr kumimoji="0" lang="en-US" altLang="en-US" sz="1200" b="1" i="0" u="none" strike="noStrike" kern="0" cap="none" spc="0" normalizeH="0" baseline="0" noProof="0" dirty="0">
                 <a:ln>
                   <a:noFill/>
                 </a:ln>
@@ -16643,7 +16422,7 @@
               <a:defRPr/>
             </a:pPr>
             <a:r>
-              <a:rPr kumimoji="0" lang="en-US" altLang="en-US" sz="1200" b="1" i="0" u="none" strike="noStrike" kern="0" cap="none" spc="0" normalizeH="0" baseline="0" noProof="0">
+              <a:rPr kumimoji="0" lang="en-US" altLang="en-US" sz="1200" b="1" i="0" u="none" strike="noStrike" kern="0" cap="none" spc="0" normalizeH="0" baseline="0" noProof="0" dirty="0">
                 <a:ln>
                   <a:noFill/>
                 </a:ln>
@@ -16655,7 +16434,67 @@
                 <a:uFillTx/>
                 <a:latin typeface="Abadi MT Condensed Light" charset="0"/>
               </a:rPr>
-              <a:t>        public boolean hasNext() {</a:t>
+              <a:t>        public </a:t>
+            </a:r>
+            <a:r>
+              <a:rPr kumimoji="0" lang="en-US" altLang="en-US" sz="1200" b="1" i="0" u="none" strike="noStrike" kern="0" cap="none" spc="0" normalizeH="0" baseline="0" noProof="0" dirty="0" err="1">
+                <a:ln>
+                  <a:noFill/>
+                </a:ln>
+                <a:solidFill>
+                  <a:srgbClr val="0A0E55"/>
+                </a:solidFill>
+                <a:effectLst/>
+                <a:uLnTx/>
+                <a:uFillTx/>
+                <a:latin typeface="Abadi MT Condensed Light" charset="0"/>
+              </a:rPr>
+              <a:t>boolean</a:t>
+            </a:r>
+            <a:r>
+              <a:rPr kumimoji="0" lang="en-US" altLang="en-US" sz="1200" b="1" i="0" u="none" strike="noStrike" kern="0" cap="none" spc="0" normalizeH="0" baseline="0" noProof="0" dirty="0">
+                <a:ln>
+                  <a:noFill/>
+                </a:ln>
+                <a:solidFill>
+                  <a:srgbClr val="0A0E55"/>
+                </a:solidFill>
+                <a:effectLst/>
+                <a:uLnTx/>
+                <a:uFillTx/>
+                <a:latin typeface="Abadi MT Condensed Light" charset="0"/>
+              </a:rPr>
+              <a:t> </a:t>
+            </a:r>
+            <a:r>
+              <a:rPr kumimoji="0" lang="en-US" altLang="en-US" sz="1200" b="1" i="0" u="none" strike="noStrike" kern="0" cap="none" spc="0" normalizeH="0" baseline="0" noProof="0" dirty="0" err="1">
+                <a:ln>
+                  <a:noFill/>
+                </a:ln>
+                <a:solidFill>
+                  <a:srgbClr val="0A0E55"/>
+                </a:solidFill>
+                <a:effectLst/>
+                <a:uLnTx/>
+                <a:uFillTx/>
+                <a:latin typeface="Abadi MT Condensed Light" charset="0"/>
+              </a:rPr>
+              <a:t>hasNext</a:t>
+            </a:r>
+            <a:r>
+              <a:rPr kumimoji="0" lang="en-US" altLang="en-US" sz="1200" b="1" i="0" u="none" strike="noStrike" kern="0" cap="none" spc="0" normalizeH="0" baseline="0" noProof="0" dirty="0">
+                <a:ln>
+                  <a:noFill/>
+                </a:ln>
+                <a:solidFill>
+                  <a:srgbClr val="0A0E55"/>
+                </a:solidFill>
+                <a:effectLst/>
+                <a:uLnTx/>
+                <a:uFillTx/>
+                <a:latin typeface="Abadi MT Condensed Light" charset="0"/>
+              </a:rPr>
+              <a:t>() {</a:t>
             </a:r>
           </a:p>
           <a:p>
@@ -16677,7 +16516,7 @@
               <a:defRPr/>
             </a:pPr>
             <a:r>
-              <a:rPr kumimoji="0" lang="en-US" altLang="en-US" sz="1200" b="1" i="0" u="none" strike="noStrike" kern="0" cap="none" spc="0" normalizeH="0" baseline="0" noProof="0">
+              <a:rPr kumimoji="0" lang="en-US" altLang="en-US" sz="1200" b="1" i="0" u="none" strike="noStrike" kern="0" cap="none" spc="0" normalizeH="0" baseline="0" noProof="0" dirty="0">
                 <a:ln>
                   <a:noFill/>
                 </a:ln>
@@ -16711,7 +16550,7 @@
               <a:defRPr/>
             </a:pPr>
             <a:r>
-              <a:rPr kumimoji="0" lang="en-US" altLang="en-US" sz="1200" b="1" i="0" u="none" strike="noStrike" kern="0" cap="none" spc="0" normalizeH="0" baseline="0" noProof="0">
+              <a:rPr kumimoji="0" lang="en-US" altLang="en-US" sz="1200" b="1" i="0" u="none" strike="noStrike" kern="0" cap="none" spc="0" normalizeH="0" baseline="0" noProof="0" dirty="0">
                 <a:ln>
                   <a:noFill/>
                 </a:ln>
@@ -16745,7 +16584,7 @@
               <a:defRPr/>
             </a:pPr>
             <a:r>
-              <a:rPr kumimoji="0" lang="en-US" altLang="en-US" sz="1200" b="1" i="0" u="none" strike="noStrike" kern="0" cap="none" spc="0" normalizeH="0" baseline="0" noProof="0">
+              <a:rPr kumimoji="0" lang="en-US" altLang="en-US" sz="1200" b="1" i="0" u="none" strike="noStrike" kern="0" cap="none" spc="0" normalizeH="0" baseline="0" noProof="0" dirty="0">
                 <a:ln>
                   <a:noFill/>
                 </a:ln>
@@ -16779,7 +16618,7 @@
               <a:defRPr/>
             </a:pPr>
             <a:r>
-              <a:rPr kumimoji="0" lang="en-US" altLang="en-US" sz="1200" b="1" i="0" u="none" strike="noStrike" kern="0" cap="none" spc="0" normalizeH="0" baseline="0" noProof="0">
+              <a:rPr kumimoji="0" lang="en-US" altLang="en-US" sz="1200" b="1" i="0" u="none" strike="noStrike" kern="0" cap="none" spc="0" normalizeH="0" baseline="0" noProof="0" dirty="0">
                 <a:ln>
                   <a:noFill/>
                 </a:ln>
@@ -16813,7 +16652,7 @@
               <a:defRPr/>
             </a:pPr>
             <a:r>
-              <a:rPr kumimoji="0" lang="en-US" altLang="en-US" sz="1200" b="1" i="0" u="none" strike="noStrike" kern="0" cap="none" spc="0" normalizeH="0" baseline="0" noProof="0">
+              <a:rPr kumimoji="0" lang="en-US" altLang="en-US" sz="1200" b="1" i="0" u="none" strike="noStrike" kern="0" cap="none" spc="0" normalizeH="0" baseline="0" noProof="0" dirty="0">
                 <a:ln>
                   <a:noFill/>
                 </a:ln>
@@ -16847,7 +16686,7 @@
               <a:defRPr/>
             </a:pPr>
             <a:r>
-              <a:rPr kumimoji="0" lang="en-US" altLang="en-US" sz="1200" b="1" i="0" u="none" strike="noStrike" kern="0" cap="none" spc="0" normalizeH="0" baseline="0" noProof="0">
+              <a:rPr kumimoji="0" lang="en-US" altLang="en-US" sz="1200" b="1" i="0" u="none" strike="noStrike" kern="0" cap="none" spc="0" normalizeH="0" baseline="0" noProof="0" dirty="0">
                 <a:ln>
                   <a:noFill/>
                 </a:ln>
@@ -16881,7 +16720,7 @@
               <a:defRPr/>
             </a:pPr>
             <a:r>
-              <a:rPr kumimoji="0" lang="en-US" altLang="en-US" sz="1200" b="1" i="0" u="none" strike="noStrike" kern="0" cap="none" spc="0" normalizeH="0" baseline="0" noProof="0">
+              <a:rPr kumimoji="0" lang="en-US" altLang="en-US" sz="1200" b="1" i="0" u="none" strike="noStrike" kern="0" cap="none" spc="0" normalizeH="0" baseline="0" noProof="0" dirty="0">
                 <a:ln>
                   <a:noFill/>
                 </a:ln>
@@ -16893,7 +16732,67 @@
                 <a:uFillTx/>
                 <a:latin typeface="Abadi MT Condensed Light" charset="0"/>
               </a:rPr>
-              <a:t>            int retValue = arrayOfInts[next];</a:t>
+              <a:t>            int </a:t>
+            </a:r>
+            <a:r>
+              <a:rPr kumimoji="0" lang="en-US" altLang="en-US" sz="1200" b="1" i="0" u="none" strike="noStrike" kern="0" cap="none" spc="0" normalizeH="0" baseline="0" noProof="0" dirty="0" err="1">
+                <a:ln>
+                  <a:noFill/>
+                </a:ln>
+                <a:solidFill>
+                  <a:srgbClr val="0A0E55"/>
+                </a:solidFill>
+                <a:effectLst/>
+                <a:uLnTx/>
+                <a:uFillTx/>
+                <a:latin typeface="Abadi MT Condensed Light" charset="0"/>
+              </a:rPr>
+              <a:t>retValue</a:t>
+            </a:r>
+            <a:r>
+              <a:rPr kumimoji="0" lang="en-US" altLang="en-US" sz="1200" b="1" i="0" u="none" strike="noStrike" kern="0" cap="none" spc="0" normalizeH="0" baseline="0" noProof="0" dirty="0">
+                <a:ln>
+                  <a:noFill/>
+                </a:ln>
+                <a:solidFill>
+                  <a:srgbClr val="0A0E55"/>
+                </a:solidFill>
+                <a:effectLst/>
+                <a:uLnTx/>
+                <a:uFillTx/>
+                <a:latin typeface="Abadi MT Condensed Light" charset="0"/>
+              </a:rPr>
+              <a:t> = </a:t>
+            </a:r>
+            <a:r>
+              <a:rPr kumimoji="0" lang="en-US" altLang="en-US" sz="1200" b="1" i="0" u="none" strike="noStrike" kern="0" cap="none" spc="0" normalizeH="0" baseline="0" noProof="0" dirty="0" err="1">
+                <a:ln>
+                  <a:noFill/>
+                </a:ln>
+                <a:solidFill>
+                  <a:srgbClr val="0A0E55"/>
+                </a:solidFill>
+                <a:effectLst/>
+                <a:uLnTx/>
+                <a:uFillTx/>
+                <a:latin typeface="Abadi MT Condensed Light" charset="0"/>
+              </a:rPr>
+              <a:t>arrayOfInts</a:t>
+            </a:r>
+            <a:r>
+              <a:rPr kumimoji="0" lang="en-US" altLang="en-US" sz="1200" b="1" i="0" u="none" strike="noStrike" kern="0" cap="none" spc="0" normalizeH="0" baseline="0" noProof="0" dirty="0">
+                <a:ln>
+                  <a:noFill/>
+                </a:ln>
+                <a:solidFill>
+                  <a:srgbClr val="0A0E55"/>
+                </a:solidFill>
+                <a:effectLst/>
+                <a:uLnTx/>
+                <a:uFillTx/>
+                <a:latin typeface="Abadi MT Condensed Light" charset="0"/>
+              </a:rPr>
+              <a:t>[index];</a:t>
             </a:r>
           </a:p>
           <a:p>
@@ -16915,7 +16814,7 @@
               <a:defRPr/>
             </a:pPr>
             <a:r>
-              <a:rPr kumimoji="0" lang="en-US" altLang="en-US" sz="1200" b="1" i="0" u="none" strike="noStrike" kern="0" cap="none" spc="0" normalizeH="0" baseline="0" noProof="0">
+              <a:rPr kumimoji="0" lang="en-US" altLang="en-US" sz="1200" b="1" i="0" u="none" strike="noStrike" kern="0" cap="none" spc="0" normalizeH="0" baseline="0" noProof="0" dirty="0">
                 <a:ln>
                   <a:noFill/>
                 </a:ln>
@@ -16949,7 +16848,7 @@
               <a:defRPr/>
             </a:pPr>
             <a:r>
-              <a:rPr kumimoji="0" lang="en-US" altLang="en-US" sz="1200" b="1" i="0" u="none" strike="noStrike" kern="0" cap="none" spc="0" normalizeH="0" baseline="0" noProof="0">
+              <a:rPr kumimoji="0" lang="en-US" altLang="en-US" sz="1200" b="1" i="0" u="none" strike="noStrike" kern="0" cap="none" spc="0" normalizeH="0" baseline="0" noProof="0" dirty="0">
                 <a:ln>
                   <a:noFill/>
                 </a:ln>
@@ -16961,7 +16860,31 @@
                 <a:uFillTx/>
                 <a:latin typeface="Abadi MT Condensed Light" charset="0"/>
               </a:rPr>
-              <a:t>            next += 2;</a:t>
+              <a:t>            </a:t>
+            </a:r>
+            <a:r>
+              <a:rPr lang="en-US" altLang="en-US" sz="1200" b="1" kern="0" dirty="0">
+                <a:solidFill>
+                  <a:srgbClr val="0A0E55"/>
+                </a:solidFill>
+                <a:latin typeface="Abadi MT Condensed Light" charset="0"/>
+              </a:rPr>
+              <a:t>index</a:t>
+            </a:r>
+            <a:r>
+              <a:rPr kumimoji="0" lang="en-US" altLang="en-US" sz="1200" b="1" i="0" u="none" strike="noStrike" kern="0" cap="none" spc="0" normalizeH="0" baseline="0" noProof="0" dirty="0">
+                <a:ln>
+                  <a:noFill/>
+                </a:ln>
+                <a:solidFill>
+                  <a:srgbClr val="0A0E55"/>
+                </a:solidFill>
+                <a:effectLst/>
+                <a:uLnTx/>
+                <a:uFillTx/>
+                <a:latin typeface="Abadi MT Condensed Light" charset="0"/>
+              </a:rPr>
+              <a:t> += 2;</a:t>
             </a:r>
           </a:p>
           <a:p>
@@ -16983,7 +16906,7 @@
               <a:defRPr/>
             </a:pPr>
             <a:r>
-              <a:rPr kumimoji="0" lang="en-US" altLang="en-US" sz="1200" b="1" i="0" u="none" strike="noStrike" kern="0" cap="none" spc="0" normalizeH="0" baseline="0" noProof="0">
+              <a:rPr kumimoji="0" lang="en-US" altLang="en-US" sz="1200" b="1" i="0" u="none" strike="noStrike" kern="0" cap="none" spc="0" normalizeH="0" baseline="0" noProof="0" dirty="0">
                 <a:ln>
                   <a:noFill/>
                 </a:ln>
@@ -16995,7 +16918,37 @@
                 <a:uFillTx/>
                 <a:latin typeface="Abadi MT Condensed Light" charset="0"/>
               </a:rPr>
-              <a:t>            return retValue;</a:t>
+              <a:t>            return </a:t>
+            </a:r>
+            <a:r>
+              <a:rPr kumimoji="0" lang="en-US" altLang="en-US" sz="1200" b="1" i="0" u="none" strike="noStrike" kern="0" cap="none" spc="0" normalizeH="0" baseline="0" noProof="0" dirty="0" err="1">
+                <a:ln>
+                  <a:noFill/>
+                </a:ln>
+                <a:solidFill>
+                  <a:srgbClr val="0A0E55"/>
+                </a:solidFill>
+                <a:effectLst/>
+                <a:uLnTx/>
+                <a:uFillTx/>
+                <a:latin typeface="Abadi MT Condensed Light" charset="0"/>
+              </a:rPr>
+              <a:t>retValue</a:t>
+            </a:r>
+            <a:r>
+              <a:rPr kumimoji="0" lang="en-US" altLang="en-US" sz="1200" b="1" i="0" u="none" strike="noStrike" kern="0" cap="none" spc="0" normalizeH="0" baseline="0" noProof="0" dirty="0">
+                <a:ln>
+                  <a:noFill/>
+                </a:ln>
+                <a:solidFill>
+                  <a:srgbClr val="0A0E55"/>
+                </a:solidFill>
+                <a:effectLst/>
+                <a:uLnTx/>
+                <a:uFillTx/>
+                <a:latin typeface="Abadi MT Condensed Light" charset="0"/>
+              </a:rPr>
+              <a:t>;</a:t>
             </a:r>
           </a:p>
           <a:p>
@@ -17017,7 +16970,7 @@
               <a:defRPr/>
             </a:pPr>
             <a:r>
-              <a:rPr kumimoji="0" lang="en-US" altLang="en-US" sz="1200" b="1" i="0" u="none" strike="noStrike" kern="0" cap="none" spc="0" normalizeH="0" baseline="0" noProof="0">
+              <a:rPr kumimoji="0" lang="en-US" altLang="en-US" sz="1200" b="1" i="0" u="none" strike="noStrike" kern="0" cap="none" spc="0" normalizeH="0" baseline="0" noProof="0" dirty="0">
                 <a:ln>
                   <a:noFill/>
                 </a:ln>
@@ -17051,7 +17004,7 @@
               <a:defRPr/>
             </a:pPr>
             <a:r>
-              <a:rPr kumimoji="0" lang="en-US" altLang="en-US" sz="1200" b="1" i="0" u="none" strike="noStrike" kern="0" cap="none" spc="0" normalizeH="0" baseline="0" noProof="0">
+              <a:rPr kumimoji="0" lang="en-US" altLang="en-US" sz="1200" b="1" i="0" u="none" strike="noStrike" kern="0" cap="none" spc="0" normalizeH="0" baseline="0" noProof="0" dirty="0">
                 <a:ln>
                   <a:noFill/>
                 </a:ln>
@@ -17085,7 +17038,7 @@
               <a:defRPr/>
             </a:pPr>
             <a:r>
-              <a:rPr kumimoji="0" lang="en-US" altLang="en-US" sz="1200" b="1" i="0" u="none" strike="noStrike" kern="0" cap="none" spc="0" normalizeH="0" baseline="0" noProof="0">
+              <a:rPr kumimoji="0" lang="en-US" altLang="en-US" sz="1200" b="1" i="0" u="none" strike="noStrike" kern="0" cap="none" spc="0" normalizeH="0" baseline="0" noProof="0" dirty="0">
                 <a:ln>
                   <a:noFill/>
                 </a:ln>
@@ -17119,7 +17072,7 @@
               <a:defRPr/>
             </a:pPr>
             <a:r>
-              <a:rPr kumimoji="0" lang="en-US" altLang="en-US" sz="1200" b="1" i="0" u="none" strike="noStrike" kern="0" cap="none" spc="0" normalizeH="0" baseline="0" noProof="0">
+              <a:rPr kumimoji="0" lang="en-US" altLang="en-US" sz="1200" b="1" i="0" u="none" strike="noStrike" kern="0" cap="none" spc="0" normalizeH="0" baseline="0" noProof="0" dirty="0">
                 <a:ln>
                   <a:noFill/>
                 </a:ln>
@@ -17153,7 +17106,7 @@
               <a:defRPr/>
             </a:pPr>
             <a:r>
-              <a:rPr kumimoji="0" lang="en-US" altLang="en-US" sz="1200" b="1" i="0" u="none" strike="noStrike" kern="0" cap="none" spc="0" normalizeH="0" baseline="0" noProof="0">
+              <a:rPr kumimoji="0" lang="en-US" altLang="en-US" sz="1200" b="1" i="0" u="none" strike="noStrike" kern="0" cap="none" spc="0" normalizeH="0" baseline="0" noProof="0" dirty="0">
                 <a:ln>
                   <a:noFill/>
                 </a:ln>
@@ -17187,7 +17140,7 @@
               <a:defRPr/>
             </a:pPr>
             <a:r>
-              <a:rPr kumimoji="0" lang="en-US" altLang="en-US" sz="1000" b="1" i="0" u="none" strike="noStrike" kern="0" cap="none" spc="0" normalizeH="0" baseline="0" noProof="0">
+              <a:rPr kumimoji="0" lang="en-US" altLang="en-US" sz="1000" b="1" i="0" u="none" strike="noStrike" kern="0" cap="none" spc="0" normalizeH="0" baseline="0" noProof="0" dirty="0">
                 <a:ln>
                   <a:noFill/>
                 </a:ln>
@@ -17209,7 +17162,7 @@
           <p:cNvPr id="14" name="Line 5">
             <a:extLst>
               <a:ext uri="{FF2B5EF4-FFF2-40B4-BE49-F238E27FC236}">
-                <a16:creationId xmlns:a16="http://schemas.microsoft.com/office/drawing/2014/main" id="{50DDF413-F315-4CA6-840B-75AA59183D16}"/>
+                <a16:creationId xmlns="" xmlns:a16="http://schemas.microsoft.com/office/drawing/2014/main" id="{50DDF413-F315-4CA6-840B-75AA59183D16}"/>
               </a:ext>
             </a:extLst>
           </p:cNvPr>
@@ -17238,12 +17191,12 @@
           <a:effectLst/>
           <a:extLst>
             <a:ext uri="{909E8E84-426E-40DD-AFC4-6F175D3DCCD1}">
-              <a14:hiddenFill xmlns:a14="http://schemas.microsoft.com/office/drawing/2010/main">
+              <a14:hiddenFill xmlns="" xmlns:a14="http://schemas.microsoft.com/office/drawing/2010/main">
                 <a:noFill/>
               </a14:hiddenFill>
             </a:ext>
             <a:ext uri="{AF507438-7753-43E0-B8FC-AC1667EBCBE1}">
-              <a14:hiddenEffects xmlns:a14="http://schemas.microsoft.com/office/drawing/2010/main">
+              <a14:hiddenEffects xmlns="" xmlns:a14="http://schemas.microsoft.com/office/drawing/2010/main">
                 <a:effectLst>
                   <a:outerShdw blurRad="63500" dist="38099" dir="2700000" algn="ctr" rotWithShape="0">
                     <a:schemeClr val="bg2">
@@ -17280,7 +17233,7 @@
     </p:spTree>
     <p:extLst>
       <p:ext uri="{BB962C8B-B14F-4D97-AF65-F5344CB8AC3E}">
-        <p14:creationId xmlns:p14="http://schemas.microsoft.com/office/powerpoint/2010/main" val="2943746229"/>
+        <p14:creationId xmlns="" xmlns:p14="http://schemas.microsoft.com/office/powerpoint/2010/main" val="2943746229"/>
       </p:ext>
     </p:extLst>
   </p:cSld>
@@ -17450,28 +17403,6 @@
       </p:sp>
       <p:sp>
         <p:nvSpPr>
-          <p:cNvPr id="6" name="Date Placeholder 5"/>
-          <p:cNvSpPr>
-            <a:spLocks noGrp="1"/>
-          </p:cNvSpPr>
-          <p:nvPr>
-            <p:ph type="dt" sz="half" idx="2"/>
-          </p:nvPr>
-        </p:nvSpPr>
-        <p:spPr/>
-        <p:txBody>
-          <a:bodyPr/>
-          <a:lstStyle/>
-          <a:p>
-            <a:r>
-              <a:rPr lang="en-CA" dirty="0"/>
-              <a:t>Winter 2022</a:t>
-            </a:r>
-          </a:p>
-        </p:txBody>
-      </p:sp>
-      <p:sp>
-        <p:nvSpPr>
           <p:cNvPr id="10" name="Footer Placeholder 9"/>
           <p:cNvSpPr>
             <a:spLocks noGrp="1"/>
@@ -17524,7 +17455,7 @@
           <p:cNvPr id="8" name="Content Placeholder 2">
             <a:extLst>
               <a:ext uri="{FF2B5EF4-FFF2-40B4-BE49-F238E27FC236}">
-                <a16:creationId xmlns:a16="http://schemas.microsoft.com/office/drawing/2014/main" id="{6722E616-E68B-483B-9454-1AA85B665AD3}"/>
+                <a16:creationId xmlns="" xmlns:a16="http://schemas.microsoft.com/office/drawing/2014/main" id="{6722E616-E68B-483B-9454-1AA85B665AD3}"/>
               </a:ext>
             </a:extLst>
           </p:cNvPr>
@@ -17843,7 +17774,7 @@
     </p:spTree>
     <p:extLst>
       <p:ext uri="{BB962C8B-B14F-4D97-AF65-F5344CB8AC3E}">
-        <p14:creationId xmlns:p14="http://schemas.microsoft.com/office/powerpoint/2010/main" val="7282179"/>
+        <p14:creationId xmlns="" xmlns:p14="http://schemas.microsoft.com/office/powerpoint/2010/main" val="7282179"/>
       </p:ext>
     </p:extLst>
   </p:cSld>
@@ -17981,28 +17912,6 @@
       </p:sp>
       <p:sp>
         <p:nvSpPr>
-          <p:cNvPr id="6" name="Date Placeholder 5"/>
-          <p:cNvSpPr>
-            <a:spLocks noGrp="1"/>
-          </p:cNvSpPr>
-          <p:nvPr>
-            <p:ph type="dt" sz="half" idx="2"/>
-          </p:nvPr>
-        </p:nvSpPr>
-        <p:spPr/>
-        <p:txBody>
-          <a:bodyPr/>
-          <a:lstStyle/>
-          <a:p>
-            <a:r>
-              <a:rPr lang="en-CA" dirty="0"/>
-              <a:t>Winter 2022</a:t>
-            </a:r>
-          </a:p>
-        </p:txBody>
-      </p:sp>
-      <p:sp>
-        <p:nvSpPr>
           <p:cNvPr id="10" name="Footer Placeholder 9"/>
           <p:cNvSpPr>
             <a:spLocks noGrp="1"/>
@@ -18053,7 +17962,7 @@
     </p:spTree>
     <p:extLst>
       <p:ext uri="{BB962C8B-B14F-4D97-AF65-F5344CB8AC3E}">
-        <p14:creationId xmlns:p14="http://schemas.microsoft.com/office/powerpoint/2010/main" val="925302538"/>
+        <p14:creationId xmlns="" xmlns:p14="http://schemas.microsoft.com/office/powerpoint/2010/main" val="925302538"/>
       </p:ext>
     </p:extLst>
   </p:cSld>
@@ -18138,28 +18047,6 @@
       </p:sp>
       <p:sp>
         <p:nvSpPr>
-          <p:cNvPr id="6" name="Date Placeholder 5"/>
-          <p:cNvSpPr>
-            <a:spLocks noGrp="1"/>
-          </p:cNvSpPr>
-          <p:nvPr>
-            <p:ph type="dt" sz="half" idx="2"/>
-          </p:nvPr>
-        </p:nvSpPr>
-        <p:spPr/>
-        <p:txBody>
-          <a:bodyPr/>
-          <a:lstStyle/>
-          <a:p>
-            <a:r>
-              <a:rPr lang="en-CA" dirty="0"/>
-              <a:t>Winter 2022</a:t>
-            </a:r>
-          </a:p>
-        </p:txBody>
-      </p:sp>
-      <p:sp>
-        <p:nvSpPr>
           <p:cNvPr id="10" name="Footer Placeholder 9"/>
           <p:cNvSpPr>
             <a:spLocks noGrp="1"/>
@@ -18212,7 +18099,7 @@
           <p:cNvPr id="9" name="Rectangle 2">
             <a:extLst>
               <a:ext uri="{FF2B5EF4-FFF2-40B4-BE49-F238E27FC236}">
-                <a16:creationId xmlns:a16="http://schemas.microsoft.com/office/drawing/2014/main" id="{3C661599-B77F-41D8-9528-2D01ECADA1FB}"/>
+                <a16:creationId xmlns="" xmlns:a16="http://schemas.microsoft.com/office/drawing/2014/main" id="{3C661599-B77F-41D8-9528-2D01ECADA1FB}"/>
               </a:ext>
             </a:extLst>
           </p:cNvPr>
@@ -18238,7 +18125,7 @@
           <a:effectLst/>
           <a:extLst>
             <a:ext uri="{91240B29-F687-4F45-9708-019B960494DF}">
-              <a14:hiddenLine xmlns:a14="http://schemas.microsoft.com/office/drawing/2010/main" w="9525">
+              <a14:hiddenLine xmlns="" xmlns:a14="http://schemas.microsoft.com/office/drawing/2010/main" w="9525">
                 <a:solidFill>
                   <a:schemeClr val="tx1"/>
                 </a:solidFill>
@@ -18248,7 +18135,7 @@
               </a14:hiddenLine>
             </a:ext>
             <a:ext uri="{AF507438-7753-43E0-B8FC-AC1667EBCBE1}">
-              <a14:hiddenEffects xmlns:a14="http://schemas.microsoft.com/office/drawing/2010/main">
+              <a14:hiddenEffects xmlns="" xmlns:a14="http://schemas.microsoft.com/office/drawing/2010/main">
                 <a:effectLst>
                   <a:outerShdw blurRad="63500" dist="38099" dir="2700000" algn="ctr" rotWithShape="0">
                     <a:schemeClr val="bg2">
@@ -18287,7 +18174,7 @@
           <p:cNvPr id="11" name="Text Box 3">
             <a:extLst>
               <a:ext uri="{FF2B5EF4-FFF2-40B4-BE49-F238E27FC236}">
-                <a16:creationId xmlns:a16="http://schemas.microsoft.com/office/drawing/2014/main" id="{5528DA0F-3FE3-47AD-998D-FE593CF35196}"/>
+                <a16:creationId xmlns="" xmlns:a16="http://schemas.microsoft.com/office/drawing/2014/main" id="{5528DA0F-3FE3-47AD-998D-FE593CF35196}"/>
               </a:ext>
             </a:extLst>
           </p:cNvPr>
@@ -18311,14 +18198,14 @@
           <a:effectLst/>
           <a:extLst>
             <a:ext uri="{909E8E84-426E-40DD-AFC4-6F175D3DCCD1}">
-              <a14:hiddenFill xmlns:a14="http://schemas.microsoft.com/office/drawing/2010/main">
+              <a14:hiddenFill xmlns="" xmlns:a14="http://schemas.microsoft.com/office/drawing/2010/main">
                 <a:solidFill>
                   <a:schemeClr val="accent1"/>
                 </a:solidFill>
               </a14:hiddenFill>
             </a:ext>
             <a:ext uri="{91240B29-F687-4F45-9708-019B960494DF}">
-              <a14:hiddenLine xmlns:a14="http://schemas.microsoft.com/office/drawing/2010/main" w="9525">
+              <a14:hiddenLine xmlns="" xmlns:a14="http://schemas.microsoft.com/office/drawing/2010/main" w="9525">
                 <a:solidFill>
                   <a:schemeClr val="tx1"/>
                 </a:solidFill>
@@ -18328,7 +18215,7 @@
               </a14:hiddenLine>
             </a:ext>
             <a:ext uri="{AF507438-7753-43E0-B8FC-AC1667EBCBE1}">
-              <a14:hiddenEffects xmlns:a14="http://schemas.microsoft.com/office/drawing/2010/main">
+              <a14:hiddenEffects xmlns="" xmlns:a14="http://schemas.microsoft.com/office/drawing/2010/main">
                 <a:effectLst>
                   <a:outerShdw blurRad="63500" dist="38099" dir="2700000" algn="ctr" rotWithShape="0">
                     <a:schemeClr val="bg2">
@@ -18860,7 +18747,7 @@
     </p:spTree>
     <p:extLst>
       <p:ext uri="{BB962C8B-B14F-4D97-AF65-F5344CB8AC3E}">
-        <p14:creationId xmlns:p14="http://schemas.microsoft.com/office/powerpoint/2010/main" val="61493150"/>
+        <p14:creationId xmlns="" xmlns:p14="http://schemas.microsoft.com/office/powerpoint/2010/main" val="61493150"/>
       </p:ext>
     </p:extLst>
   </p:cSld>
@@ -18954,28 +18841,6 @@
       </p:sp>
       <p:sp>
         <p:nvSpPr>
-          <p:cNvPr id="6" name="Date Placeholder 5"/>
-          <p:cNvSpPr>
-            <a:spLocks noGrp="1"/>
-          </p:cNvSpPr>
-          <p:nvPr>
-            <p:ph type="dt" sz="half" idx="2"/>
-          </p:nvPr>
-        </p:nvSpPr>
-        <p:spPr/>
-        <p:txBody>
-          <a:bodyPr/>
-          <a:lstStyle/>
-          <a:p>
-            <a:r>
-              <a:rPr lang="en-CA" dirty="0"/>
-              <a:t>Winter 2022</a:t>
-            </a:r>
-          </a:p>
-        </p:txBody>
-      </p:sp>
-      <p:sp>
-        <p:nvSpPr>
           <p:cNvPr id="10" name="Footer Placeholder 9"/>
           <p:cNvSpPr>
             <a:spLocks noGrp="1"/>
@@ -19028,7 +18893,7 @@
           <p:cNvPr id="7" name="Rectangle 2">
             <a:extLst>
               <a:ext uri="{FF2B5EF4-FFF2-40B4-BE49-F238E27FC236}">
-                <a16:creationId xmlns:a16="http://schemas.microsoft.com/office/drawing/2014/main" id="{AFBF9A8A-A472-4F88-8C4D-0E99065A8830}"/>
+                <a16:creationId xmlns="" xmlns:a16="http://schemas.microsoft.com/office/drawing/2014/main" id="{AFBF9A8A-A472-4F88-8C4D-0E99065A8830}"/>
               </a:ext>
             </a:extLst>
           </p:cNvPr>
@@ -19054,7 +18919,7 @@
           <a:effectLst/>
           <a:extLst>
             <a:ext uri="{91240B29-F687-4F45-9708-019B960494DF}">
-              <a14:hiddenLine xmlns:a14="http://schemas.microsoft.com/office/drawing/2010/main" w="9525">
+              <a14:hiddenLine xmlns="" xmlns:a14="http://schemas.microsoft.com/office/drawing/2010/main" w="9525">
                 <a:solidFill>
                   <a:schemeClr val="tx1"/>
                 </a:solidFill>
@@ -19064,7 +18929,7 @@
               </a14:hiddenLine>
             </a:ext>
             <a:ext uri="{AF507438-7753-43E0-B8FC-AC1667EBCBE1}">
-              <a14:hiddenEffects xmlns:a14="http://schemas.microsoft.com/office/drawing/2010/main">
+              <a14:hiddenEffects xmlns="" xmlns:a14="http://schemas.microsoft.com/office/drawing/2010/main">
                 <a:effectLst>
                   <a:outerShdw blurRad="63500" dist="38099" dir="2700000" algn="ctr" rotWithShape="0">
                     <a:schemeClr val="bg2">
@@ -19103,7 +18968,7 @@
           <p:cNvPr id="8" name="Rectangle 3">
             <a:extLst>
               <a:ext uri="{FF2B5EF4-FFF2-40B4-BE49-F238E27FC236}">
-                <a16:creationId xmlns:a16="http://schemas.microsoft.com/office/drawing/2014/main" id="{5DCD0EE9-8E09-45DA-BA25-50C1DA894E0E}"/>
+                <a16:creationId xmlns="" xmlns:a16="http://schemas.microsoft.com/office/drawing/2014/main" id="{5DCD0EE9-8E09-45DA-BA25-50C1DA894E0E}"/>
               </a:ext>
             </a:extLst>
           </p:cNvPr>
@@ -19129,7 +18994,7 @@
           <a:effectLst/>
           <a:extLst>
             <a:ext uri="{91240B29-F687-4F45-9708-019B960494DF}">
-              <a14:hiddenLine xmlns:a14="http://schemas.microsoft.com/office/drawing/2010/main" w="9525">
+              <a14:hiddenLine xmlns="" xmlns:a14="http://schemas.microsoft.com/office/drawing/2010/main" w="9525">
                 <a:solidFill>
                   <a:schemeClr val="tx1"/>
                 </a:solidFill>
@@ -19139,7 +19004,7 @@
               </a14:hiddenLine>
             </a:ext>
             <a:ext uri="{AF507438-7753-43E0-B8FC-AC1667EBCBE1}">
-              <a14:hiddenEffects xmlns:a14="http://schemas.microsoft.com/office/drawing/2010/main">
+              <a14:hiddenEffects xmlns="" xmlns:a14="http://schemas.microsoft.com/office/drawing/2010/main">
                 <a:effectLst>
                   <a:outerShdw blurRad="63500" dist="38099" dir="2700000" algn="ctr" rotWithShape="0">
                     <a:schemeClr val="bg2">
@@ -19178,7 +19043,7 @@
           <p:cNvPr id="9" name="Text Box 4">
             <a:extLst>
               <a:ext uri="{FF2B5EF4-FFF2-40B4-BE49-F238E27FC236}">
-                <a16:creationId xmlns:a16="http://schemas.microsoft.com/office/drawing/2014/main" id="{1C2B85DC-84F0-40AD-9953-B2ADAA1853ED}"/>
+                <a16:creationId xmlns="" xmlns:a16="http://schemas.microsoft.com/office/drawing/2014/main" id="{1C2B85DC-84F0-40AD-9953-B2ADAA1853ED}"/>
               </a:ext>
             </a:extLst>
           </p:cNvPr>
@@ -19202,14 +19067,14 @@
           <a:effectLst/>
           <a:extLst>
             <a:ext uri="{909E8E84-426E-40DD-AFC4-6F175D3DCCD1}">
-              <a14:hiddenFill xmlns:a14="http://schemas.microsoft.com/office/drawing/2010/main">
+              <a14:hiddenFill xmlns="" xmlns:a14="http://schemas.microsoft.com/office/drawing/2010/main">
                 <a:solidFill>
                   <a:schemeClr val="accent1"/>
                 </a:solidFill>
               </a14:hiddenFill>
             </a:ext>
             <a:ext uri="{91240B29-F687-4F45-9708-019B960494DF}">
-              <a14:hiddenLine xmlns:a14="http://schemas.microsoft.com/office/drawing/2010/main" w="9525">
+              <a14:hiddenLine xmlns="" xmlns:a14="http://schemas.microsoft.com/office/drawing/2010/main" w="9525">
                 <a:solidFill>
                   <a:schemeClr val="tx1"/>
                 </a:solidFill>
@@ -19219,7 +19084,7 @@
               </a14:hiddenLine>
             </a:ext>
             <a:ext uri="{AF507438-7753-43E0-B8FC-AC1667EBCBE1}">
-              <a14:hiddenEffects xmlns:a14="http://schemas.microsoft.com/office/drawing/2010/main">
+              <a14:hiddenEffects xmlns="" xmlns:a14="http://schemas.microsoft.com/office/drawing/2010/main">
                 <a:effectLst>
                   <a:outerShdw blurRad="63500" dist="38099" dir="2700000" algn="ctr" rotWithShape="0">
                     <a:schemeClr val="bg2">
@@ -19599,7 +19464,7 @@
           <p:cNvPr id="11" name="Line 7">
             <a:extLst>
               <a:ext uri="{FF2B5EF4-FFF2-40B4-BE49-F238E27FC236}">
-                <a16:creationId xmlns:a16="http://schemas.microsoft.com/office/drawing/2014/main" id="{0198377F-1D89-4CC6-9E44-94DFC1094991}"/>
+                <a16:creationId xmlns="" xmlns:a16="http://schemas.microsoft.com/office/drawing/2014/main" id="{0198377F-1D89-4CC6-9E44-94DFC1094991}"/>
               </a:ext>
             </a:extLst>
           </p:cNvPr>
@@ -19628,12 +19493,12 @@
           <a:effectLst/>
           <a:extLst>
             <a:ext uri="{909E8E84-426E-40DD-AFC4-6F175D3DCCD1}">
-              <a14:hiddenFill xmlns:a14="http://schemas.microsoft.com/office/drawing/2010/main">
+              <a14:hiddenFill xmlns="" xmlns:a14="http://schemas.microsoft.com/office/drawing/2010/main">
                 <a:noFill/>
               </a14:hiddenFill>
             </a:ext>
             <a:ext uri="{AF507438-7753-43E0-B8FC-AC1667EBCBE1}">
-              <a14:hiddenEffects xmlns:a14="http://schemas.microsoft.com/office/drawing/2010/main">
+              <a14:hiddenEffects xmlns="" xmlns:a14="http://schemas.microsoft.com/office/drawing/2010/main">
                 <a:effectLst>
                   <a:outerShdw blurRad="63500" dist="38099" dir="2700000" algn="ctr" rotWithShape="0">
                     <a:schemeClr val="bg2">
@@ -19670,7 +19535,7 @@
     </p:spTree>
     <p:extLst>
       <p:ext uri="{BB962C8B-B14F-4D97-AF65-F5344CB8AC3E}">
-        <p14:creationId xmlns:p14="http://schemas.microsoft.com/office/powerpoint/2010/main" val="1510228696"/>
+        <p14:creationId xmlns="" xmlns:p14="http://schemas.microsoft.com/office/powerpoint/2010/main" val="1510228696"/>
       </p:ext>
     </p:extLst>
   </p:cSld>
@@ -19751,28 +19616,6 @@
       </p:sp>
       <p:sp>
         <p:nvSpPr>
-          <p:cNvPr id="6" name="Date Placeholder 5"/>
-          <p:cNvSpPr>
-            <a:spLocks noGrp="1"/>
-          </p:cNvSpPr>
-          <p:nvPr>
-            <p:ph type="dt" sz="half" idx="2"/>
-          </p:nvPr>
-        </p:nvSpPr>
-        <p:spPr/>
-        <p:txBody>
-          <a:bodyPr/>
-          <a:lstStyle/>
-          <a:p>
-            <a:r>
-              <a:rPr lang="en-CA" dirty="0"/>
-              <a:t>Winter 2022</a:t>
-            </a:r>
-          </a:p>
-        </p:txBody>
-      </p:sp>
-      <p:sp>
-        <p:nvSpPr>
           <p:cNvPr id="10" name="Footer Placeholder 9"/>
           <p:cNvSpPr>
             <a:spLocks noGrp="1"/>
@@ -19825,7 +19668,7 @@
           <p:cNvPr id="11" name="Text Box 3">
             <a:extLst>
               <a:ext uri="{FF2B5EF4-FFF2-40B4-BE49-F238E27FC236}">
-                <a16:creationId xmlns:a16="http://schemas.microsoft.com/office/drawing/2014/main" id="{5222DEF6-0545-4413-BCEB-8C85A41E2973}"/>
+                <a16:creationId xmlns="" xmlns:a16="http://schemas.microsoft.com/office/drawing/2014/main" id="{5222DEF6-0545-4413-BCEB-8C85A41E2973}"/>
               </a:ext>
             </a:extLst>
           </p:cNvPr>
@@ -19849,14 +19692,14 @@
           <a:effectLst/>
           <a:extLst>
             <a:ext uri="{909E8E84-426E-40DD-AFC4-6F175D3DCCD1}">
-              <a14:hiddenFill xmlns:a14="http://schemas.microsoft.com/office/drawing/2010/main">
+              <a14:hiddenFill xmlns="" xmlns:a14="http://schemas.microsoft.com/office/drawing/2010/main">
                 <a:solidFill>
                   <a:schemeClr val="accent1"/>
                 </a:solidFill>
               </a14:hiddenFill>
             </a:ext>
             <a:ext uri="{91240B29-F687-4F45-9708-019B960494DF}">
-              <a14:hiddenLine xmlns:a14="http://schemas.microsoft.com/office/drawing/2010/main" w="9525">
+              <a14:hiddenLine xmlns="" xmlns:a14="http://schemas.microsoft.com/office/drawing/2010/main" w="9525">
                 <a:solidFill>
                   <a:schemeClr val="tx1"/>
                 </a:solidFill>
@@ -19866,7 +19709,7 @@
               </a14:hiddenLine>
             </a:ext>
             <a:ext uri="{AF507438-7753-43E0-B8FC-AC1667EBCBE1}">
-              <a14:hiddenEffects xmlns:a14="http://schemas.microsoft.com/office/drawing/2010/main">
+              <a14:hiddenEffects xmlns="" xmlns:a14="http://schemas.microsoft.com/office/drawing/2010/main">
                 <a:effectLst>
                   <a:outerShdw blurRad="63500" dist="38099" dir="2700000" algn="ctr" rotWithShape="0">
                     <a:schemeClr val="bg2">
@@ -20202,7 +20045,7 @@
     </p:spTree>
     <p:extLst>
       <p:ext uri="{BB962C8B-B14F-4D97-AF65-F5344CB8AC3E}">
-        <p14:creationId xmlns:p14="http://schemas.microsoft.com/office/powerpoint/2010/main" val="1004890182"/>
+        <p14:creationId xmlns="" xmlns:p14="http://schemas.microsoft.com/office/powerpoint/2010/main" val="1004890182"/>
       </p:ext>
     </p:extLst>
   </p:cSld>
@@ -20313,28 +20156,6 @@
       </p:sp>
       <p:sp>
         <p:nvSpPr>
-          <p:cNvPr id="6" name="Date Placeholder 5"/>
-          <p:cNvSpPr>
-            <a:spLocks noGrp="1"/>
-          </p:cNvSpPr>
-          <p:nvPr>
-            <p:ph type="dt" sz="half" idx="2"/>
-          </p:nvPr>
-        </p:nvSpPr>
-        <p:spPr/>
-        <p:txBody>
-          <a:bodyPr/>
-          <a:lstStyle/>
-          <a:p>
-            <a:r>
-              <a:rPr lang="en-CA" dirty="0"/>
-              <a:t>Winter 2022</a:t>
-            </a:r>
-          </a:p>
-        </p:txBody>
-      </p:sp>
-      <p:sp>
-        <p:nvSpPr>
           <p:cNvPr id="10" name="Footer Placeholder 9"/>
           <p:cNvSpPr>
             <a:spLocks noGrp="1"/>
@@ -20387,7 +20208,7 @@
           <p:cNvPr id="9" name="Rectangle 2">
             <a:extLst>
               <a:ext uri="{FF2B5EF4-FFF2-40B4-BE49-F238E27FC236}">
-                <a16:creationId xmlns:a16="http://schemas.microsoft.com/office/drawing/2014/main" id="{374686B2-2FC7-4463-96BA-31B97990428E}"/>
+                <a16:creationId xmlns="" xmlns:a16="http://schemas.microsoft.com/office/drawing/2014/main" id="{374686B2-2FC7-4463-96BA-31B97990428E}"/>
               </a:ext>
             </a:extLst>
           </p:cNvPr>
@@ -20398,8 +20219,8 @@
         </p:nvSpPr>
         <p:spPr bwMode="auto">
           <a:xfrm>
-            <a:off x="2364658" y="4572000"/>
-            <a:ext cx="7543800" cy="457200"/>
+            <a:off x="2364658" y="4571999"/>
+            <a:ext cx="7543800" cy="1573161"/>
           </a:xfrm>
           <a:prstGeom prst="rect">
             <a:avLst/>
@@ -20413,7 +20234,7 @@
           <a:effectLst/>
           <a:extLst>
             <a:ext uri="{91240B29-F687-4F45-9708-019B960494DF}">
-              <a14:hiddenLine xmlns:a14="http://schemas.microsoft.com/office/drawing/2010/main" w="9525">
+              <a14:hiddenLine xmlns="" xmlns:a14="http://schemas.microsoft.com/office/drawing/2010/main" w="9525">
                 <a:solidFill>
                   <a:schemeClr val="tx1"/>
                 </a:solidFill>
@@ -20423,7 +20244,7 @@
               </a14:hiddenLine>
             </a:ext>
             <a:ext uri="{AF507438-7753-43E0-B8FC-AC1667EBCBE1}">
-              <a14:hiddenEffects xmlns:a14="http://schemas.microsoft.com/office/drawing/2010/main">
+              <a14:hiddenEffects xmlns="" xmlns:a14="http://schemas.microsoft.com/office/drawing/2010/main">
                 <a:effectLst>
                   <a:outerShdw blurRad="63500" dist="38099" dir="2700000" algn="ctr" rotWithShape="0">
                     <a:schemeClr val="bg2">
@@ -20462,7 +20283,7 @@
           <p:cNvPr id="11" name="Text Box 3">
             <a:extLst>
               <a:ext uri="{FF2B5EF4-FFF2-40B4-BE49-F238E27FC236}">
-                <a16:creationId xmlns:a16="http://schemas.microsoft.com/office/drawing/2014/main" id="{062D3822-BACF-4855-ADFB-15531478A212}"/>
+                <a16:creationId xmlns="" xmlns:a16="http://schemas.microsoft.com/office/drawing/2014/main" id="{062D3822-BACF-4855-ADFB-15531478A212}"/>
               </a:ext>
             </a:extLst>
           </p:cNvPr>
@@ -20474,7 +20295,7 @@
         <p:spPr bwMode="auto">
           <a:xfrm>
             <a:off x="2440858" y="2667000"/>
-            <a:ext cx="7607300" cy="3222625"/>
+            <a:ext cx="6434775" cy="4339650"/>
           </a:xfrm>
           <a:prstGeom prst="rect">
             <a:avLst/>
@@ -20486,14 +20307,14 @@
           <a:effectLst/>
           <a:extLst>
             <a:ext uri="{909E8E84-426E-40DD-AFC4-6F175D3DCCD1}">
-              <a14:hiddenFill xmlns:a14="http://schemas.microsoft.com/office/drawing/2010/main">
+              <a14:hiddenFill xmlns="" xmlns:a14="http://schemas.microsoft.com/office/drawing/2010/main">
                 <a:solidFill>
                   <a:schemeClr val="accent1"/>
                 </a:solidFill>
               </a14:hiddenFill>
             </a:ext>
             <a:ext uri="{91240B29-F687-4F45-9708-019B960494DF}">
-              <a14:hiddenLine xmlns:a14="http://schemas.microsoft.com/office/drawing/2010/main" w="9525">
+              <a14:hiddenLine xmlns="" xmlns:a14="http://schemas.microsoft.com/office/drawing/2010/main" w="9525">
                 <a:solidFill>
                   <a:schemeClr val="tx1"/>
                 </a:solidFill>
@@ -20503,7 +20324,7 @@
               </a14:hiddenLine>
             </a:ext>
             <a:ext uri="{AF507438-7753-43E0-B8FC-AC1667EBCBE1}">
-              <a14:hiddenEffects xmlns:a14="http://schemas.microsoft.com/office/drawing/2010/main">
+              <a14:hiddenEffects xmlns="" xmlns:a14="http://schemas.microsoft.com/office/drawing/2010/main">
                 <a:effectLst>
                   <a:outerShdw blurRad="63500" dist="38099" dir="2700000" algn="ctr" rotWithShape="0">
                     <a:schemeClr val="bg2">
@@ -20531,13 +20352,31 @@
               <a:defRPr/>
             </a:pPr>
             <a:r>
-              <a:rPr lang="en-US" altLang="en-US" sz="1400" b="1">
+              <a:rPr lang="en-US" altLang="en-US" sz="1400" b="1" dirty="0">
                 <a:solidFill>
                   <a:srgbClr val="0A0E55"/>
                 </a:solidFill>
                 <a:latin typeface="Courier New" charset="0"/>
               </a:rPr>
-              <a:t>import java.awt.*;</a:t>
+              <a:t>import </a:t>
+            </a:r>
+            <a:r>
+              <a:rPr lang="en-US" altLang="en-US" sz="1400" b="1" dirty="0" err="1">
+                <a:solidFill>
+                  <a:srgbClr val="0A0E55"/>
+                </a:solidFill>
+                <a:latin typeface="Courier New" charset="0"/>
+              </a:rPr>
+              <a:t>java.awt</a:t>
+            </a:r>
+            <a:r>
+              <a:rPr lang="en-US" altLang="en-US" sz="1400" b="1" dirty="0">
+                <a:solidFill>
+                  <a:srgbClr val="0A0E55"/>
+                </a:solidFill>
+                <a:latin typeface="Courier New" charset="0"/>
+              </a:rPr>
+              <a:t>.*;</a:t>
             </a:r>
           </a:p>
           <a:p>
@@ -20551,13 +20390,31 @@
               <a:defRPr/>
             </a:pPr>
             <a:r>
-              <a:rPr lang="en-US" altLang="en-US" sz="1400" b="1">
+              <a:rPr lang="en-US" altLang="en-US" sz="1400" b="1" dirty="0">
                 <a:solidFill>
                   <a:srgbClr val="0A0E55"/>
                 </a:solidFill>
                 <a:latin typeface="Courier New" charset="0"/>
               </a:rPr>
-              <a:t>import java.awt.event.*;</a:t>
+              <a:t>import </a:t>
+            </a:r>
+            <a:r>
+              <a:rPr lang="en-US" altLang="en-US" sz="1400" b="1" dirty="0" err="1">
+                <a:solidFill>
+                  <a:srgbClr val="0A0E55"/>
+                </a:solidFill>
+                <a:latin typeface="Courier New" charset="0"/>
+              </a:rPr>
+              <a:t>java.awt.event</a:t>
+            </a:r>
+            <a:r>
+              <a:rPr lang="en-US" altLang="en-US" sz="1400" b="1" dirty="0">
+                <a:solidFill>
+                  <a:srgbClr val="0A0E55"/>
+                </a:solidFill>
+                <a:latin typeface="Courier New" charset="0"/>
+              </a:rPr>
+              <a:t>.*;</a:t>
             </a:r>
           </a:p>
           <a:p>
@@ -20571,13 +20428,31 @@
               <a:defRPr/>
             </a:pPr>
             <a:r>
-              <a:rPr lang="en-US" altLang="en-US" sz="1400" b="1">
+              <a:rPr lang="en-US" altLang="en-US" sz="1400" b="1" dirty="0">
                 <a:solidFill>
                   <a:srgbClr val="0A0E55"/>
                 </a:solidFill>
                 <a:latin typeface="Courier New" charset="0"/>
               </a:rPr>
-              <a:t>import javax.swing.*;</a:t>
+              <a:t>import </a:t>
+            </a:r>
+            <a:r>
+              <a:rPr lang="en-US" altLang="en-US" sz="1400" b="1" dirty="0" err="1">
+                <a:solidFill>
+                  <a:srgbClr val="0A0E55"/>
+                </a:solidFill>
+                <a:latin typeface="Courier New" charset="0"/>
+              </a:rPr>
+              <a:t>javax.swing</a:t>
+            </a:r>
+            <a:r>
+              <a:rPr lang="en-US" altLang="en-US" sz="1400" b="1" dirty="0">
+                <a:solidFill>
+                  <a:srgbClr val="0A0E55"/>
+                </a:solidFill>
+                <a:latin typeface="Courier New" charset="0"/>
+              </a:rPr>
+              <a:t>.*;</a:t>
             </a:r>
           </a:p>
           <a:p>
@@ -20590,7 +20465,7 @@
               </a:spcAft>
               <a:defRPr/>
             </a:pPr>
-            <a:endParaRPr lang="en-US" altLang="en-US" sz="1400" b="1">
+            <a:endParaRPr lang="en-US" altLang="en-US" sz="1400" b="1" dirty="0">
               <a:solidFill>
                 <a:srgbClr val="0A0E55"/>
               </a:solidFill>
@@ -20608,175 +20483,42 @@
               <a:defRPr/>
             </a:pPr>
             <a:r>
-              <a:rPr lang="en-US" altLang="en-US" sz="1400" b="1">
+              <a:rPr lang="en-US" altLang="en-US" sz="1400" b="1" dirty="0">
                 <a:solidFill>
                   <a:srgbClr val="0A0E55"/>
                 </a:solidFill>
                 <a:latin typeface="Courier New" charset="0"/>
               </a:rPr>
-              <a:t>public class SelfCleaningFrame extends JFrame</a:t>
-            </a:r>
-          </a:p>
-          <a:p>
-            <a:pPr eaLnBrk="0" fontAlgn="base" hangingPunct="0">
-              <a:spcBef>
-                <a:spcPct val="0"/>
-              </a:spcBef>
-              <a:spcAft>
-                <a:spcPct val="0"/>
-              </a:spcAft>
-              <a:defRPr/>
-            </a:pPr>
-            <a:r>
-              <a:rPr lang="en-US" altLang="en-US" sz="1400" b="1">
+              <a:t>public class </a:t>
+            </a:r>
+            <a:r>
+              <a:rPr lang="en-US" altLang="en-US" sz="1400" b="1" dirty="0" err="1">
                 <a:solidFill>
                   <a:srgbClr val="0A0E55"/>
                 </a:solidFill>
                 <a:latin typeface="Courier New" charset="0"/>
               </a:rPr>
-              <a:t>{</a:t>
-            </a:r>
-          </a:p>
-          <a:p>
-            <a:pPr eaLnBrk="0" fontAlgn="base" hangingPunct="0">
-              <a:spcBef>
-                <a:spcPct val="0"/>
-              </a:spcBef>
-              <a:spcAft>
-                <a:spcPct val="0"/>
-              </a:spcAft>
-              <a:defRPr/>
-            </a:pPr>
-            <a:r>
-              <a:rPr lang="en-US" altLang="en-US" sz="1400" b="1">
+              <a:t>SelfCleaningFrame</a:t>
+            </a:r>
+            <a:r>
+              <a:rPr lang="en-US" altLang="en-US" sz="1400" b="1" dirty="0">
                 <a:solidFill>
                   <a:srgbClr val="0A0E55"/>
                 </a:solidFill>
                 <a:latin typeface="Courier New" charset="0"/>
               </a:rPr>
-              <a:t> public SelfCleaningFrame ()</a:t>
-            </a:r>
-          </a:p>
-          <a:p>
-            <a:pPr eaLnBrk="0" fontAlgn="base" hangingPunct="0">
-              <a:spcBef>
-                <a:spcPct val="0"/>
-              </a:spcBef>
-              <a:spcAft>
-                <a:spcPct val="0"/>
-              </a:spcAft>
-              <a:defRPr/>
-            </a:pPr>
-            <a:r>
-              <a:rPr lang="en-US" altLang="en-US" sz="1400" b="1">
+              <a:t> extends </a:t>
+            </a:r>
+            <a:r>
+              <a:rPr lang="en-US" altLang="en-US" sz="1400" b="1" dirty="0" err="1">
                 <a:solidFill>
                   <a:srgbClr val="0A0E55"/>
                 </a:solidFill>
                 <a:latin typeface="Courier New" charset="0"/>
               </a:rPr>
-              <a:t> {</a:t>
-            </a:r>
-          </a:p>
-          <a:p>
-            <a:pPr eaLnBrk="0" fontAlgn="base" hangingPunct="0">
-              <a:spcBef>
-                <a:spcPct val="0"/>
-              </a:spcBef>
-              <a:spcAft>
-                <a:spcPct val="0"/>
-              </a:spcAft>
-              <a:defRPr/>
-            </a:pPr>
-            <a:r>
-              <a:rPr lang="en-US" altLang="en-US" sz="1400" b="1">
-                <a:solidFill>
-                  <a:srgbClr val="0A0E55"/>
-                </a:solidFill>
-                <a:latin typeface="Courier New" charset="0"/>
-              </a:rPr>
-              <a:t>  enableEvents(AWTEvent.WINDOW_EVENT_MASK);</a:t>
-            </a:r>
-          </a:p>
-          <a:p>
-            <a:pPr eaLnBrk="0" fontAlgn="base" hangingPunct="0">
-              <a:spcBef>
-                <a:spcPct val="0"/>
-              </a:spcBef>
-              <a:spcAft>
-                <a:spcPct val="0"/>
-              </a:spcAft>
-              <a:defRPr/>
-            </a:pPr>
-            <a:r>
-              <a:rPr lang="en-US" altLang="en-US" sz="1400" b="1">
-                <a:solidFill>
-                  <a:srgbClr val="0A0E55"/>
-                </a:solidFill>
-                <a:latin typeface="Courier New" charset="0"/>
-              </a:rPr>
-              <a:t>  addWindowListener (new WindowAdapter() </a:t>
-            </a:r>
-          </a:p>
-          <a:p>
-            <a:pPr eaLnBrk="0" fontAlgn="base" hangingPunct="0">
-              <a:spcBef>
-                <a:spcPct val="0"/>
-              </a:spcBef>
-              <a:spcAft>
-                <a:spcPct val="0"/>
-              </a:spcAft>
-              <a:defRPr/>
-            </a:pPr>
-            <a:r>
-              <a:rPr lang="en-US" altLang="en-US" sz="1400" b="1">
-                <a:solidFill>
-                  <a:srgbClr val="0A0E55"/>
-                </a:solidFill>
-                <a:latin typeface="Courier New" charset="0"/>
-              </a:rPr>
-              <a:t>	{public void windowClosing(WindowEvent e){System.exit(0);}});</a:t>
-            </a:r>
-          </a:p>
-          <a:p>
-            <a:pPr eaLnBrk="0" fontAlgn="base" hangingPunct="0">
-              <a:spcBef>
-                <a:spcPct val="0"/>
-              </a:spcBef>
-              <a:spcAft>
-                <a:spcPct val="0"/>
-              </a:spcAft>
-              <a:defRPr/>
-            </a:pPr>
-            <a:r>
-              <a:rPr lang="en-US" altLang="en-US" sz="1400" b="1">
-                <a:solidFill>
-                  <a:srgbClr val="0A0E55"/>
-                </a:solidFill>
-                <a:latin typeface="Courier New" charset="0"/>
-              </a:rPr>
-              <a:t> }</a:t>
-            </a:r>
-          </a:p>
-          <a:p>
-            <a:pPr eaLnBrk="0" fontAlgn="base" hangingPunct="0">
-              <a:spcBef>
-                <a:spcPct val="0"/>
-              </a:spcBef>
-              <a:spcAft>
-                <a:spcPct val="0"/>
-              </a:spcAft>
-              <a:defRPr/>
-            </a:pPr>
-            <a:r>
-              <a:rPr lang="en-US" altLang="en-US" sz="1400" b="1">
-                <a:solidFill>
-                  <a:srgbClr val="0A0E55"/>
-                </a:solidFill>
-                <a:latin typeface="Courier New" charset="0"/>
-              </a:rPr>
-              <a:t>}</a:t>
-            </a:r>
-            <a:endParaRPr lang="en-US" altLang="en-US" sz="2400" b="1">
+              <a:t>JFrame</a:t>
+            </a:r>
+            <a:endParaRPr lang="en-US" altLang="en-US" sz="1400" b="1" dirty="0">
               <a:solidFill>
                 <a:srgbClr val="0A0E55"/>
               </a:solidFill>
@@ -20793,19 +20535,429 @@
               </a:spcAft>
               <a:defRPr/>
             </a:pPr>
-            <a:endParaRPr lang="en-US" altLang="en-US" sz="2400" b="1">
+            <a:r>
+              <a:rPr lang="en-US" altLang="en-US" sz="1400" b="1" dirty="0">
+                <a:solidFill>
+                  <a:srgbClr val="0A0E55"/>
+                </a:solidFill>
+                <a:latin typeface="Courier New" charset="0"/>
+              </a:rPr>
+              <a:t>{</a:t>
+            </a:r>
+          </a:p>
+          <a:p>
+            <a:pPr eaLnBrk="0" fontAlgn="base" hangingPunct="0">
+              <a:spcBef>
+                <a:spcPct val="0"/>
+              </a:spcBef>
+              <a:spcAft>
+                <a:spcPct val="0"/>
+              </a:spcAft>
+              <a:defRPr/>
+            </a:pPr>
+            <a:r>
+              <a:rPr lang="en-US" altLang="en-US" sz="1400" b="1" dirty="0">
+                <a:solidFill>
+                  <a:srgbClr val="0A0E55"/>
+                </a:solidFill>
+                <a:latin typeface="Courier New" charset="0"/>
+              </a:rPr>
+              <a:t> public </a:t>
+            </a:r>
+            <a:r>
+              <a:rPr lang="en-US" altLang="en-US" sz="1400" b="1" dirty="0" err="1">
+                <a:solidFill>
+                  <a:srgbClr val="0A0E55"/>
+                </a:solidFill>
+                <a:latin typeface="Courier New" charset="0"/>
+              </a:rPr>
+              <a:t>SelfCleaningFrame</a:t>
+            </a:r>
+            <a:r>
+              <a:rPr lang="en-US" altLang="en-US" sz="1400" b="1" dirty="0">
+                <a:solidFill>
+                  <a:srgbClr val="0A0E55"/>
+                </a:solidFill>
+                <a:latin typeface="Courier New" charset="0"/>
+              </a:rPr>
+              <a:t> ()</a:t>
+            </a:r>
+          </a:p>
+          <a:p>
+            <a:pPr eaLnBrk="0" fontAlgn="base" hangingPunct="0">
+              <a:spcBef>
+                <a:spcPct val="0"/>
+              </a:spcBef>
+              <a:spcAft>
+                <a:spcPct val="0"/>
+              </a:spcAft>
+              <a:defRPr/>
+            </a:pPr>
+            <a:r>
+              <a:rPr lang="en-US" altLang="en-US" sz="1400" b="1" dirty="0">
+                <a:solidFill>
+                  <a:srgbClr val="0A0E55"/>
+                </a:solidFill>
+                <a:latin typeface="Courier New" charset="0"/>
+              </a:rPr>
+              <a:t> {</a:t>
+            </a:r>
+          </a:p>
+          <a:p>
+            <a:pPr eaLnBrk="0" fontAlgn="base" hangingPunct="0">
+              <a:spcBef>
+                <a:spcPct val="0"/>
+              </a:spcBef>
+              <a:spcAft>
+                <a:spcPct val="0"/>
+              </a:spcAft>
+              <a:defRPr/>
+            </a:pPr>
+            <a:r>
+              <a:rPr lang="en-US" altLang="en-US" sz="1400" b="1" dirty="0">
+                <a:solidFill>
+                  <a:srgbClr val="0A0E55"/>
+                </a:solidFill>
+                <a:latin typeface="Courier New" charset="0"/>
+              </a:rPr>
+              <a:t>  </a:t>
+            </a:r>
+            <a:r>
+              <a:rPr lang="en-US" altLang="en-US" sz="1400" b="1" dirty="0" err="1">
+                <a:solidFill>
+                  <a:srgbClr val="0A0E55"/>
+                </a:solidFill>
+                <a:latin typeface="Courier New" charset="0"/>
+              </a:rPr>
+              <a:t>enableEvents</a:t>
+            </a:r>
+            <a:r>
+              <a:rPr lang="en-US" altLang="en-US" sz="1400" b="1" dirty="0">
+                <a:solidFill>
+                  <a:srgbClr val="0A0E55"/>
+                </a:solidFill>
+                <a:latin typeface="Courier New" charset="0"/>
+              </a:rPr>
+              <a:t>(</a:t>
+            </a:r>
+            <a:r>
+              <a:rPr lang="en-US" altLang="en-US" sz="1400" b="1" dirty="0" err="1">
+                <a:solidFill>
+                  <a:srgbClr val="0A0E55"/>
+                </a:solidFill>
+                <a:latin typeface="Courier New" charset="0"/>
+              </a:rPr>
+              <a:t>AWTEvent.WINDOW_EVENT_MASK</a:t>
+            </a:r>
+            <a:r>
+              <a:rPr lang="en-US" altLang="en-US" sz="1400" b="1" dirty="0">
+                <a:solidFill>
+                  <a:srgbClr val="0A0E55"/>
+                </a:solidFill>
+                <a:latin typeface="Courier New" charset="0"/>
+              </a:rPr>
+              <a:t>);</a:t>
+            </a:r>
+          </a:p>
+          <a:p>
+            <a:pPr eaLnBrk="0" fontAlgn="base" hangingPunct="0">
+              <a:spcBef>
+                <a:spcPct val="0"/>
+              </a:spcBef>
+              <a:spcAft>
+                <a:spcPct val="0"/>
+              </a:spcAft>
+              <a:defRPr/>
+            </a:pPr>
+            <a:r>
+              <a:rPr lang="en-US" altLang="en-US" sz="1400" b="1" dirty="0">
+                <a:solidFill>
+                  <a:srgbClr val="0A0E55"/>
+                </a:solidFill>
+                <a:latin typeface="Courier New" charset="0"/>
+              </a:rPr>
+              <a:t>  </a:t>
+            </a:r>
+            <a:r>
+              <a:rPr lang="en-US" altLang="en-US" sz="1400" b="1" dirty="0" err="1">
+                <a:solidFill>
+                  <a:srgbClr val="0A0E55"/>
+                </a:solidFill>
+                <a:latin typeface="Courier New" charset="0"/>
+              </a:rPr>
+              <a:t>addWindowListener</a:t>
+            </a:r>
+            <a:r>
+              <a:rPr lang="en-US" altLang="en-US" sz="1400" b="1" dirty="0">
+                <a:solidFill>
+                  <a:srgbClr val="0A0E55"/>
+                </a:solidFill>
+                <a:latin typeface="Courier New" charset="0"/>
+              </a:rPr>
+              <a:t> (</a:t>
+            </a:r>
+          </a:p>
+          <a:p>
+            <a:pPr eaLnBrk="0" fontAlgn="base" hangingPunct="0">
+              <a:spcBef>
+                <a:spcPct val="0"/>
+              </a:spcBef>
+              <a:spcAft>
+                <a:spcPct val="0"/>
+              </a:spcAft>
+              <a:defRPr/>
+            </a:pPr>
+            <a:r>
+              <a:rPr lang="en-US" altLang="en-US" sz="1400" b="1" dirty="0">
+                <a:solidFill>
+                  <a:srgbClr val="0A0E55"/>
+                </a:solidFill>
+                <a:latin typeface="Courier New" charset="0"/>
+              </a:rPr>
+              <a:t>	new </a:t>
+            </a:r>
+            <a:r>
+              <a:rPr lang="en-US" altLang="en-US" sz="1400" b="1" dirty="0" err="1">
+                <a:solidFill>
+                  <a:srgbClr val="0A0E55"/>
+                </a:solidFill>
+                <a:latin typeface="Courier New" charset="0"/>
+              </a:rPr>
+              <a:t>WindowAdapter</a:t>
+            </a:r>
+            <a:r>
+              <a:rPr lang="en-US" altLang="en-US" sz="1400" b="1" dirty="0">
+                <a:solidFill>
+                  <a:srgbClr val="0A0E55"/>
+                </a:solidFill>
+                <a:latin typeface="Courier New" charset="0"/>
+              </a:rPr>
+              <a:t>() {</a:t>
+            </a:r>
+          </a:p>
+          <a:p>
+            <a:pPr eaLnBrk="0" fontAlgn="base" hangingPunct="0">
+              <a:spcBef>
+                <a:spcPct val="0"/>
+              </a:spcBef>
+              <a:spcAft>
+                <a:spcPct val="0"/>
+              </a:spcAft>
+              <a:defRPr/>
+            </a:pPr>
+            <a:r>
+              <a:rPr lang="en-US" altLang="en-US" sz="1400" b="1" dirty="0">
+                <a:solidFill>
+                  <a:srgbClr val="0A0E55"/>
+                </a:solidFill>
+                <a:latin typeface="Courier New" charset="0"/>
+              </a:rPr>
+              <a:t>		public void </a:t>
+            </a:r>
+            <a:r>
+              <a:rPr lang="en-US" altLang="en-US" sz="1400" b="1" dirty="0" err="1">
+                <a:solidFill>
+                  <a:srgbClr val="0A0E55"/>
+                </a:solidFill>
+                <a:latin typeface="Courier New" charset="0"/>
+              </a:rPr>
+              <a:t>windowClosing</a:t>
+            </a:r>
+            <a:r>
+              <a:rPr lang="en-US" altLang="en-US" sz="1400" b="1" dirty="0">
+                <a:solidFill>
+                  <a:srgbClr val="0A0E55"/>
+                </a:solidFill>
+                <a:latin typeface="Courier New" charset="0"/>
+              </a:rPr>
+              <a:t>(</a:t>
+            </a:r>
+            <a:r>
+              <a:rPr lang="en-US" altLang="en-US" sz="1400" b="1" dirty="0" err="1">
+                <a:solidFill>
+                  <a:srgbClr val="0A0E55"/>
+                </a:solidFill>
+                <a:latin typeface="Courier New" charset="0"/>
+              </a:rPr>
+              <a:t>WindowEvent</a:t>
+            </a:r>
+            <a:r>
+              <a:rPr lang="en-US" altLang="en-US" sz="1400" b="1" dirty="0">
+                <a:solidFill>
+                  <a:srgbClr val="0A0E55"/>
+                </a:solidFill>
+                <a:latin typeface="Courier New" charset="0"/>
+              </a:rPr>
+              <a:t> e){</a:t>
+            </a:r>
+          </a:p>
+          <a:p>
+            <a:pPr eaLnBrk="0" fontAlgn="base" hangingPunct="0">
+              <a:spcBef>
+                <a:spcPct val="0"/>
+              </a:spcBef>
+              <a:spcAft>
+                <a:spcPct val="0"/>
+              </a:spcAft>
+              <a:defRPr/>
+            </a:pPr>
+            <a:r>
+              <a:rPr lang="en-US" altLang="en-US" sz="1400" b="1" dirty="0">
+                <a:solidFill>
+                  <a:srgbClr val="0A0E55"/>
+                </a:solidFill>
+                <a:latin typeface="Courier New" charset="0"/>
+              </a:rPr>
+              <a:t>			</a:t>
+            </a:r>
+            <a:r>
+              <a:rPr lang="en-US" altLang="en-US" sz="1400" b="1" dirty="0" err="1">
+                <a:solidFill>
+                  <a:srgbClr val="0A0E55"/>
+                </a:solidFill>
+                <a:latin typeface="Courier New" charset="0"/>
+              </a:rPr>
+              <a:t>System.exit</a:t>
+            </a:r>
+            <a:r>
+              <a:rPr lang="en-US" altLang="en-US" sz="1400" b="1" dirty="0">
+                <a:solidFill>
+                  <a:srgbClr val="0A0E55"/>
+                </a:solidFill>
+                <a:latin typeface="Courier New" charset="0"/>
+              </a:rPr>
+              <a:t>(0);</a:t>
+            </a:r>
+          </a:p>
+          <a:p>
+            <a:pPr eaLnBrk="0" fontAlgn="base" hangingPunct="0">
+              <a:spcBef>
+                <a:spcPct val="0"/>
+              </a:spcBef>
+              <a:spcAft>
+                <a:spcPct val="0"/>
+              </a:spcAft>
+              <a:defRPr/>
+            </a:pPr>
+            <a:r>
+              <a:rPr lang="en-US" altLang="en-US" sz="1400" b="1" dirty="0">
+                <a:solidFill>
+                  <a:srgbClr val="0A0E55"/>
+                </a:solidFill>
+                <a:latin typeface="Courier New" charset="0"/>
+              </a:rPr>
+              <a:t>		}</a:t>
+            </a:r>
+          </a:p>
+          <a:p>
+            <a:pPr eaLnBrk="0" fontAlgn="base" hangingPunct="0">
+              <a:spcBef>
+                <a:spcPct val="0"/>
+              </a:spcBef>
+              <a:spcAft>
+                <a:spcPct val="0"/>
+              </a:spcAft>
+              <a:defRPr/>
+            </a:pPr>
+            <a:r>
+              <a:rPr lang="en-US" altLang="en-US" sz="1400" b="1" dirty="0">
+                <a:solidFill>
+                  <a:srgbClr val="0A0E55"/>
+                </a:solidFill>
+                <a:latin typeface="Courier New" charset="0"/>
+              </a:rPr>
+              <a:t>	}</a:t>
+            </a:r>
+          </a:p>
+          <a:p>
+            <a:pPr eaLnBrk="0" fontAlgn="base" hangingPunct="0">
+              <a:spcBef>
+                <a:spcPct val="0"/>
+              </a:spcBef>
+              <a:spcAft>
+                <a:spcPct val="0"/>
+              </a:spcAft>
+              <a:defRPr/>
+            </a:pPr>
+            <a:r>
+              <a:rPr lang="en-US" altLang="en-US" sz="1400" b="1" dirty="0">
+                <a:solidFill>
+                  <a:srgbClr val="0A0E55"/>
+                </a:solidFill>
+                <a:latin typeface="Courier New" charset="0"/>
+              </a:rPr>
+              <a:t>  );</a:t>
+            </a:r>
+          </a:p>
+          <a:p>
+            <a:pPr eaLnBrk="0" fontAlgn="base" hangingPunct="0">
+              <a:spcBef>
+                <a:spcPct val="0"/>
+              </a:spcBef>
+              <a:spcAft>
+                <a:spcPct val="0"/>
+              </a:spcAft>
+              <a:defRPr/>
+            </a:pPr>
+            <a:r>
+              <a:rPr lang="en-US" altLang="en-US" sz="1400" b="1" dirty="0">
+                <a:solidFill>
+                  <a:srgbClr val="0A0E55"/>
+                </a:solidFill>
+                <a:latin typeface="Courier New" charset="0"/>
+              </a:rPr>
+              <a:t> }</a:t>
+            </a:r>
+          </a:p>
+          <a:p>
+            <a:pPr eaLnBrk="0" fontAlgn="base" hangingPunct="0">
+              <a:spcBef>
+                <a:spcPct val="0"/>
+              </a:spcBef>
+              <a:spcAft>
+                <a:spcPct val="0"/>
+              </a:spcAft>
+              <a:defRPr/>
+            </a:pPr>
+            <a:r>
+              <a:rPr lang="en-US" altLang="en-US" sz="1400" b="1" dirty="0">
+                <a:solidFill>
+                  <a:srgbClr val="0A0E55"/>
+                </a:solidFill>
+                <a:latin typeface="Courier New" charset="0"/>
+              </a:rPr>
+              <a:t>}</a:t>
+            </a:r>
+            <a:endParaRPr lang="en-US" altLang="en-US" sz="2400" b="1" dirty="0">
               <a:solidFill>
                 <a:srgbClr val="0A0E55"/>
               </a:solidFill>
               <a:latin typeface="Courier New" charset="0"/>
             </a:endParaRPr>
           </a:p>
+          <a:p>
+            <a:pPr eaLnBrk="0" fontAlgn="base" hangingPunct="0">
+              <a:spcBef>
+                <a:spcPct val="0"/>
+              </a:spcBef>
+              <a:spcAft>
+                <a:spcPct val="0"/>
+              </a:spcAft>
+              <a:defRPr/>
+            </a:pPr>
+            <a:endParaRPr lang="en-US" altLang="en-US" sz="2400" b="1" dirty="0">
+              <a:solidFill>
+                <a:srgbClr val="0A0E55"/>
+              </a:solidFill>
+              <a:latin typeface="Courier New" charset="0"/>
+            </a:endParaRPr>
+          </a:p>
         </p:txBody>
       </p:sp>
     </p:spTree>
     <p:extLst>
       <p:ext uri="{BB962C8B-B14F-4D97-AF65-F5344CB8AC3E}">
-        <p14:creationId xmlns:p14="http://schemas.microsoft.com/office/powerpoint/2010/main" val="1519422219"/>
+        <p14:creationId xmlns="" xmlns:p14="http://schemas.microsoft.com/office/powerpoint/2010/main" val="1519422219"/>
       </p:ext>
     </p:extLst>
   </p:cSld>
@@ -20963,28 +21115,6 @@
       </p:sp>
       <p:sp>
         <p:nvSpPr>
-          <p:cNvPr id="6" name="Date Placeholder 5"/>
-          <p:cNvSpPr>
-            <a:spLocks noGrp="1"/>
-          </p:cNvSpPr>
-          <p:nvPr>
-            <p:ph type="dt" sz="half" idx="2"/>
-          </p:nvPr>
-        </p:nvSpPr>
-        <p:spPr/>
-        <p:txBody>
-          <a:bodyPr/>
-          <a:lstStyle/>
-          <a:p>
-            <a:r>
-              <a:rPr lang="en-CA" dirty="0"/>
-              <a:t>Winter 2022</a:t>
-            </a:r>
-          </a:p>
-        </p:txBody>
-      </p:sp>
-      <p:sp>
-        <p:nvSpPr>
           <p:cNvPr id="10" name="Footer Placeholder 9"/>
           <p:cNvSpPr>
             <a:spLocks noGrp="1"/>
@@ -21035,7 +21165,7 @@
     </p:spTree>
     <p:extLst>
       <p:ext uri="{BB962C8B-B14F-4D97-AF65-F5344CB8AC3E}">
-        <p14:creationId xmlns:p14="http://schemas.microsoft.com/office/powerpoint/2010/main" val="1709021015"/>
+        <p14:creationId xmlns="" xmlns:p14="http://schemas.microsoft.com/office/powerpoint/2010/main" val="1709021015"/>
       </p:ext>
     </p:extLst>
   </p:cSld>
@@ -21187,28 +21317,6 @@
       </p:sp>
       <p:sp>
         <p:nvSpPr>
-          <p:cNvPr id="6" name="Date Placeholder 5"/>
-          <p:cNvSpPr>
-            <a:spLocks noGrp="1"/>
-          </p:cNvSpPr>
-          <p:nvPr>
-            <p:ph type="dt" sz="half" idx="2"/>
-          </p:nvPr>
-        </p:nvSpPr>
-        <p:spPr/>
-        <p:txBody>
-          <a:bodyPr/>
-          <a:lstStyle/>
-          <a:p>
-            <a:r>
-              <a:rPr lang="en-CA" dirty="0"/>
-              <a:t>Winter 2022</a:t>
-            </a:r>
-          </a:p>
-        </p:txBody>
-      </p:sp>
-      <p:sp>
-        <p:nvSpPr>
           <p:cNvPr id="10" name="Footer Placeholder 9"/>
           <p:cNvSpPr>
             <a:spLocks noGrp="1"/>
@@ -21261,7 +21369,7 @@
           <p:cNvPr id="7" name="Picture 4">
             <a:extLst>
               <a:ext uri="{FF2B5EF4-FFF2-40B4-BE49-F238E27FC236}">
-                <a16:creationId xmlns:a16="http://schemas.microsoft.com/office/drawing/2014/main" id="{D0DEDB3E-5D6E-4D63-932B-894EC114E004}"/>
+                <a16:creationId xmlns="" xmlns:a16="http://schemas.microsoft.com/office/drawing/2014/main" id="{D0DEDB3E-5D6E-4D63-932B-894EC114E004}"/>
               </a:ext>
             </a:extLst>
           </p:cNvPr>
@@ -21274,7 +21382,7 @@
           <a:blip r:embed="rId2">
             <a:extLst>
               <a:ext uri="{28A0092B-C50C-407E-A947-70E740481C1C}">
-                <a14:useLocalDpi xmlns:a14="http://schemas.microsoft.com/office/drawing/2010/main" val="0"/>
+                <a14:useLocalDpi xmlns="" xmlns:a14="http://schemas.microsoft.com/office/drawing/2010/main" val="0"/>
               </a:ext>
             </a:extLst>
           </a:blip>
@@ -21293,7 +21401,7 @@
           </a:prstGeom>
           <a:extLst>
             <a:ext uri="{91240B29-F687-4F45-9708-019B960494DF}">
-              <a14:hiddenLine xmlns:a14="http://schemas.microsoft.com/office/drawing/2010/main" w="12700" cap="flat" cmpd="sng">
+              <a14:hiddenLine xmlns="" xmlns:a14="http://schemas.microsoft.com/office/drawing/2010/main" w="12700" cap="flat" cmpd="sng">
                 <a:solidFill>
                   <a:schemeClr val="tx1"/>
                 </a:solidFill>
@@ -21309,7 +21417,7 @@
     </p:spTree>
     <p:extLst>
       <p:ext uri="{BB962C8B-B14F-4D97-AF65-F5344CB8AC3E}">
-        <p14:creationId xmlns:p14="http://schemas.microsoft.com/office/powerpoint/2010/main" val="1248056673"/>
+        <p14:creationId xmlns="" xmlns:p14="http://schemas.microsoft.com/office/powerpoint/2010/main" val="1248056673"/>
       </p:ext>
     </p:extLst>
   </p:cSld>
@@ -21678,28 +21786,6 @@
       </p:sp>
       <p:sp>
         <p:nvSpPr>
-          <p:cNvPr id="6" name="Date Placeholder 5"/>
-          <p:cNvSpPr>
-            <a:spLocks noGrp="1"/>
-          </p:cNvSpPr>
-          <p:nvPr>
-            <p:ph type="dt" sz="half" idx="2"/>
-          </p:nvPr>
-        </p:nvSpPr>
-        <p:spPr/>
-        <p:txBody>
-          <a:bodyPr/>
-          <a:lstStyle/>
-          <a:p>
-            <a:r>
-              <a:rPr lang="en-CA" dirty="0"/>
-              <a:t>Winter 2022</a:t>
-            </a:r>
-          </a:p>
-        </p:txBody>
-      </p:sp>
-      <p:sp>
-        <p:nvSpPr>
           <p:cNvPr id="10" name="Footer Placeholder 9"/>
           <p:cNvSpPr>
             <a:spLocks noGrp="1"/>
@@ -21750,7 +21836,7 @@
     </p:spTree>
     <p:extLst>
       <p:ext uri="{BB962C8B-B14F-4D97-AF65-F5344CB8AC3E}">
-        <p14:creationId xmlns:p14="http://schemas.microsoft.com/office/powerpoint/2010/main" val="2297907819"/>
+        <p14:creationId xmlns="" xmlns:p14="http://schemas.microsoft.com/office/powerpoint/2010/main" val="2297907819"/>
       </p:ext>
     </p:extLst>
   </p:cSld>
@@ -21896,9 +21982,14 @@
               <a:t>InnerClass</a:t>
             </a:r>
             <a:r>
-              <a:rPr lang="en-US" altLang="en-US" sz="8000" b="0" dirty="0"/>
+              <a:rPr lang="en-US" altLang="en-US" sz="8000" b="0"/>
+              <a:t> </a:t>
+            </a:r>
+            <a:r>
+              <a:rPr lang="en-US" altLang="en-US" sz="8000" b="0" smtClean="0"/>
               <a:t> {</a:t>
             </a:r>
+            <a:endParaRPr lang="en-US" altLang="en-US" sz="8000" b="0" dirty="0"/>
           </a:p>
           <a:p>
             <a:pPr marL="0" indent="0">
@@ -21979,28 +22070,6 @@
               <a:t>	</a:t>
             </a:r>
             <a:endParaRPr lang="en-US" altLang="en-US" sz="2800" dirty="0"/>
-          </a:p>
-        </p:txBody>
-      </p:sp>
-      <p:sp>
-        <p:nvSpPr>
-          <p:cNvPr id="6" name="Date Placeholder 5"/>
-          <p:cNvSpPr>
-            <a:spLocks noGrp="1"/>
-          </p:cNvSpPr>
-          <p:nvPr>
-            <p:ph type="dt" sz="half" idx="2"/>
-          </p:nvPr>
-        </p:nvSpPr>
-        <p:spPr/>
-        <p:txBody>
-          <a:bodyPr/>
-          <a:lstStyle/>
-          <a:p>
-            <a:r>
-              <a:rPr lang="en-CA" dirty="0"/>
-              <a:t>Winter 2022</a:t>
-            </a:r>
           </a:p>
         </p:txBody>
       </p:sp>
@@ -22058,7 +22127,7 @@
           <p:cNvPr id="7" name="Content Placeholder 2">
             <a:extLst>
               <a:ext uri="{FF2B5EF4-FFF2-40B4-BE49-F238E27FC236}">
-                <a16:creationId xmlns:a16="http://schemas.microsoft.com/office/drawing/2014/main" id="{73BBFF35-392A-4B4C-AF45-4712ACDCF9D1}"/>
+                <a16:creationId xmlns="" xmlns:a16="http://schemas.microsoft.com/office/drawing/2014/main" id="{73BBFF35-392A-4B4C-AF45-4712ACDCF9D1}"/>
               </a:ext>
             </a:extLst>
           </p:cNvPr>
@@ -22070,7 +22139,7 @@
         <p:spPr>
           <a:xfrm>
             <a:off x="5289755" y="855741"/>
-            <a:ext cx="6902245" cy="5629939"/>
+            <a:ext cx="6902245" cy="5545059"/>
           </a:xfrm>
           <a:prstGeom prst="rect">
             <a:avLst/>
@@ -22530,30 +22599,10 @@
               <a:t>} // end class </a:t>
             </a:r>
             <a:r>
-              <a:rPr lang="en-US" altLang="en-US" sz="4200" dirty="0" err="1"/>
+              <a:rPr lang="en-US" altLang="en-US" sz="4200" dirty="0" err="1" smtClean="0"/>
               <a:t>SlideDemo</a:t>
             </a:r>
             <a:endParaRPr lang="en-US" altLang="en-US" sz="4200" dirty="0"/>
-          </a:p>
-          <a:p>
-            <a:pPr marL="0" indent="0">
-              <a:buFont typeface="Arial" panose="020B0604020202020204" pitchFamily="34" charset="0"/>
-              <a:buNone/>
-              <a:defRPr/>
-            </a:pPr>
-            <a:endParaRPr lang="en-US" altLang="en-US" dirty="0"/>
-          </a:p>
-          <a:p>
-            <a:pPr marL="0" indent="0">
-              <a:defRPr/>
-            </a:pPr>
-            <a:endParaRPr lang="en-US" altLang="en-US" dirty="0"/>
-          </a:p>
-          <a:p>
-            <a:pPr marL="0" indent="0">
-              <a:defRPr/>
-            </a:pPr>
-            <a:endParaRPr lang="en-US" altLang="en-US" dirty="0"/>
           </a:p>
         </p:txBody>
       </p:sp>
@@ -22562,7 +22611,7 @@
           <p:cNvPr id="5" name="Straight Connector 4">
             <a:extLst>
               <a:ext uri="{FF2B5EF4-FFF2-40B4-BE49-F238E27FC236}">
-                <a16:creationId xmlns:a16="http://schemas.microsoft.com/office/drawing/2014/main" id="{8915E0EF-CB3E-4CD7-AA29-A651427F3E87}"/>
+                <a16:creationId xmlns="" xmlns:a16="http://schemas.microsoft.com/office/drawing/2014/main" id="{8915E0EF-CB3E-4CD7-AA29-A651427F3E87}"/>
               </a:ext>
             </a:extLst>
           </p:cNvPr>
@@ -22603,7 +22652,7 @@
           <p:cNvPr id="11" name="Line 7">
             <a:extLst>
               <a:ext uri="{FF2B5EF4-FFF2-40B4-BE49-F238E27FC236}">
-                <a16:creationId xmlns:a16="http://schemas.microsoft.com/office/drawing/2014/main" id="{355182A3-FA10-4A5D-96C9-802AE930276D}"/>
+                <a16:creationId xmlns="" xmlns:a16="http://schemas.microsoft.com/office/drawing/2014/main" id="{355182A3-FA10-4A5D-96C9-802AE930276D}"/>
               </a:ext>
             </a:extLst>
           </p:cNvPr>
@@ -22632,12 +22681,12 @@
           <a:effectLst/>
           <a:extLst>
             <a:ext uri="{909E8E84-426E-40DD-AFC4-6F175D3DCCD1}">
-              <a14:hiddenFill xmlns:a14="http://schemas.microsoft.com/office/drawing/2010/main">
+              <a14:hiddenFill xmlns="" xmlns:a14="http://schemas.microsoft.com/office/drawing/2010/main">
                 <a:noFill/>
               </a14:hiddenFill>
             </a:ext>
             <a:ext uri="{AF507438-7753-43E0-B8FC-AC1667EBCBE1}">
-              <a14:hiddenEffects xmlns:a14="http://schemas.microsoft.com/office/drawing/2010/main">
+              <a14:hiddenEffects xmlns="" xmlns:a14="http://schemas.microsoft.com/office/drawing/2010/main">
                 <a:effectLst>
                   <a:outerShdw blurRad="63500" dist="38099" dir="2700000" algn="ctr" rotWithShape="0">
                     <a:schemeClr val="bg2">
@@ -22667,7 +22716,7 @@
           <p:cNvPr id="13" name="Text Box 9">
             <a:extLst>
               <a:ext uri="{FF2B5EF4-FFF2-40B4-BE49-F238E27FC236}">
-                <a16:creationId xmlns:a16="http://schemas.microsoft.com/office/drawing/2014/main" id="{A4EBBE3D-1B51-442F-B1EE-86D624D5E653}"/>
+                <a16:creationId xmlns="" xmlns:a16="http://schemas.microsoft.com/office/drawing/2014/main" id="{A4EBBE3D-1B51-442F-B1EE-86D624D5E653}"/>
               </a:ext>
             </a:extLst>
           </p:cNvPr>
@@ -22721,7 +22770,7 @@
           <p:cNvPr id="14" name="Text Box 4">
             <a:extLst>
               <a:ext uri="{FF2B5EF4-FFF2-40B4-BE49-F238E27FC236}">
-                <a16:creationId xmlns:a16="http://schemas.microsoft.com/office/drawing/2014/main" id="{BCD1CCB0-6E9A-4744-A040-0DE2877EF284}"/>
+                <a16:creationId xmlns="" xmlns:a16="http://schemas.microsoft.com/office/drawing/2014/main" id="{BCD1CCB0-6E9A-4744-A040-0DE2877EF284}"/>
               </a:ext>
             </a:extLst>
           </p:cNvPr>
@@ -22745,14 +22794,14 @@
           <a:effectLst/>
           <a:extLst>
             <a:ext uri="{909E8E84-426E-40DD-AFC4-6F175D3DCCD1}">
-              <a14:hiddenFill xmlns:a14="http://schemas.microsoft.com/office/drawing/2010/main">
+              <a14:hiddenFill xmlns="" xmlns:a14="http://schemas.microsoft.com/office/drawing/2010/main">
                 <a:solidFill>
                   <a:schemeClr val="bg1"/>
                 </a:solidFill>
               </a14:hiddenFill>
             </a:ext>
             <a:ext uri="{91240B29-F687-4F45-9708-019B960494DF}">
-              <a14:hiddenLine xmlns:a14="http://schemas.microsoft.com/office/drawing/2010/main" w="12700">
+              <a14:hiddenLine xmlns="" xmlns:a14="http://schemas.microsoft.com/office/drawing/2010/main" w="12700">
                 <a:solidFill>
                   <a:schemeClr val="tx1"/>
                 </a:solidFill>
@@ -22762,7 +22811,7 @@
               </a14:hiddenLine>
             </a:ext>
             <a:ext uri="{AF507438-7753-43E0-B8FC-AC1667EBCBE1}">
-              <a14:hiddenEffects xmlns:a14="http://schemas.microsoft.com/office/drawing/2010/main">
+              <a14:hiddenEffects xmlns="" xmlns:a14="http://schemas.microsoft.com/office/drawing/2010/main">
                 <a:effectLst>
                   <a:outerShdw blurRad="63500" dist="38099" dir="2700000" algn="ctr" rotWithShape="0">
                     <a:schemeClr val="bg2">
@@ -22794,7 +22843,7 @@
           <p:cNvPr id="15" name="Text Box 5">
             <a:extLst>
               <a:ext uri="{FF2B5EF4-FFF2-40B4-BE49-F238E27FC236}">
-                <a16:creationId xmlns:a16="http://schemas.microsoft.com/office/drawing/2014/main" id="{4BC790B9-65C1-4615-A054-E3E947511C5B}"/>
+                <a16:creationId xmlns="" xmlns:a16="http://schemas.microsoft.com/office/drawing/2014/main" id="{4BC790B9-65C1-4615-A054-E3E947511C5B}"/>
               </a:ext>
             </a:extLst>
           </p:cNvPr>
@@ -22818,14 +22867,14 @@
           <a:effectLst/>
           <a:extLst>
             <a:ext uri="{909E8E84-426E-40DD-AFC4-6F175D3DCCD1}">
-              <a14:hiddenFill xmlns:a14="http://schemas.microsoft.com/office/drawing/2010/main">
+              <a14:hiddenFill xmlns="" xmlns:a14="http://schemas.microsoft.com/office/drawing/2010/main">
                 <a:solidFill>
                   <a:schemeClr val="bg1"/>
                 </a:solidFill>
               </a14:hiddenFill>
             </a:ext>
             <a:ext uri="{91240B29-F687-4F45-9708-019B960494DF}">
-              <a14:hiddenLine xmlns:a14="http://schemas.microsoft.com/office/drawing/2010/main" w="12700">
+              <a14:hiddenLine xmlns="" xmlns:a14="http://schemas.microsoft.com/office/drawing/2010/main" w="12700">
                 <a:solidFill>
                   <a:schemeClr val="tx1"/>
                 </a:solidFill>
@@ -22835,7 +22884,7 @@
               </a14:hiddenLine>
             </a:ext>
             <a:ext uri="{AF507438-7753-43E0-B8FC-AC1667EBCBE1}">
-              <a14:hiddenEffects xmlns:a14="http://schemas.microsoft.com/office/drawing/2010/main">
+              <a14:hiddenEffects xmlns="" xmlns:a14="http://schemas.microsoft.com/office/drawing/2010/main">
                 <a:effectLst>
                   <a:outerShdw blurRad="63500" dist="38099" dir="2700000" algn="ctr" rotWithShape="0">
                     <a:schemeClr val="bg2">
@@ -22867,7 +22916,7 @@
           <p:cNvPr id="16" name="Text Box 6">
             <a:extLst>
               <a:ext uri="{FF2B5EF4-FFF2-40B4-BE49-F238E27FC236}">
-                <a16:creationId xmlns:a16="http://schemas.microsoft.com/office/drawing/2014/main" id="{D588EC4E-1506-4BFE-A92C-1327A2E4F1D4}"/>
+                <a16:creationId xmlns="" xmlns:a16="http://schemas.microsoft.com/office/drawing/2014/main" id="{D588EC4E-1506-4BFE-A92C-1327A2E4F1D4}"/>
               </a:ext>
             </a:extLst>
           </p:cNvPr>
@@ -22921,7 +22970,7 @@
           <p:cNvPr id="17" name="Line 10">
             <a:extLst>
               <a:ext uri="{FF2B5EF4-FFF2-40B4-BE49-F238E27FC236}">
-                <a16:creationId xmlns:a16="http://schemas.microsoft.com/office/drawing/2014/main" id="{323F78D9-3960-421A-8D95-3B389D4B1055}"/>
+                <a16:creationId xmlns="" xmlns:a16="http://schemas.microsoft.com/office/drawing/2014/main" id="{323F78D9-3960-421A-8D95-3B389D4B1055}"/>
               </a:ext>
             </a:extLst>
           </p:cNvPr>
@@ -22950,12 +22999,12 @@
           <a:effectLst/>
           <a:extLst>
             <a:ext uri="{909E8E84-426E-40DD-AFC4-6F175D3DCCD1}">
-              <a14:hiddenFill xmlns:a14="http://schemas.microsoft.com/office/drawing/2010/main">
+              <a14:hiddenFill xmlns="" xmlns:a14="http://schemas.microsoft.com/office/drawing/2010/main">
                 <a:noFill/>
               </a14:hiddenFill>
             </a:ext>
             <a:ext uri="{AF507438-7753-43E0-B8FC-AC1667EBCBE1}">
-              <a14:hiddenEffects xmlns:a14="http://schemas.microsoft.com/office/drawing/2010/main">
+              <a14:hiddenEffects xmlns="" xmlns:a14="http://schemas.microsoft.com/office/drawing/2010/main">
                 <a:effectLst>
                   <a:outerShdw blurRad="63500" dist="38099" dir="2700000" algn="ctr" rotWithShape="0">
                     <a:schemeClr val="bg2">
@@ -22983,7 +23032,7 @@
     </p:spTree>
     <p:extLst>
       <p:ext uri="{BB962C8B-B14F-4D97-AF65-F5344CB8AC3E}">
-        <p14:creationId xmlns:p14="http://schemas.microsoft.com/office/powerpoint/2010/main" val="2753430246"/>
+        <p14:creationId xmlns="" xmlns:p14="http://schemas.microsoft.com/office/powerpoint/2010/main" val="2753430246"/>
       </p:ext>
     </p:extLst>
   </p:cSld>
@@ -23129,28 +23178,6 @@
       </p:sp>
       <p:sp>
         <p:nvSpPr>
-          <p:cNvPr id="6" name="Date Placeholder 5"/>
-          <p:cNvSpPr>
-            <a:spLocks noGrp="1"/>
-          </p:cNvSpPr>
-          <p:nvPr>
-            <p:ph type="dt" sz="half" idx="2"/>
-          </p:nvPr>
-        </p:nvSpPr>
-        <p:spPr/>
-        <p:txBody>
-          <a:bodyPr/>
-          <a:lstStyle/>
-          <a:p>
-            <a:r>
-              <a:rPr lang="en-CA" dirty="0"/>
-              <a:t>Winter 2022</a:t>
-            </a:r>
-          </a:p>
-        </p:txBody>
-      </p:sp>
-      <p:sp>
-        <p:nvSpPr>
           <p:cNvPr id="10" name="Footer Placeholder 9"/>
           <p:cNvSpPr>
             <a:spLocks noGrp="1"/>
@@ -23203,7 +23230,7 @@
           <p:cNvPr id="7" name="Rectangle 4">
             <a:extLst>
               <a:ext uri="{FF2B5EF4-FFF2-40B4-BE49-F238E27FC236}">
-                <a16:creationId xmlns:a16="http://schemas.microsoft.com/office/drawing/2014/main" id="{AE5F34CA-FDF3-47ED-902B-21A1F1B2EC9A}"/>
+                <a16:creationId xmlns="" xmlns:a16="http://schemas.microsoft.com/office/drawing/2014/main" id="{AE5F34CA-FDF3-47ED-902B-21A1F1B2EC9A}"/>
               </a:ext>
             </a:extLst>
           </p:cNvPr>
@@ -23234,7 +23261,7 @@
           <a:effectLst/>
           <a:extLst>
             <a:ext uri="{AF507438-7753-43E0-B8FC-AC1667EBCBE1}">
-              <a14:hiddenEffects xmlns:a14="http://schemas.microsoft.com/office/drawing/2010/main">
+              <a14:hiddenEffects xmlns="" xmlns:a14="http://schemas.microsoft.com/office/drawing/2010/main">
                 <a:effectLst>
                   <a:outerShdw blurRad="63500" dist="38099" dir="2700000" algn="ctr" rotWithShape="0">
                     <a:schemeClr val="bg2">
@@ -23267,7 +23294,7 @@
           <p:cNvPr id="8" name="Rectangle 5">
             <a:extLst>
               <a:ext uri="{FF2B5EF4-FFF2-40B4-BE49-F238E27FC236}">
-                <a16:creationId xmlns:a16="http://schemas.microsoft.com/office/drawing/2014/main" id="{823402BC-D2CF-4508-8A30-B6C389E31961}"/>
+                <a16:creationId xmlns="" xmlns:a16="http://schemas.microsoft.com/office/drawing/2014/main" id="{823402BC-D2CF-4508-8A30-B6C389E31961}"/>
               </a:ext>
             </a:extLst>
           </p:cNvPr>
@@ -23298,7 +23325,7 @@
           <a:effectLst/>
           <a:extLst>
             <a:ext uri="{AF507438-7753-43E0-B8FC-AC1667EBCBE1}">
-              <a14:hiddenEffects xmlns:a14="http://schemas.microsoft.com/office/drawing/2010/main">
+              <a14:hiddenEffects xmlns="" xmlns:a14="http://schemas.microsoft.com/office/drawing/2010/main">
                 <a:effectLst>
                   <a:outerShdw blurRad="63500" dist="38099" dir="2700000" algn="ctr" rotWithShape="0">
                     <a:schemeClr val="bg2">
@@ -23331,7 +23358,7 @@
           <p:cNvPr id="9" name="Line 6">
             <a:extLst>
               <a:ext uri="{FF2B5EF4-FFF2-40B4-BE49-F238E27FC236}">
-                <a16:creationId xmlns:a16="http://schemas.microsoft.com/office/drawing/2014/main" id="{9ED39009-A4D3-429A-8178-21002D00C26D}"/>
+                <a16:creationId xmlns="" xmlns:a16="http://schemas.microsoft.com/office/drawing/2014/main" id="{9ED39009-A4D3-429A-8178-21002D00C26D}"/>
               </a:ext>
             </a:extLst>
           </p:cNvPr>
@@ -23360,12 +23387,12 @@
           <a:effectLst/>
           <a:extLst>
             <a:ext uri="{909E8E84-426E-40DD-AFC4-6F175D3DCCD1}">
-              <a14:hiddenFill xmlns:a14="http://schemas.microsoft.com/office/drawing/2010/main">
+              <a14:hiddenFill xmlns="" xmlns:a14="http://schemas.microsoft.com/office/drawing/2010/main">
                 <a:noFill/>
               </a14:hiddenFill>
             </a:ext>
             <a:ext uri="{AF507438-7753-43E0-B8FC-AC1667EBCBE1}">
-              <a14:hiddenEffects xmlns:a14="http://schemas.microsoft.com/office/drawing/2010/main">
+              <a14:hiddenEffects xmlns="" xmlns:a14="http://schemas.microsoft.com/office/drawing/2010/main">
                 <a:effectLst>
                   <a:outerShdw blurRad="63500" dist="38099" dir="2700000" algn="ctr" rotWithShape="0">
                     <a:schemeClr val="bg2">
@@ -23395,7 +23422,7 @@
           <p:cNvPr id="11" name="Line 7">
             <a:extLst>
               <a:ext uri="{FF2B5EF4-FFF2-40B4-BE49-F238E27FC236}">
-                <a16:creationId xmlns:a16="http://schemas.microsoft.com/office/drawing/2014/main" id="{19F93BF5-2FB7-492F-901C-719B363A0063}"/>
+                <a16:creationId xmlns="" xmlns:a16="http://schemas.microsoft.com/office/drawing/2014/main" id="{19F93BF5-2FB7-492F-901C-719B363A0063}"/>
               </a:ext>
             </a:extLst>
           </p:cNvPr>
@@ -23424,12 +23451,12 @@
           <a:effectLst/>
           <a:extLst>
             <a:ext uri="{909E8E84-426E-40DD-AFC4-6F175D3DCCD1}">
-              <a14:hiddenFill xmlns:a14="http://schemas.microsoft.com/office/drawing/2010/main">
+              <a14:hiddenFill xmlns="" xmlns:a14="http://schemas.microsoft.com/office/drawing/2010/main">
                 <a:noFill/>
               </a14:hiddenFill>
             </a:ext>
             <a:ext uri="{AF507438-7753-43E0-B8FC-AC1667EBCBE1}">
-              <a14:hiddenEffects xmlns:a14="http://schemas.microsoft.com/office/drawing/2010/main">
+              <a14:hiddenEffects xmlns="" xmlns:a14="http://schemas.microsoft.com/office/drawing/2010/main">
                 <a:effectLst>
                   <a:outerShdw blurRad="63500" dist="38099" dir="2700000" algn="ctr" rotWithShape="0">
                     <a:schemeClr val="bg2">
@@ -23459,7 +23486,7 @@
           <p:cNvPr id="13" name="Text Box 8">
             <a:extLst>
               <a:ext uri="{FF2B5EF4-FFF2-40B4-BE49-F238E27FC236}">
-                <a16:creationId xmlns:a16="http://schemas.microsoft.com/office/drawing/2014/main" id="{33786A72-81D1-4D42-9BF8-806A1B30B6CC}"/>
+                <a16:creationId xmlns="" xmlns:a16="http://schemas.microsoft.com/office/drawing/2014/main" id="{33786A72-81D1-4D42-9BF8-806A1B30B6CC}"/>
               </a:ext>
             </a:extLst>
           </p:cNvPr>
@@ -23483,14 +23510,14 @@
           <a:effectLst/>
           <a:extLst>
             <a:ext uri="{909E8E84-426E-40DD-AFC4-6F175D3DCCD1}">
-              <a14:hiddenFill xmlns:a14="http://schemas.microsoft.com/office/drawing/2010/main">
+              <a14:hiddenFill xmlns="" xmlns:a14="http://schemas.microsoft.com/office/drawing/2010/main">
                 <a:solidFill>
                   <a:schemeClr val="accent1"/>
                 </a:solidFill>
               </a14:hiddenFill>
             </a:ext>
             <a:ext uri="{91240B29-F687-4F45-9708-019B960494DF}">
-              <a14:hiddenLine xmlns:a14="http://schemas.microsoft.com/office/drawing/2010/main" w="9525">
+              <a14:hiddenLine xmlns="" xmlns:a14="http://schemas.microsoft.com/office/drawing/2010/main" w="9525">
                 <a:solidFill>
                   <a:schemeClr val="tx1"/>
                 </a:solidFill>
@@ -23500,7 +23527,7 @@
               </a14:hiddenLine>
             </a:ext>
             <a:ext uri="{AF507438-7753-43E0-B8FC-AC1667EBCBE1}">
-              <a14:hiddenEffects xmlns:a14="http://schemas.microsoft.com/office/drawing/2010/main">
+              <a14:hiddenEffects xmlns="" xmlns:a14="http://schemas.microsoft.com/office/drawing/2010/main">
                 <a:effectLst>
                   <a:outerShdw blurRad="63500" dist="38099" dir="2700000" algn="ctr" rotWithShape="0">
                     <a:schemeClr val="bg2">
@@ -23544,7 +23571,7 @@
     </p:spTree>
     <p:extLst>
       <p:ext uri="{BB962C8B-B14F-4D97-AF65-F5344CB8AC3E}">
-        <p14:creationId xmlns:p14="http://schemas.microsoft.com/office/powerpoint/2010/main" val="1351112784"/>
+        <p14:creationId xmlns="" xmlns:p14="http://schemas.microsoft.com/office/powerpoint/2010/main" val="1351112784"/>
       </p:ext>
     </p:extLst>
   </p:cSld>
@@ -23737,28 +23764,6 @@
       </p:sp>
       <p:sp>
         <p:nvSpPr>
-          <p:cNvPr id="6" name="Date Placeholder 5"/>
-          <p:cNvSpPr>
-            <a:spLocks noGrp="1"/>
-          </p:cNvSpPr>
-          <p:nvPr>
-            <p:ph type="dt" sz="half" idx="2"/>
-          </p:nvPr>
-        </p:nvSpPr>
-        <p:spPr/>
-        <p:txBody>
-          <a:bodyPr/>
-          <a:lstStyle/>
-          <a:p>
-            <a:r>
-              <a:rPr lang="en-CA" dirty="0"/>
-              <a:t>Winter 2022</a:t>
-            </a:r>
-          </a:p>
-        </p:txBody>
-      </p:sp>
-      <p:sp>
-        <p:nvSpPr>
           <p:cNvPr id="10" name="Footer Placeholder 9"/>
           <p:cNvSpPr>
             <a:spLocks noGrp="1"/>
@@ -23809,7 +23814,7 @@
     </p:spTree>
     <p:extLst>
       <p:ext uri="{BB962C8B-B14F-4D97-AF65-F5344CB8AC3E}">
-        <p14:creationId xmlns:p14="http://schemas.microsoft.com/office/powerpoint/2010/main" val="3275369160"/>
+        <p14:creationId xmlns="" xmlns:p14="http://schemas.microsoft.com/office/powerpoint/2010/main" val="3275369160"/>
       </p:ext>
     </p:extLst>
   </p:cSld>
@@ -23965,28 +23970,6 @@
       </p:sp>
       <p:sp>
         <p:nvSpPr>
-          <p:cNvPr id="6" name="Date Placeholder 5"/>
-          <p:cNvSpPr>
-            <a:spLocks noGrp="1"/>
-          </p:cNvSpPr>
-          <p:nvPr>
-            <p:ph type="dt" sz="half" idx="2"/>
-          </p:nvPr>
-        </p:nvSpPr>
-        <p:spPr/>
-        <p:txBody>
-          <a:bodyPr/>
-          <a:lstStyle/>
-          <a:p>
-            <a:r>
-              <a:rPr lang="en-CA" dirty="0"/>
-              <a:t>Winter 2022</a:t>
-            </a:r>
-          </a:p>
-        </p:txBody>
-      </p:sp>
-      <p:sp>
-        <p:nvSpPr>
           <p:cNvPr id="10" name="Footer Placeholder 9"/>
           <p:cNvSpPr>
             <a:spLocks noGrp="1"/>
@@ -24037,7 +24020,7 @@
     </p:spTree>
     <p:extLst>
       <p:ext uri="{BB962C8B-B14F-4D97-AF65-F5344CB8AC3E}">
-        <p14:creationId xmlns:p14="http://schemas.microsoft.com/office/powerpoint/2010/main" val="1020951587"/>
+        <p14:creationId xmlns="" xmlns:p14="http://schemas.microsoft.com/office/powerpoint/2010/main" val="1020951587"/>
       </p:ext>
     </p:extLst>
   </p:cSld>
@@ -24090,7 +24073,7 @@
     </a:clrScheme>
     <a:fontScheme name="Office">
       <a:majorFont>
-        <a:latin typeface="Calibri Light" panose="020F0302020204030204"/>
+        <a:latin typeface="Calibri Light"/>
         <a:ea typeface=""/>
         <a:cs typeface=""/>
         <a:font script="Jpan" typeface="游ゴシック Light"/>
@@ -24142,7 +24125,7 @@
         <a:font script="Tfng" typeface="Ebrima"/>
       </a:majorFont>
       <a:minorFont>
-        <a:latin typeface="Calibri" panose="020F0502020204030204"/>
+        <a:latin typeface="Calibri"/>
         <a:ea typeface=""/>
         <a:cs typeface=""/>
         <a:font script="Jpan" typeface="游ゴシック"/>
@@ -24336,7 +24319,7 @@
   <a:extraClrSchemeLst/>
   <a:extLst>
     <a:ext uri="{05A4C25C-085E-4340-85A3-A5531E510DB2}">
-      <thm15:themeFamily xmlns:thm15="http://schemas.microsoft.com/office/thememl/2012/main" name="eye_tracker_presentation" id="{00ED1D97-A04B-46A0-BB71-88655A6B057F}" vid="{F36189FA-3966-4852-951E-5734674D1C7B}"/>
+      <thm15:themeFamily xmlns="" xmlns:thm15="http://schemas.microsoft.com/office/thememl/2012/main" name="eye_tracker_presentation" id="{00ED1D97-A04B-46A0-BB71-88655A6B057F}" vid="{F36189FA-3966-4852-951E-5734674D1C7B}"/>
     </a:ext>
   </a:extLst>
 </a:theme>
@@ -24385,7 +24368,7 @@
     </a:clrScheme>
     <a:fontScheme name="Office">
       <a:majorFont>
-        <a:latin typeface="Calibri Light" panose="020F0302020204030204"/>
+        <a:latin typeface="Calibri Light"/>
         <a:ea typeface=""/>
         <a:cs typeface=""/>
         <a:font script="Jpan" typeface="游ゴシック Light"/>
@@ -24437,7 +24420,7 @@
         <a:font script="Tfng" typeface="Ebrima"/>
       </a:majorFont>
       <a:minorFont>
-        <a:latin typeface="Calibri" panose="020F0502020204030204"/>
+        <a:latin typeface="Calibri"/>
         <a:ea typeface=""/>
         <a:cs typeface=""/>
         <a:font script="Jpan" typeface="游ゴシック"/>
@@ -24631,7 +24614,7 @@
   <a:extraClrSchemeLst/>
   <a:extLst>
     <a:ext uri="{05A4C25C-085E-4340-85A3-A5531E510DB2}">
-      <thm15:themeFamily xmlns:thm15="http://schemas.microsoft.com/office/thememl/2012/main" name="Office Theme" id="{62F939B6-93AF-4DB8-9C6B-D6C7DFDC589F}" vid="{4A3C46E8-61CC-4603-A589-7422A47A8E4A}"/>
+      <thm15:themeFamily xmlns="" xmlns:thm15="http://schemas.microsoft.com/office/thememl/2012/main" name="Office Theme" id="{62F939B6-93AF-4DB8-9C6B-D6C7DFDC589F}" vid="{4A3C46E8-61CC-4603-A589-7422A47A8E4A}"/>
     </a:ext>
   </a:extLst>
 </a:theme>

--- a/bishops/cs321/resources/CS321_Lecture_09.pptx
+++ b/bishops/cs321/resources/CS321_Lecture_09.pptx
@@ -240,7 +240,7 @@
             <a:fld id="{A6583E9D-07AB-4C6D-BFD0-47E805C6B3D4}" type="datetimeFigureOut">
               <a:rPr lang="en-CA" smtClean="0"/>
               <a:pPr/>
-              <a:t>2024-02-13</a:t>
+              <a:t>2025-01-05</a:t>
             </a:fld>
             <a:endParaRPr lang="en-CA"/>
           </a:p>
@@ -553,14 +553,6 @@
           <a:bodyPr/>
           <a:lstStyle/>
           <a:p>
-            <a:r>
-              <a:rPr lang="en-CA" dirty="0"/>
-              <a:t>Multi-instrument</a:t>
-            </a:r>
-            <a:r>
-              <a:rPr lang="en-CA" baseline="0" dirty="0"/>
-              <a:t> / Multi-instrument Inter-process (minus the)-with Eye Trackers-</a:t>
-            </a:r>
             <a:endParaRPr lang="en-CA" dirty="0"/>
           </a:p>
         </p:txBody>
@@ -3636,12 +3628,6 @@
             <a:endParaRPr lang="en-CA" baseline="30000" dirty="0"/>
           </a:p>
           <a:p>
-            <a:r>
-              <a:rPr lang="en-CA" dirty="0"/>
-              <a:t>Date: January 31, 2022</a:t>
-            </a:r>
-          </a:p>
-          <a:p>
             <a:endParaRPr lang="en-CA" dirty="0"/>
           </a:p>
         </p:txBody>
@@ -3703,6 +3689,13 @@
   <p:clrMapOvr>
     <a:masterClrMapping/>
   </p:clrMapOvr>
+  <p:timing>
+    <p:tnLst>
+      <p:par>
+        <p:cTn id="1" dur="indefinite" restart="never" nodeType="tmRoot"/>
+      </p:par>
+    </p:tnLst>
+  </p:timing>
 </p:sld>
 </file>
 
@@ -4038,6 +4031,13 @@
   <p:clrMapOvr>
     <a:masterClrMapping/>
   </p:clrMapOvr>
+  <p:timing>
+    <p:tnLst>
+      <p:par>
+        <p:cTn id="1" dur="indefinite" restart="never" nodeType="tmRoot"/>
+      </p:par>
+    </p:tnLst>
+  </p:timing>
 </p:sld>
 </file>
 
@@ -4825,6 +4825,13 @@
   <p:clrMapOvr>
     <a:masterClrMapping/>
   </p:clrMapOvr>
+  <p:timing>
+    <p:tnLst>
+      <p:par>
+        <p:cTn id="1" dur="indefinite" restart="never" nodeType="tmRoot"/>
+      </p:par>
+    </p:tnLst>
+  </p:timing>
 </p:sld>
 </file>
 
@@ -5361,6 +5368,13 @@
   <p:clrMapOvr>
     <a:masterClrMapping/>
   </p:clrMapOvr>
+  <p:timing>
+    <p:tnLst>
+      <p:par>
+        <p:cTn id="1" dur="indefinite" restart="never" nodeType="tmRoot"/>
+      </p:par>
+    </p:tnLst>
+  </p:timing>
 </p:sld>
 </file>
 
@@ -5921,6 +5935,13 @@
   <p:clrMapOvr>
     <a:masterClrMapping/>
   </p:clrMapOvr>
+  <p:timing>
+    <p:tnLst>
+      <p:par>
+        <p:cTn id="1" dur="indefinite" restart="never" nodeType="tmRoot"/>
+      </p:par>
+    </p:tnLst>
+  </p:timing>
 </p:sld>
 </file>
 
@@ -6433,6 +6454,13 @@
   <p:clrMapOvr>
     <a:masterClrMapping/>
   </p:clrMapOvr>
+  <p:timing>
+    <p:tnLst>
+      <p:par>
+        <p:cTn id="1" dur="indefinite" restart="never" nodeType="tmRoot"/>
+      </p:par>
+    </p:tnLst>
+  </p:timing>
 </p:sld>
 </file>
 
@@ -6950,6 +6978,13 @@
   <p:clrMapOvr>
     <a:masterClrMapping/>
   </p:clrMapOvr>
+  <p:timing>
+    <p:tnLst>
+      <p:par>
+        <p:cTn id="1" dur="indefinite" restart="never" nodeType="tmRoot"/>
+      </p:par>
+    </p:tnLst>
+  </p:timing>
 </p:sld>
 </file>
 
@@ -7529,6 +7564,13 @@
   <p:clrMapOvr>
     <a:masterClrMapping/>
   </p:clrMapOvr>
+  <p:timing>
+    <p:tnLst>
+      <p:par>
+        <p:cTn id="1" dur="indefinite" restart="never" nodeType="tmRoot"/>
+      </p:par>
+    </p:tnLst>
+  </p:timing>
 </p:sld>
 </file>
 
@@ -8652,6 +8694,13 @@
   <p:clrMapOvr>
     <a:masterClrMapping/>
   </p:clrMapOvr>
+  <p:timing>
+    <p:tnLst>
+      <p:par>
+        <p:cTn id="1" dur="indefinite" restart="never" nodeType="tmRoot"/>
+      </p:par>
+    </p:tnLst>
+  </p:timing>
 </p:sld>
 </file>
 
@@ -9735,6 +9784,13 @@
   <p:clrMapOvr>
     <a:masterClrMapping/>
   </p:clrMapOvr>
+  <p:timing>
+    <p:tnLst>
+      <p:par>
+        <p:cTn id="1" dur="indefinite" restart="never" nodeType="tmRoot"/>
+      </p:par>
+    </p:tnLst>
+  </p:timing>
 </p:sld>
 </file>
 
@@ -10301,6 +10357,13 @@
   <p:clrMapOvr>
     <a:masterClrMapping/>
   </p:clrMapOvr>
+  <p:timing>
+    <p:tnLst>
+      <p:par>
+        <p:cTn id="1" dur="indefinite" restart="never" nodeType="tmRoot"/>
+      </p:par>
+    </p:tnLst>
+  </p:timing>
 </p:sld>
 </file>
 
@@ -10456,6 +10519,13 @@
   <p:clrMapOvr>
     <a:masterClrMapping/>
   </p:clrMapOvr>
+  <p:timing>
+    <p:tnLst>
+      <p:par>
+        <p:cTn id="1" dur="indefinite" restart="never" nodeType="tmRoot"/>
+      </p:par>
+    </p:tnLst>
+  </p:timing>
 </p:sld>
 </file>
 
@@ -11121,6 +11191,13 @@
   <p:clrMapOvr>
     <a:masterClrMapping/>
   </p:clrMapOvr>
+  <p:timing>
+    <p:tnLst>
+      <p:par>
+        <p:cTn id="1" dur="indefinite" restart="never" nodeType="tmRoot"/>
+      </p:par>
+    </p:tnLst>
+  </p:timing>
 </p:sld>
 </file>
 
@@ -12492,6 +12569,13 @@
   <p:clrMapOvr>
     <a:masterClrMapping/>
   </p:clrMapOvr>
+  <p:timing>
+    <p:tnLst>
+      <p:par>
+        <p:cTn id="1" dur="indefinite" restart="never" nodeType="tmRoot"/>
+      </p:par>
+    </p:tnLst>
+  </p:timing>
 </p:sld>
 </file>
 
@@ -13338,6 +13422,13 @@
   <p:clrMapOvr>
     <a:masterClrMapping/>
   </p:clrMapOvr>
+  <p:timing>
+    <p:tnLst>
+      <p:par>
+        <p:cTn id="1" dur="indefinite" restart="never" nodeType="tmRoot"/>
+      </p:par>
+    </p:tnLst>
+  </p:timing>
 </p:sld>
 </file>
 
@@ -14108,6 +14199,13 @@
   <p:clrMapOvr>
     <a:masterClrMapping/>
   </p:clrMapOvr>
+  <p:timing>
+    <p:tnLst>
+      <p:par>
+        <p:cTn id="1" dur="indefinite" restart="never" nodeType="tmRoot"/>
+      </p:par>
+    </p:tnLst>
+  </p:timing>
 </p:sld>
 </file>
 
@@ -14739,6 +14837,13 @@
   <p:clrMapOvr>
     <a:masterClrMapping/>
   </p:clrMapOvr>
+  <p:timing>
+    <p:tnLst>
+      <p:par>
+        <p:cTn id="1" dur="indefinite" restart="never" nodeType="tmRoot"/>
+      </p:par>
+    </p:tnLst>
+  </p:timing>
 </p:sld>
 </file>
 
@@ -17240,6 +17345,13 @@
   <p:clrMapOvr>
     <a:masterClrMapping/>
   </p:clrMapOvr>
+  <p:timing>
+    <p:tnLst>
+      <p:par>
+        <p:cTn id="1" dur="indefinite" restart="never" nodeType="tmRoot"/>
+      </p:par>
+    </p:tnLst>
+  </p:timing>
 </p:sld>
 </file>
 
@@ -17781,6 +17893,13 @@
   <p:clrMapOvr>
     <a:masterClrMapping/>
   </p:clrMapOvr>
+  <p:timing>
+    <p:tnLst>
+      <p:par>
+        <p:cTn id="1" dur="indefinite" restart="never" nodeType="tmRoot"/>
+      </p:par>
+    </p:tnLst>
+  </p:timing>
 </p:sld>
 </file>
 
@@ -17969,6 +18088,13 @@
   <p:clrMapOvr>
     <a:masterClrMapping/>
   </p:clrMapOvr>
+  <p:timing>
+    <p:tnLst>
+      <p:par>
+        <p:cTn id="1" dur="indefinite" restart="never" nodeType="tmRoot"/>
+      </p:par>
+    </p:tnLst>
+  </p:timing>
 </p:sld>
 </file>
 
@@ -18754,6 +18880,13 @@
   <p:clrMapOvr>
     <a:masterClrMapping/>
   </p:clrMapOvr>
+  <p:timing>
+    <p:tnLst>
+      <p:par>
+        <p:cTn id="1" dur="indefinite" restart="never" nodeType="tmRoot"/>
+      </p:par>
+    </p:tnLst>
+  </p:timing>
 </p:sld>
 </file>
 
@@ -19542,6 +19675,13 @@
   <p:clrMapOvr>
     <a:masterClrMapping/>
   </p:clrMapOvr>
+  <p:timing>
+    <p:tnLst>
+      <p:par>
+        <p:cTn id="1" dur="indefinite" restart="never" nodeType="tmRoot"/>
+      </p:par>
+    </p:tnLst>
+  </p:timing>
 </p:sld>
 </file>
 
@@ -20052,6 +20192,13 @@
   <p:clrMapOvr>
     <a:masterClrMapping/>
   </p:clrMapOvr>
+  <p:timing>
+    <p:tnLst>
+      <p:par>
+        <p:cTn id="1" dur="indefinite" restart="never" nodeType="tmRoot"/>
+      </p:par>
+    </p:tnLst>
+  </p:timing>
 </p:sld>
 </file>
 
@@ -20964,6 +21111,13 @@
   <p:clrMapOvr>
     <a:masterClrMapping/>
   </p:clrMapOvr>
+  <p:timing>
+    <p:tnLst>
+      <p:par>
+        <p:cTn id="1" dur="indefinite" restart="never" nodeType="tmRoot"/>
+      </p:par>
+    </p:tnLst>
+  </p:timing>
 </p:sld>
 </file>
 
@@ -21172,6 +21326,13 @@
   <p:clrMapOvr>
     <a:masterClrMapping/>
   </p:clrMapOvr>
+  <p:timing>
+    <p:tnLst>
+      <p:par>
+        <p:cTn id="1" dur="indefinite" restart="never" nodeType="tmRoot"/>
+      </p:par>
+    </p:tnLst>
+  </p:timing>
 </p:sld>
 </file>
 
@@ -21424,6 +21585,13 @@
   <p:clrMapOvr>
     <a:masterClrMapping/>
   </p:clrMapOvr>
+  <p:timing>
+    <p:tnLst>
+      <p:par>
+        <p:cTn id="1" dur="indefinite" restart="never" nodeType="tmRoot"/>
+      </p:par>
+    </p:tnLst>
+  </p:timing>
 </p:sld>
 </file>
 
@@ -21843,6 +22011,13 @@
   <p:clrMapOvr>
     <a:masterClrMapping/>
   </p:clrMapOvr>
+  <p:timing>
+    <p:tnLst>
+      <p:par>
+        <p:cTn id="1" dur="indefinite" restart="never" nodeType="tmRoot"/>
+      </p:par>
+    </p:tnLst>
+  </p:timing>
 </p:sld>
 </file>
 
@@ -23039,6 +23214,13 @@
   <p:clrMapOvr>
     <a:masterClrMapping/>
   </p:clrMapOvr>
+  <p:timing>
+    <p:tnLst>
+      <p:par>
+        <p:cTn id="1" dur="indefinite" restart="never" nodeType="tmRoot"/>
+      </p:par>
+    </p:tnLst>
+  </p:timing>
 </p:sld>
 </file>
 
@@ -23578,6 +23760,13 @@
   <p:clrMapOvr>
     <a:masterClrMapping/>
   </p:clrMapOvr>
+  <p:timing>
+    <p:tnLst>
+      <p:par>
+        <p:cTn id="1" dur="indefinite" restart="never" nodeType="tmRoot"/>
+      </p:par>
+    </p:tnLst>
+  </p:timing>
 </p:sld>
 </file>
 
@@ -23821,6 +24010,13 @@
   <p:clrMapOvr>
     <a:masterClrMapping/>
   </p:clrMapOvr>
+  <p:timing>
+    <p:tnLst>
+      <p:par>
+        <p:cTn id="1" dur="indefinite" restart="never" nodeType="tmRoot"/>
+      </p:par>
+    </p:tnLst>
+  </p:timing>
 </p:sld>
 </file>
 
@@ -24027,6 +24223,13 @@
   <p:clrMapOvr>
     <a:masterClrMapping/>
   </p:clrMapOvr>
+  <p:timing>
+    <p:tnLst>
+      <p:par>
+        <p:cTn id="1" dur="indefinite" restart="never" nodeType="tmRoot"/>
+      </p:par>
+    </p:tnLst>
+  </p:timing>
 </p:sld>
 </file>
 
